--- a/ВКР/презентация.pptx
+++ b/ВКР/презентация.pptx
@@ -5,7 +5,7 @@
     <p:sldMasterId id="2147483648" r:id="rId1"/>
   </p:sldMasterIdLst>
   <p:notesMasterIdLst>
-    <p:notesMasterId r:id="rId28"/>
+    <p:notesMasterId r:id="rId27"/>
   </p:notesMasterIdLst>
   <p:sldIdLst>
     <p:sldId id="263" r:id="rId2"/>
@@ -18,22 +18,21 @@
     <p:sldId id="266" r:id="rId9"/>
     <p:sldId id="283" r:id="rId10"/>
     <p:sldId id="273" r:id="rId11"/>
-    <p:sldId id="272" r:id="rId12"/>
-    <p:sldId id="256" r:id="rId13"/>
-    <p:sldId id="258" r:id="rId14"/>
-    <p:sldId id="260" r:id="rId15"/>
-    <p:sldId id="261" r:id="rId16"/>
-    <p:sldId id="262" r:id="rId17"/>
-    <p:sldId id="275" r:id="rId18"/>
-    <p:sldId id="284" r:id="rId19"/>
-    <p:sldId id="277" r:id="rId20"/>
-    <p:sldId id="278" r:id="rId21"/>
-    <p:sldId id="279" r:id="rId22"/>
-    <p:sldId id="280" r:id="rId23"/>
-    <p:sldId id="281" r:id="rId24"/>
-    <p:sldId id="282" r:id="rId25"/>
-    <p:sldId id="267" r:id="rId26"/>
-    <p:sldId id="268" r:id="rId27"/>
+    <p:sldId id="256" r:id="rId12"/>
+    <p:sldId id="258" r:id="rId13"/>
+    <p:sldId id="260" r:id="rId14"/>
+    <p:sldId id="261" r:id="rId15"/>
+    <p:sldId id="262" r:id="rId16"/>
+    <p:sldId id="275" r:id="rId17"/>
+    <p:sldId id="284" r:id="rId18"/>
+    <p:sldId id="277" r:id="rId19"/>
+    <p:sldId id="278" r:id="rId20"/>
+    <p:sldId id="279" r:id="rId21"/>
+    <p:sldId id="280" r:id="rId22"/>
+    <p:sldId id="281" r:id="rId23"/>
+    <p:sldId id="282" r:id="rId24"/>
+    <p:sldId id="267" r:id="rId25"/>
+    <p:sldId id="268" r:id="rId26"/>
   </p:sldIdLst>
   <p:sldSz cx="9144000" cy="6858000" type="screen4x3"/>
   <p:notesSz cx="6858000" cy="9144000"/>
@@ -5429,16 +5428,7 @@
                 </a:solidFill>
                 <a:cs typeface="Times New Roman" pitchFamily="18" charset="0"/>
               </a:rPr>
-              <a:t>Научный </a:t>
-            </a:r>
-            <a:r>
-              <a:rPr lang="ru-RU" sz="2600" dirty="0" smtClean="0">
-                <a:solidFill>
-                  <a:schemeClr val="tx1"/>
-                </a:solidFill>
-                <a:cs typeface="Times New Roman" pitchFamily="18" charset="0"/>
-              </a:rPr>
-              <a:t>руководитель</a:t>
+              <a:t>Научный руководитель</a:t>
             </a:r>
             <a:endParaRPr lang="ru-RU" sz="2600" b="1" dirty="0" smtClean="0">
               <a:solidFill>
@@ -5686,70 +5676,6 @@
 </file>
 
 <file path=ppt/slides/slide11.xml><?xml version="1.0" encoding="utf-8"?>
-<p:sld xmlns:a="http://schemas.openxmlformats.org/drawingml/2006/main" xmlns:r="http://schemas.openxmlformats.org/officeDocument/2006/relationships" xmlns:p="http://schemas.openxmlformats.org/presentationml/2006/main">
-  <p:cSld>
-    <p:spTree>
-      <p:nvGrpSpPr>
-        <p:cNvPr id="1" name=""/>
-        <p:cNvGrpSpPr/>
-        <p:nvPr/>
-      </p:nvGrpSpPr>
-      <p:grpSpPr>
-        <a:xfrm>
-          <a:off x="0" y="0"/>
-          <a:ext cx="0" cy="0"/>
-          <a:chOff x="0" y="0"/>
-          <a:chExt cx="0" cy="0"/>
-        </a:xfrm>
-      </p:grpSpPr>
-      <p:pic>
-        <p:nvPicPr>
-          <p:cNvPr id="6146" name="Picture 2"/>
-          <p:cNvPicPr>
-            <a:picLocks noChangeAspect="1" noChangeArrowheads="1"/>
-          </p:cNvPicPr>
-          <p:nvPr/>
-        </p:nvPicPr>
-        <p:blipFill>
-          <a:blip r:embed="rId2" cstate="print"/>
-          <a:srcRect/>
-          <a:stretch>
-            <a:fillRect/>
-          </a:stretch>
-        </p:blipFill>
-        <p:spPr bwMode="auto">
-          <a:xfrm>
-            <a:off x="467544" y="11620"/>
-            <a:ext cx="7812360" cy="6846380"/>
-          </a:xfrm>
-          <a:prstGeom prst="rect">
-            <a:avLst/>
-          </a:prstGeom>
-          <a:noFill/>
-          <a:ln w="9525">
-            <a:noFill/>
-            <a:miter lim="800000"/>
-            <a:headEnd/>
-            <a:tailEnd/>
-          </a:ln>
-        </p:spPr>
-      </p:pic>
-    </p:spTree>
-  </p:cSld>
-  <p:clrMapOvr>
-    <a:masterClrMapping/>
-  </p:clrMapOvr>
-  <p:timing>
-    <p:tnLst>
-      <p:par>
-        <p:cTn id="1" dur="indefinite" restart="never" nodeType="tmRoot"/>
-      </p:par>
-    </p:tnLst>
-  </p:timing>
-</p:sld>
-</file>
-
-<file path=ppt/slides/slide12.xml><?xml version="1.0" encoding="utf-8"?>
 <p:sld xmlns:a="http://schemas.openxmlformats.org/drawingml/2006/main" xmlns:r="http://schemas.openxmlformats.org/officeDocument/2006/relationships" xmlns:p="http://schemas.openxmlformats.org/presentationml/2006/main">
   <p:cSld>
     <p:spTree>
@@ -5813,7 +5739,7 @@
 </p:sld>
 </file>
 
-<file path=ppt/slides/slide13.xml><?xml version="1.0" encoding="utf-8"?>
+<file path=ppt/slides/slide12.xml><?xml version="1.0" encoding="utf-8"?>
 <p:sld xmlns:a="http://schemas.openxmlformats.org/drawingml/2006/main" xmlns:r="http://schemas.openxmlformats.org/officeDocument/2006/relationships" xmlns:p="http://schemas.openxmlformats.org/presentationml/2006/main">
   <p:cSld>
     <p:spTree>
@@ -5877,7 +5803,7 @@
 </p:sld>
 </file>
 
-<file path=ppt/slides/slide14.xml><?xml version="1.0" encoding="utf-8"?>
+<file path=ppt/slides/slide13.xml><?xml version="1.0" encoding="utf-8"?>
 <p:sld xmlns:a="http://schemas.openxmlformats.org/drawingml/2006/main" xmlns:r="http://schemas.openxmlformats.org/officeDocument/2006/relationships" xmlns:p="http://schemas.openxmlformats.org/presentationml/2006/main">
   <p:cSld>
     <p:spTree>
@@ -5941,7 +5867,7 @@
 </p:sld>
 </file>
 
-<file path=ppt/slides/slide15.xml><?xml version="1.0" encoding="utf-8"?>
+<file path=ppt/slides/slide14.xml><?xml version="1.0" encoding="utf-8"?>
 <p:sld xmlns:a="http://schemas.openxmlformats.org/drawingml/2006/main" xmlns:r="http://schemas.openxmlformats.org/officeDocument/2006/relationships" xmlns:p="http://schemas.openxmlformats.org/presentationml/2006/main">
   <p:cSld>
     <p:spTree>
@@ -6005,7 +5931,7 @@
 </p:sld>
 </file>
 
-<file path=ppt/slides/slide16.xml><?xml version="1.0" encoding="utf-8"?>
+<file path=ppt/slides/slide15.xml><?xml version="1.0" encoding="utf-8"?>
 <p:sld xmlns:a="http://schemas.openxmlformats.org/drawingml/2006/main" xmlns:r="http://schemas.openxmlformats.org/officeDocument/2006/relationships" xmlns:p="http://schemas.openxmlformats.org/presentationml/2006/main">
   <p:cSld>
     <p:spTree>
@@ -6069,7 +5995,7 @@
 </p:sld>
 </file>
 
-<file path=ppt/slides/slide17.xml><?xml version="1.0" encoding="utf-8"?>
+<file path=ppt/slides/slide16.xml><?xml version="1.0" encoding="utf-8"?>
 <p:sld xmlns:a="http://schemas.openxmlformats.org/drawingml/2006/main" xmlns:r="http://schemas.openxmlformats.org/officeDocument/2006/relationships" xmlns:p="http://schemas.openxmlformats.org/presentationml/2006/main">
   <p:cSld>
     <p:spTree>
@@ -6166,7 +6092,7 @@
 </p:sld>
 </file>
 
-<file path=ppt/slides/slide18.xml><?xml version="1.0" encoding="utf-8"?>
+<file path=ppt/slides/slide17.xml><?xml version="1.0" encoding="utf-8"?>
 <p:sld xmlns:a="http://schemas.openxmlformats.org/drawingml/2006/main" xmlns:r="http://schemas.openxmlformats.org/officeDocument/2006/relationships" xmlns:p="http://schemas.openxmlformats.org/presentationml/2006/main">
   <p:cSld>
     <p:spTree>
@@ -6252,6 +6178,336 @@
 </p:sld>
 </file>
 
+<file path=ppt/slides/slide18.xml><?xml version="1.0" encoding="utf-8"?>
+<p:sld xmlns:a="http://schemas.openxmlformats.org/drawingml/2006/main" xmlns:r="http://schemas.openxmlformats.org/officeDocument/2006/relationships" xmlns:p="http://schemas.openxmlformats.org/presentationml/2006/main">
+  <p:cSld>
+    <p:spTree>
+      <p:nvGrpSpPr>
+        <p:cNvPr id="1" name=""/>
+        <p:cNvGrpSpPr/>
+        <p:nvPr/>
+      </p:nvGrpSpPr>
+      <p:grpSpPr>
+        <a:xfrm>
+          <a:off x="0" y="0"/>
+          <a:ext cx="0" cy="0"/>
+          <a:chOff x="0" y="0"/>
+          <a:chExt cx="0" cy="0"/>
+        </a:xfrm>
+      </p:grpSpPr>
+      <p:sp>
+        <p:nvSpPr>
+          <p:cNvPr id="2" name="Title 1"/>
+          <p:cNvSpPr>
+            <a:spLocks noGrp="1"/>
+          </p:cNvSpPr>
+          <p:nvPr>
+            <p:ph type="title"/>
+          </p:nvPr>
+        </p:nvSpPr>
+        <p:spPr>
+          <a:xfrm>
+            <a:off x="442954" y="188640"/>
+            <a:ext cx="8229600" cy="490066"/>
+          </a:xfrm>
+        </p:spPr>
+        <p:txBody>
+          <a:bodyPr>
+            <a:normAutofit fontScale="90000"/>
+          </a:bodyPr>
+          <a:lstStyle/>
+          <a:p>
+            <a:r>
+              <a:rPr lang="ru-RU" sz="4000" dirty="0" smtClean="0">
+                <a:latin typeface="+mn-lt"/>
+                <a:cs typeface="Times New Roman" panose="02020603050405020304" pitchFamily="18" charset="0"/>
+              </a:rPr>
+              <a:t>Грамматика языка предикатов</a:t>
+            </a:r>
+            <a:endParaRPr lang="ru-RU" sz="4000" dirty="0">
+              <a:latin typeface="+mn-lt"/>
+              <a:cs typeface="Times New Roman" panose="02020603050405020304" pitchFamily="18" charset="0"/>
+            </a:endParaRPr>
+          </a:p>
+        </p:txBody>
+      </p:sp>
+      <p:sp>
+        <p:nvSpPr>
+          <p:cNvPr id="3" name="Content Placeholder 2"/>
+          <p:cNvSpPr>
+            <a:spLocks noGrp="1"/>
+          </p:cNvSpPr>
+          <p:nvPr>
+            <p:ph idx="1"/>
+          </p:nvPr>
+        </p:nvSpPr>
+        <p:spPr>
+          <a:xfrm>
+            <a:off x="457200" y="836712"/>
+            <a:ext cx="8229600" cy="5832648"/>
+          </a:xfrm>
+        </p:spPr>
+        <p:txBody>
+          <a:bodyPr>
+            <a:noAutofit/>
+          </a:bodyPr>
+          <a:lstStyle/>
+          <a:p>
+            <a:r>
+              <a:rPr lang="ru-RU" sz="2700" dirty="0">
+                <a:cs typeface="Times New Roman" panose="02020603050405020304" pitchFamily="18" charset="0"/>
+              </a:rPr>
+              <a:t>выражение → литерал</a:t>
+            </a:r>
+          </a:p>
+          <a:p>
+            <a:pPr marL="0" indent="0">
+              <a:buNone/>
+            </a:pPr>
+            <a:r>
+              <a:rPr lang="ru-RU" sz="2700" dirty="0" smtClean="0">
+                <a:cs typeface="Times New Roman" panose="02020603050405020304" pitchFamily="18" charset="0"/>
+              </a:rPr>
+              <a:t>           | </a:t>
+            </a:r>
+            <a:r>
+              <a:rPr lang="ru-RU" sz="2700" dirty="0">
+                <a:cs typeface="Times New Roman" panose="02020603050405020304" pitchFamily="18" charset="0"/>
+              </a:rPr>
+              <a:t>унарная операция</a:t>
+            </a:r>
+          </a:p>
+          <a:p>
+            <a:pPr marL="0" indent="0">
+              <a:buNone/>
+            </a:pPr>
+            <a:r>
+              <a:rPr lang="ru-RU" sz="2700" dirty="0">
+                <a:cs typeface="Times New Roman" panose="02020603050405020304" pitchFamily="18" charset="0"/>
+              </a:rPr>
+              <a:t>           | бинарная операция</a:t>
+            </a:r>
+          </a:p>
+          <a:p>
+            <a:pPr marL="0" indent="0">
+              <a:buNone/>
+            </a:pPr>
+            <a:r>
+              <a:rPr lang="ru-RU" sz="2700" dirty="0">
+                <a:cs typeface="Times New Roman" panose="02020603050405020304" pitchFamily="18" charset="0"/>
+              </a:rPr>
+              <a:t>           | </a:t>
+            </a:r>
+            <a:r>
+              <a:rPr lang="ru-RU" sz="2700" dirty="0" smtClean="0">
+                <a:cs typeface="Times New Roman" panose="02020603050405020304" pitchFamily="18" charset="0"/>
+              </a:rPr>
+              <a:t>группировка</a:t>
+            </a:r>
+            <a:endParaRPr lang="ru-RU" sz="2700" dirty="0">
+              <a:cs typeface="Times New Roman" panose="02020603050405020304" pitchFamily="18" charset="0"/>
+            </a:endParaRPr>
+          </a:p>
+          <a:p>
+            <a:r>
+              <a:rPr lang="ru-RU" sz="2700" dirty="0">
+                <a:cs typeface="Times New Roman" panose="02020603050405020304" pitchFamily="18" charset="0"/>
+              </a:rPr>
+              <a:t>литерал → число | строка | "</a:t>
+            </a:r>
+            <a:r>
+              <a:rPr lang="en-US" sz="2700" dirty="0">
+                <a:cs typeface="Times New Roman" panose="02020603050405020304" pitchFamily="18" charset="0"/>
+              </a:rPr>
+              <a:t>true</a:t>
+            </a:r>
+            <a:r>
+              <a:rPr lang="ru-RU" sz="2700" dirty="0">
+                <a:cs typeface="Times New Roman" panose="02020603050405020304" pitchFamily="18" charset="0"/>
+              </a:rPr>
+              <a:t>" | "</a:t>
+            </a:r>
+            <a:r>
+              <a:rPr lang="en-US" sz="2700" dirty="0">
+                <a:cs typeface="Times New Roman" panose="02020603050405020304" pitchFamily="18" charset="0"/>
+              </a:rPr>
+              <a:t>false</a:t>
+            </a:r>
+            <a:r>
+              <a:rPr lang="ru-RU" sz="2700" dirty="0">
+                <a:cs typeface="Times New Roman" panose="02020603050405020304" pitchFamily="18" charset="0"/>
+              </a:rPr>
+              <a:t>" | "</a:t>
+            </a:r>
+            <a:r>
+              <a:rPr lang="en-US" sz="2700" dirty="0">
+                <a:cs typeface="Times New Roman" panose="02020603050405020304" pitchFamily="18" charset="0"/>
+              </a:rPr>
+              <a:t>nil</a:t>
+            </a:r>
+            <a:r>
+              <a:rPr lang="ru-RU" sz="2700" dirty="0">
+                <a:cs typeface="Times New Roman" panose="02020603050405020304" pitchFamily="18" charset="0"/>
+              </a:rPr>
+              <a:t>" </a:t>
+            </a:r>
+          </a:p>
+          <a:p>
+            <a:r>
+              <a:rPr lang="ru-RU" sz="2700" dirty="0">
+                <a:cs typeface="Times New Roman" panose="02020603050405020304" pitchFamily="18" charset="0"/>
+              </a:rPr>
+              <a:t>группировка → "("выражение")" </a:t>
+            </a:r>
+          </a:p>
+          <a:p>
+            <a:r>
+              <a:rPr lang="ru-RU" sz="2700" dirty="0">
+                <a:cs typeface="Times New Roman" panose="02020603050405020304" pitchFamily="18" charset="0"/>
+              </a:rPr>
+              <a:t>унарная операция → ( "-" | "!" ) </a:t>
+            </a:r>
+            <a:r>
+              <a:rPr lang="ru-RU" sz="2700" dirty="0" smtClean="0">
+                <a:cs typeface="Times New Roman" panose="02020603050405020304" pitchFamily="18" charset="0"/>
+              </a:rPr>
+              <a:t>выражение</a:t>
+            </a:r>
+            <a:endParaRPr lang="ru-RU" sz="2700" dirty="0">
+              <a:cs typeface="Times New Roman" panose="02020603050405020304" pitchFamily="18" charset="0"/>
+            </a:endParaRPr>
+          </a:p>
+          <a:p>
+            <a:r>
+              <a:rPr lang="ru-RU" sz="2700" dirty="0">
+                <a:cs typeface="Times New Roman" panose="02020603050405020304" pitchFamily="18" charset="0"/>
+              </a:rPr>
+              <a:t>бинарная операция → выражение оператор </a:t>
+            </a:r>
+            <a:r>
+              <a:rPr lang="ru-RU" sz="2700" dirty="0" smtClean="0">
+                <a:cs typeface="Times New Roman" panose="02020603050405020304" pitchFamily="18" charset="0"/>
+              </a:rPr>
+              <a:t>выражение</a:t>
+            </a:r>
+            <a:endParaRPr lang="ru-RU" sz="2700" dirty="0">
+              <a:cs typeface="Times New Roman" panose="02020603050405020304" pitchFamily="18" charset="0"/>
+            </a:endParaRPr>
+          </a:p>
+          <a:p>
+            <a:r>
+              <a:rPr lang="ru-RU" sz="2700" dirty="0">
+                <a:cs typeface="Times New Roman" panose="02020603050405020304" pitchFamily="18" charset="0"/>
+              </a:rPr>
+              <a:t>оператор → "=" | "!=" | "&lt;" | "&lt;=" | "&gt;" | "&gt;="</a:t>
+            </a:r>
+          </a:p>
+          <a:p>
+            <a:pPr marL="0" indent="0">
+              <a:buNone/>
+            </a:pPr>
+            <a:r>
+              <a:rPr lang="ru-RU" sz="2700" dirty="0">
+                <a:cs typeface="Times New Roman" panose="02020603050405020304" pitchFamily="18" charset="0"/>
+              </a:rPr>
+              <a:t>           | "+"  | "-"  | "*" | "/" | "</a:t>
+            </a:r>
+            <a:r>
+              <a:rPr lang="en-US" sz="2700" dirty="0">
+                <a:cs typeface="Times New Roman" panose="02020603050405020304" pitchFamily="18" charset="0"/>
+              </a:rPr>
+              <a:t>as</a:t>
+            </a:r>
+            <a:r>
+              <a:rPr lang="ru-RU" sz="2700" dirty="0">
+                <a:cs typeface="Times New Roman" panose="02020603050405020304" pitchFamily="18" charset="0"/>
+              </a:rPr>
+              <a:t>" | "</a:t>
+            </a:r>
+            <a:r>
+              <a:rPr lang="en-US" sz="2700" dirty="0">
+                <a:cs typeface="Times New Roman" panose="02020603050405020304" pitchFamily="18" charset="0"/>
+              </a:rPr>
+              <a:t>like</a:t>
+            </a:r>
+            <a:r>
+              <a:rPr lang="ru-RU" sz="2700" dirty="0" smtClean="0">
+                <a:cs typeface="Times New Roman" panose="02020603050405020304" pitchFamily="18" charset="0"/>
+              </a:rPr>
+              <a:t>"</a:t>
+            </a:r>
+            <a:endParaRPr lang="ru-RU" sz="2700" dirty="0">
+              <a:cs typeface="Times New Roman" panose="02020603050405020304" pitchFamily="18" charset="0"/>
+            </a:endParaRPr>
+          </a:p>
+          <a:p>
+            <a:r>
+              <a:rPr lang="ru-RU" sz="2700" dirty="0">
+                <a:cs typeface="Times New Roman" panose="02020603050405020304" pitchFamily="18" charset="0"/>
+              </a:rPr>
+              <a:t>число → </a:t>
+            </a:r>
+            <a:r>
+              <a:rPr lang="en-US" sz="2700" dirty="0" err="1">
+                <a:cs typeface="Times New Roman" panose="02020603050405020304" pitchFamily="18" charset="0"/>
+              </a:rPr>
+              <a:t>Int</a:t>
+            </a:r>
+            <a:r>
+              <a:rPr lang="ru-RU" sz="2700" dirty="0">
+                <a:cs typeface="Times New Roman" panose="02020603050405020304" pitchFamily="18" charset="0"/>
+              </a:rPr>
+              <a:t>16 | </a:t>
+            </a:r>
+            <a:r>
+              <a:rPr lang="en-US" sz="2700" dirty="0" err="1">
+                <a:cs typeface="Times New Roman" panose="02020603050405020304" pitchFamily="18" charset="0"/>
+              </a:rPr>
+              <a:t>Int</a:t>
+            </a:r>
+            <a:r>
+              <a:rPr lang="ru-RU" sz="2700" dirty="0">
+                <a:cs typeface="Times New Roman" panose="02020603050405020304" pitchFamily="18" charset="0"/>
+              </a:rPr>
+              <a:t>32 | </a:t>
+            </a:r>
+            <a:r>
+              <a:rPr lang="en-US" sz="2700" dirty="0" err="1">
+                <a:cs typeface="Times New Roman" panose="02020603050405020304" pitchFamily="18" charset="0"/>
+              </a:rPr>
+              <a:t>Int</a:t>
+            </a:r>
+            <a:r>
+              <a:rPr lang="ru-RU" sz="2700" dirty="0">
+                <a:cs typeface="Times New Roman" panose="02020603050405020304" pitchFamily="18" charset="0"/>
+              </a:rPr>
+              <a:t>64 | </a:t>
+            </a:r>
+            <a:r>
+              <a:rPr lang="en-US" sz="2700" dirty="0" smtClean="0">
+                <a:cs typeface="Times New Roman" panose="02020603050405020304" pitchFamily="18" charset="0"/>
+              </a:rPr>
+              <a:t>Double</a:t>
+            </a:r>
+            <a:endParaRPr lang="ru-RU" sz="2700" dirty="0">
+              <a:cs typeface="Times New Roman" panose="02020603050405020304" pitchFamily="18" charset="0"/>
+            </a:endParaRPr>
+          </a:p>
+        </p:txBody>
+      </p:sp>
+    </p:spTree>
+    <p:extLst>
+      <p:ext uri="{BB962C8B-B14F-4D97-AF65-F5344CB8AC3E}">
+        <p14:creationId xmlns:p14="http://schemas.microsoft.com/office/powerpoint/2010/main" val="1766036467"/>
+      </p:ext>
+    </p:extLst>
+  </p:cSld>
+  <p:clrMapOvr>
+    <a:masterClrMapping/>
+  </p:clrMapOvr>
+</p:sld>
+</file>
+
 <file path=ppt/slides/slide19.xml><?xml version="1.0" encoding="utf-8"?>
 <p:sld xmlns:a="http://schemas.openxmlformats.org/drawingml/2006/main" xmlns:r="http://schemas.openxmlformats.org/officeDocument/2006/relationships" xmlns:p="http://schemas.openxmlformats.org/presentationml/2006/main">
   <p:cSld>
@@ -6281,44 +6537,8 @@
         </p:nvSpPr>
         <p:spPr>
           <a:xfrm>
-            <a:off x="442954" y="188640"/>
-            <a:ext cx="8229600" cy="490066"/>
-          </a:xfrm>
-        </p:spPr>
-        <p:txBody>
-          <a:bodyPr>
-            <a:normAutofit fontScale="90000"/>
-          </a:bodyPr>
-          <a:lstStyle/>
-          <a:p>
-            <a:r>
-              <a:rPr lang="ru-RU" sz="4000" dirty="0" smtClean="0">
-                <a:latin typeface="+mn-lt"/>
-                <a:cs typeface="Times New Roman" panose="02020603050405020304" pitchFamily="18" charset="0"/>
-              </a:rPr>
-              <a:t>Грамматика языка предикатов</a:t>
-            </a:r>
-            <a:endParaRPr lang="ru-RU" sz="4000" dirty="0">
-              <a:latin typeface="+mn-lt"/>
-              <a:cs typeface="Times New Roman" panose="02020603050405020304" pitchFamily="18" charset="0"/>
-            </a:endParaRPr>
-          </a:p>
-        </p:txBody>
-      </p:sp>
-      <p:sp>
-        <p:nvSpPr>
-          <p:cNvPr id="3" name="Content Placeholder 2"/>
-          <p:cNvSpPr>
-            <a:spLocks noGrp="1"/>
-          </p:cNvSpPr>
-          <p:nvPr>
-            <p:ph idx="1"/>
-          </p:nvPr>
-        </p:nvSpPr>
-        <p:spPr>
-          <a:xfrm>
-            <a:off x="457200" y="836712"/>
-            <a:ext cx="8229600" cy="5832648"/>
+            <a:off x="457200" y="274638"/>
+            <a:ext cx="8229600" cy="634082"/>
           </a:xfrm>
         </p:spPr>
         <p:txBody>
@@ -6328,251 +6548,69 @@
           <a:lstStyle/>
           <a:p>
             <a:r>
-              <a:rPr lang="ru-RU" sz="2700" dirty="0">
-                <a:cs typeface="Times New Roman" panose="02020603050405020304" pitchFamily="18" charset="0"/>
-              </a:rPr>
-              <a:t>выражение → литерал</a:t>
-            </a:r>
-          </a:p>
-          <a:p>
-            <a:pPr marL="0" indent="0">
-              <a:buNone/>
-            </a:pPr>
-            <a:r>
-              <a:rPr lang="ru-RU" sz="2700" dirty="0" smtClean="0">
-                <a:cs typeface="Times New Roman" panose="02020603050405020304" pitchFamily="18" charset="0"/>
-              </a:rPr>
-              <a:t>           | </a:t>
-            </a:r>
-            <a:r>
-              <a:rPr lang="ru-RU" sz="2700" dirty="0">
-                <a:cs typeface="Times New Roman" panose="02020603050405020304" pitchFamily="18" charset="0"/>
-              </a:rPr>
-              <a:t>унарная операция</a:t>
-            </a:r>
-          </a:p>
-          <a:p>
-            <a:pPr marL="0" indent="0">
-              <a:buNone/>
-            </a:pPr>
-            <a:r>
-              <a:rPr lang="ru-RU" sz="2700" dirty="0">
-                <a:cs typeface="Times New Roman" panose="02020603050405020304" pitchFamily="18" charset="0"/>
-              </a:rPr>
-              <a:t>           | бинарная операция</a:t>
-            </a:r>
-          </a:p>
-          <a:p>
-            <a:pPr marL="0" indent="0">
-              <a:buNone/>
-            </a:pPr>
-            <a:r>
-              <a:rPr lang="ru-RU" sz="2700" dirty="0">
-                <a:cs typeface="Times New Roman" panose="02020603050405020304" pitchFamily="18" charset="0"/>
-              </a:rPr>
-              <a:t>           | </a:t>
-            </a:r>
-            <a:r>
-              <a:rPr lang="ru-RU" sz="2700" dirty="0" smtClean="0">
-                <a:cs typeface="Times New Roman" panose="02020603050405020304" pitchFamily="18" charset="0"/>
-              </a:rPr>
-              <a:t>группировка</a:t>
-            </a:r>
-            <a:endParaRPr lang="ru-RU" sz="2700" dirty="0">
+              <a:rPr lang="ru-RU" sz="2400" dirty="0">
+                <a:solidFill>
+                  <a:prstClr val="black"/>
+                </a:solidFill>
+                <a:latin typeface="+mn-lt"/>
+                <a:cs typeface="Times New Roman" panose="02020603050405020304" pitchFamily="18" charset="0"/>
+              </a:rPr>
+              <a:t>Производительность системы для предикатов </a:t>
+            </a:r>
+            <a:r>
+              <a:rPr lang="ru-RU" sz="2400" dirty="0" smtClean="0">
+                <a:latin typeface="+mn-lt"/>
+                <a:cs typeface="Times New Roman" panose="02020603050405020304" pitchFamily="18" charset="0"/>
+              </a:rPr>
+              <a:t>с </a:t>
+            </a:r>
+            <a:r>
+              <a:rPr lang="ru-RU" sz="2400" dirty="0">
+                <a:latin typeface="+mn-lt"/>
+                <a:cs typeface="Times New Roman" panose="02020603050405020304" pitchFamily="18" charset="0"/>
+              </a:rPr>
+              <a:t>одним </a:t>
+            </a:r>
+            <a:r>
+              <a:rPr lang="ru-RU" sz="2400" dirty="0" smtClean="0">
+                <a:latin typeface="+mn-lt"/>
+                <a:cs typeface="Times New Roman" panose="02020603050405020304" pitchFamily="18" charset="0"/>
+              </a:rPr>
+              <a:t>условием и получением данных только из текущей строки</a:t>
+            </a:r>
+            <a:endParaRPr lang="ru-RU" sz="2400" dirty="0">
+              <a:latin typeface="+mn-lt"/>
               <a:cs typeface="Times New Roman" panose="02020603050405020304" pitchFamily="18" charset="0"/>
             </a:endParaRPr>
           </a:p>
-          <a:p>
-            <a:r>
-              <a:rPr lang="ru-RU" sz="2700" dirty="0">
-                <a:cs typeface="Times New Roman" panose="02020603050405020304" pitchFamily="18" charset="0"/>
-              </a:rPr>
-              <a:t>литерал → число | строка | "</a:t>
-            </a:r>
-            <a:r>
-              <a:rPr lang="en-US" sz="2700" dirty="0">
-                <a:cs typeface="Times New Roman" panose="02020603050405020304" pitchFamily="18" charset="0"/>
-              </a:rPr>
-              <a:t>true</a:t>
-            </a:r>
-            <a:r>
-              <a:rPr lang="ru-RU" sz="2700" dirty="0">
-                <a:cs typeface="Times New Roman" panose="02020603050405020304" pitchFamily="18" charset="0"/>
-              </a:rPr>
-              <a:t>" | "</a:t>
-            </a:r>
-            <a:r>
-              <a:rPr lang="en-US" sz="2700" dirty="0">
-                <a:cs typeface="Times New Roman" panose="02020603050405020304" pitchFamily="18" charset="0"/>
-              </a:rPr>
-              <a:t>false</a:t>
-            </a:r>
-            <a:r>
-              <a:rPr lang="ru-RU" sz="2700" dirty="0">
-                <a:cs typeface="Times New Roman" panose="02020603050405020304" pitchFamily="18" charset="0"/>
-              </a:rPr>
-              <a:t>" | "</a:t>
-            </a:r>
-            <a:r>
-              <a:rPr lang="en-US" sz="2700" dirty="0">
-                <a:cs typeface="Times New Roman" panose="02020603050405020304" pitchFamily="18" charset="0"/>
-              </a:rPr>
-              <a:t>nil</a:t>
-            </a:r>
-            <a:r>
-              <a:rPr lang="ru-RU" sz="2700" dirty="0">
-                <a:cs typeface="Times New Roman" panose="02020603050405020304" pitchFamily="18" charset="0"/>
-              </a:rPr>
-              <a:t>" </a:t>
-            </a:r>
-          </a:p>
-          <a:p>
-            <a:r>
-              <a:rPr lang="ru-RU" sz="2700" dirty="0">
-                <a:cs typeface="Times New Roman" panose="02020603050405020304" pitchFamily="18" charset="0"/>
-              </a:rPr>
-              <a:t>группировка → "("выражение")" </a:t>
-            </a:r>
-          </a:p>
-          <a:p>
-            <a:r>
-              <a:rPr lang="ru-RU" sz="2700" dirty="0">
-                <a:cs typeface="Times New Roman" panose="02020603050405020304" pitchFamily="18" charset="0"/>
-              </a:rPr>
-              <a:t>унарная операция → ( "-" | "!" ) </a:t>
-            </a:r>
-            <a:r>
-              <a:rPr lang="ru-RU" sz="2700" dirty="0" smtClean="0">
-                <a:cs typeface="Times New Roman" panose="02020603050405020304" pitchFamily="18" charset="0"/>
-              </a:rPr>
-              <a:t>выражение</a:t>
-            </a:r>
-            <a:endParaRPr lang="ru-RU" sz="2700" dirty="0">
-              <a:cs typeface="Times New Roman" panose="02020603050405020304" pitchFamily="18" charset="0"/>
-            </a:endParaRPr>
-          </a:p>
-          <a:p>
-            <a:r>
-              <a:rPr lang="ru-RU" sz="2700" dirty="0">
-                <a:cs typeface="Times New Roman" panose="02020603050405020304" pitchFamily="18" charset="0"/>
-              </a:rPr>
-              <a:t>бинарная операция → выражение оператор </a:t>
-            </a:r>
-            <a:r>
-              <a:rPr lang="ru-RU" sz="2700" dirty="0" smtClean="0">
-                <a:cs typeface="Times New Roman" panose="02020603050405020304" pitchFamily="18" charset="0"/>
-              </a:rPr>
-              <a:t>выражение</a:t>
-            </a:r>
-            <a:endParaRPr lang="ru-RU" sz="2700" dirty="0">
-              <a:cs typeface="Times New Roman" panose="02020603050405020304" pitchFamily="18" charset="0"/>
-            </a:endParaRPr>
-          </a:p>
-          <a:p>
-            <a:r>
-              <a:rPr lang="ru-RU" sz="2700" dirty="0">
-                <a:cs typeface="Times New Roman" panose="02020603050405020304" pitchFamily="18" charset="0"/>
-              </a:rPr>
-              <a:t>оператор → "=" | "!=" | "&lt;" | "&lt;=" | "&gt;" | "&gt;="</a:t>
-            </a:r>
-          </a:p>
-          <a:p>
-            <a:pPr marL="0" indent="0">
-              <a:buNone/>
-            </a:pPr>
-            <a:r>
-              <a:rPr lang="ru-RU" sz="2700" dirty="0">
-                <a:cs typeface="Times New Roman" panose="02020603050405020304" pitchFamily="18" charset="0"/>
-              </a:rPr>
-              <a:t>           | "+"  | "-"  | "*" | "/" | "</a:t>
-            </a:r>
-            <a:r>
-              <a:rPr lang="en-US" sz="2700" dirty="0">
-                <a:cs typeface="Times New Roman" panose="02020603050405020304" pitchFamily="18" charset="0"/>
-              </a:rPr>
-              <a:t>as</a:t>
-            </a:r>
-            <a:r>
-              <a:rPr lang="ru-RU" sz="2700" dirty="0">
-                <a:cs typeface="Times New Roman" panose="02020603050405020304" pitchFamily="18" charset="0"/>
-              </a:rPr>
-              <a:t>" | "</a:t>
-            </a:r>
-            <a:r>
-              <a:rPr lang="en-US" sz="2700" dirty="0">
-                <a:cs typeface="Times New Roman" panose="02020603050405020304" pitchFamily="18" charset="0"/>
-              </a:rPr>
-              <a:t>like</a:t>
-            </a:r>
-            <a:r>
-              <a:rPr lang="ru-RU" sz="2700" dirty="0" smtClean="0">
-                <a:cs typeface="Times New Roman" panose="02020603050405020304" pitchFamily="18" charset="0"/>
-              </a:rPr>
-              <a:t>"</a:t>
-            </a:r>
-            <a:endParaRPr lang="ru-RU" sz="2700" dirty="0">
-              <a:cs typeface="Times New Roman" panose="02020603050405020304" pitchFamily="18" charset="0"/>
-            </a:endParaRPr>
-          </a:p>
-          <a:p>
-            <a:r>
-              <a:rPr lang="ru-RU" sz="2700" dirty="0">
-                <a:cs typeface="Times New Roman" panose="02020603050405020304" pitchFamily="18" charset="0"/>
-              </a:rPr>
-              <a:t>число → </a:t>
-            </a:r>
-            <a:r>
-              <a:rPr lang="en-US" sz="2700" dirty="0" err="1">
-                <a:cs typeface="Times New Roman" panose="02020603050405020304" pitchFamily="18" charset="0"/>
-              </a:rPr>
-              <a:t>Int</a:t>
-            </a:r>
-            <a:r>
-              <a:rPr lang="ru-RU" sz="2700" dirty="0">
-                <a:cs typeface="Times New Roman" panose="02020603050405020304" pitchFamily="18" charset="0"/>
-              </a:rPr>
-              <a:t>16 | </a:t>
-            </a:r>
-            <a:r>
-              <a:rPr lang="en-US" sz="2700" dirty="0" err="1">
-                <a:cs typeface="Times New Roman" panose="02020603050405020304" pitchFamily="18" charset="0"/>
-              </a:rPr>
-              <a:t>Int</a:t>
-            </a:r>
-            <a:r>
-              <a:rPr lang="ru-RU" sz="2700" dirty="0">
-                <a:cs typeface="Times New Roman" panose="02020603050405020304" pitchFamily="18" charset="0"/>
-              </a:rPr>
-              <a:t>32 | </a:t>
-            </a:r>
-            <a:r>
-              <a:rPr lang="en-US" sz="2700" dirty="0" err="1">
-                <a:cs typeface="Times New Roman" panose="02020603050405020304" pitchFamily="18" charset="0"/>
-              </a:rPr>
-              <a:t>Int</a:t>
-            </a:r>
-            <a:r>
-              <a:rPr lang="ru-RU" sz="2700" dirty="0">
-                <a:cs typeface="Times New Roman" panose="02020603050405020304" pitchFamily="18" charset="0"/>
-              </a:rPr>
-              <a:t>64 | </a:t>
-            </a:r>
-            <a:r>
-              <a:rPr lang="en-US" sz="2700" dirty="0" smtClean="0">
-                <a:cs typeface="Times New Roman" panose="02020603050405020304" pitchFamily="18" charset="0"/>
-              </a:rPr>
-              <a:t>Double</a:t>
-            </a:r>
-            <a:endParaRPr lang="ru-RU" sz="2700" dirty="0">
-              <a:cs typeface="Times New Roman" panose="02020603050405020304" pitchFamily="18" charset="0"/>
-            </a:endParaRPr>
-          </a:p>
-        </p:txBody>
-      </p:sp>
+        </p:txBody>
+      </p:sp>
+      <p:graphicFrame>
+        <p:nvGraphicFramePr>
+          <p:cNvPr id="4" name="Диаграмма 2"/>
+          <p:cNvGraphicFramePr/>
+          <p:nvPr>
+            <p:extLst>
+              <p:ext uri="{D42A27DB-BD31-4B8C-83A1-F6EECF244321}">
+                <p14:modId xmlns:p14="http://schemas.microsoft.com/office/powerpoint/2010/main" val="3343915650"/>
+              </p:ext>
+            </p:extLst>
+          </p:nvPr>
+        </p:nvGraphicFramePr>
+        <p:xfrm>
+          <a:off x="457200" y="1124744"/>
+          <a:ext cx="8147248" cy="5184576"/>
+        </p:xfrm>
+        <a:graphic>
+          <a:graphicData uri="http://schemas.openxmlformats.org/drawingml/2006/chart">
+            <c:chart xmlns:c="http://schemas.openxmlformats.org/drawingml/2006/chart" xmlns:r="http://schemas.openxmlformats.org/officeDocument/2006/relationships" r:id="rId2"/>
+          </a:graphicData>
+        </a:graphic>
+      </p:graphicFrame>
     </p:spTree>
     <p:extLst>
       <p:ext uri="{BB962C8B-B14F-4D97-AF65-F5344CB8AC3E}">
-        <p14:creationId xmlns:p14="http://schemas.microsoft.com/office/powerpoint/2010/main" val="1766036467"/>
+        <p14:creationId xmlns:p14="http://schemas.microsoft.com/office/powerpoint/2010/main" val="521688544"/>
       </p:ext>
     </p:extLst>
   </p:cSld>
@@ -6641,7 +6679,7 @@
         <p:spPr/>
         <p:txBody>
           <a:bodyPr>
-            <a:normAutofit fontScale="85000" lnSpcReduction="20000"/>
+            <a:normAutofit fontScale="85000" lnSpcReduction="10000"/>
           </a:bodyPr>
           <a:lstStyle/>
           <a:p>
@@ -6689,7 +6727,49 @@
                 <a:ea typeface="Calibri" panose="020F0502020204030204" pitchFamily="34" charset="0"/>
                 <a:cs typeface="Times New Roman" panose="02020603050405020304" pitchFamily="18" charset="0"/>
               </a:rPr>
-              <a:t> исследования - возможность реализации механизма гибкого разграничения прав на записи базы данных, на основе предикатов.</a:t>
+              <a:t> исследования </a:t>
+            </a:r>
+            <a:r>
+              <a:rPr lang="ru-RU" dirty="0" smtClean="0">
+                <a:ea typeface="Calibri" panose="020F0502020204030204" pitchFamily="34" charset="0"/>
+                <a:cs typeface="Times New Roman" panose="02020603050405020304" pitchFamily="18" charset="0"/>
+              </a:rPr>
+              <a:t>– разработка механизма </a:t>
+            </a:r>
+            <a:r>
+              <a:rPr lang="ru-RU" dirty="0">
+                <a:ea typeface="Calibri" panose="020F0502020204030204" pitchFamily="34" charset="0"/>
+                <a:cs typeface="Times New Roman" panose="02020603050405020304" pitchFamily="18" charset="0"/>
+              </a:rPr>
+              <a:t>гибкого разграничения прав </a:t>
+            </a:r>
+            <a:r>
+              <a:rPr lang="ru-RU" dirty="0" smtClean="0">
+                <a:ea typeface="Calibri" panose="020F0502020204030204" pitchFamily="34" charset="0"/>
+                <a:cs typeface="Times New Roman" panose="02020603050405020304" pitchFamily="18" charset="0"/>
+              </a:rPr>
+              <a:t>на доступ к </a:t>
+            </a:r>
+            <a:r>
+              <a:rPr lang="ru-RU" dirty="0" smtClean="0">
+                <a:ea typeface="Calibri" panose="020F0502020204030204" pitchFamily="34" charset="0"/>
+                <a:cs typeface="Times New Roman" panose="02020603050405020304" pitchFamily="18" charset="0"/>
+              </a:rPr>
+              <a:t>записям</a:t>
+            </a:r>
+            <a:r>
+              <a:rPr lang="ru-RU" dirty="0" smtClean="0">
+                <a:ea typeface="Calibri" panose="020F0502020204030204" pitchFamily="34" charset="0"/>
+                <a:cs typeface="Times New Roman" panose="02020603050405020304" pitchFamily="18" charset="0"/>
+              </a:rPr>
+              <a:t> базы данных </a:t>
+            </a:r>
+            <a:r>
+              <a:rPr lang="ru-RU" dirty="0">
+                <a:ea typeface="Calibri" panose="020F0502020204030204" pitchFamily="34" charset="0"/>
+                <a:cs typeface="Times New Roman" panose="02020603050405020304" pitchFamily="18" charset="0"/>
+              </a:rPr>
+              <a:t>на основе предикатов.</a:t>
             </a:r>
           </a:p>
           <a:p>
@@ -6713,14 +6793,14 @@
                 <a:ea typeface="Calibri" panose="020F0502020204030204" pitchFamily="34" charset="0"/>
                 <a:cs typeface="Times New Roman" panose="02020603050405020304" pitchFamily="18" charset="0"/>
               </a:rPr>
-              <a:t> данной работы - разработка приложения для просмотра и изменения данных на основе механизма гибкого разграничения прав на записи базы данных, на основе предикатов</a:t>
+              <a:t> данной работы </a:t>
             </a:r>
             <a:r>
               <a:rPr lang="ru-RU" dirty="0" smtClean="0">
                 <a:ea typeface="Calibri" panose="020F0502020204030204" pitchFamily="34" charset="0"/>
                 <a:cs typeface="Times New Roman" panose="02020603050405020304" pitchFamily="18" charset="0"/>
               </a:rPr>
-              <a:t>.</a:t>
+              <a:t>– написание приложения, демонстрирующего возможности реализованного механизма разграничения доступа.</a:t>
             </a:r>
             <a:endParaRPr lang="ru-RU" dirty="0"/>
           </a:p>
@@ -6775,8 +6855,8 @@
         </p:nvSpPr>
         <p:spPr>
           <a:xfrm>
-            <a:off x="457200" y="274638"/>
-            <a:ext cx="8229600" cy="634082"/>
+            <a:off x="457200" y="188640"/>
+            <a:ext cx="8229600" cy="864096"/>
           </a:xfrm>
         </p:spPr>
         <p:txBody>
@@ -6797,6 +6877,9 @@
             </a:r>
             <a:r>
               <a:rPr lang="ru-RU" sz="2400" dirty="0" smtClean="0">
+                <a:solidFill>
+                  <a:prstClr val="black"/>
+                </a:solidFill>
                 <a:latin typeface="+mn-lt"/>
                 <a:cs typeface="Times New Roman" panose="02020603050405020304" pitchFamily="18" charset="0"/>
               </a:rPr>
@@ -6804,17 +6887,23 @@
             </a:r>
             <a:r>
               <a:rPr lang="ru-RU" sz="2400" dirty="0">
+                <a:solidFill>
+                  <a:prstClr val="black"/>
+                </a:solidFill>
                 <a:latin typeface="+mn-lt"/>
                 <a:cs typeface="Times New Roman" panose="02020603050405020304" pitchFamily="18" charset="0"/>
               </a:rPr>
-              <a:t>одним </a:t>
+              <a:t>одним условием и получением данных </a:t>
             </a:r>
             <a:r>
               <a:rPr lang="ru-RU" sz="2400" dirty="0" smtClean="0">
+                <a:solidFill>
+                  <a:prstClr val="black"/>
+                </a:solidFill>
                 <a:latin typeface="+mn-lt"/>
                 <a:cs typeface="Times New Roman" panose="02020603050405020304" pitchFamily="18" charset="0"/>
               </a:rPr>
-              <a:t>условием и получением данных только из текущей строки</a:t>
+              <a:t>из текущей строки и строки с данными пользователя</a:t>
             </a:r>
             <a:endParaRPr lang="ru-RU" sz="2400" dirty="0">
               <a:latin typeface="+mn-lt"/>
@@ -6825,19 +6914,19 @@
       </p:sp>
       <p:graphicFrame>
         <p:nvGraphicFramePr>
-          <p:cNvPr id="4" name="Диаграмма 2"/>
+          <p:cNvPr id="5" name="Диаграмма 1"/>
           <p:cNvGraphicFramePr/>
           <p:nvPr>
             <p:extLst>
               <p:ext uri="{D42A27DB-BD31-4B8C-83A1-F6EECF244321}">
-                <p14:modId xmlns:p14="http://schemas.microsoft.com/office/powerpoint/2010/main" val="3343915650"/>
+                <p14:modId xmlns:p14="http://schemas.microsoft.com/office/powerpoint/2010/main" val="985431669"/>
               </p:ext>
             </p:extLst>
           </p:nvPr>
         </p:nvGraphicFramePr>
         <p:xfrm>
-          <a:off x="457200" y="1124744"/>
-          <a:ext cx="8147248" cy="5184576"/>
+          <a:off x="457200" y="1340768"/>
+          <a:ext cx="8229600" cy="4824536"/>
         </p:xfrm>
         <a:graphic>
           <a:graphicData uri="http://schemas.openxmlformats.org/drawingml/2006/chart">
@@ -6848,7 +6937,7 @@
     </p:spTree>
     <p:extLst>
       <p:ext uri="{BB962C8B-B14F-4D97-AF65-F5344CB8AC3E}">
-        <p14:creationId xmlns:p14="http://schemas.microsoft.com/office/powerpoint/2010/main" val="521688544"/>
+        <p14:creationId xmlns:p14="http://schemas.microsoft.com/office/powerpoint/2010/main" val="465675328"/>
       </p:ext>
     </p:extLst>
   </p:cSld>
@@ -6885,15 +6974,10 @@
             <p:ph type="title"/>
           </p:nvPr>
         </p:nvSpPr>
-        <p:spPr>
-          <a:xfrm>
-            <a:off x="457200" y="188640"/>
-            <a:ext cx="8229600" cy="864096"/>
-          </a:xfrm>
-        </p:spPr>
+        <p:spPr/>
         <p:txBody>
           <a:bodyPr>
-            <a:noAutofit/>
+            <a:normAutofit fontScale="90000"/>
           </a:bodyPr>
           <a:lstStyle/>
           <a:p>
@@ -6902,43 +6986,53 @@
                 <a:solidFill>
                   <a:prstClr val="black"/>
                 </a:solidFill>
-                <a:latin typeface="+mn-lt"/>
-                <a:cs typeface="Times New Roman" panose="02020603050405020304" pitchFamily="18" charset="0"/>
-              </a:rPr>
-              <a:t>Производительность системы для предикатов </a:t>
+                <a:latin typeface="Times New Roman" panose="02020603050405020304" pitchFamily="18" charset="0"/>
+                <a:cs typeface="Times New Roman" panose="02020603050405020304" pitchFamily="18" charset="0"/>
+              </a:rPr>
+              <a:t>Производительность системы для предикатов</a:t>
             </a:r>
             <a:r>
               <a:rPr lang="ru-RU" sz="2400" dirty="0" smtClean="0">
                 <a:solidFill>
                   <a:prstClr val="black"/>
                 </a:solidFill>
-                <a:latin typeface="+mn-lt"/>
-                <a:cs typeface="Times New Roman" panose="02020603050405020304" pitchFamily="18" charset="0"/>
-              </a:rPr>
-              <a:t>с </a:t>
+                <a:latin typeface="Times New Roman" panose="02020603050405020304" pitchFamily="18" charset="0"/>
+                <a:cs typeface="Times New Roman" panose="02020603050405020304" pitchFamily="18" charset="0"/>
+              </a:rPr>
+              <a:t> </a:t>
             </a:r>
             <a:r>
               <a:rPr lang="ru-RU" sz="2400" dirty="0">
                 <a:solidFill>
                   <a:prstClr val="black"/>
                 </a:solidFill>
-                <a:latin typeface="+mn-lt"/>
-                <a:cs typeface="Times New Roman" panose="02020603050405020304" pitchFamily="18" charset="0"/>
-              </a:rPr>
-              <a:t>одним условием и получением данных </a:t>
+                <a:latin typeface="Times New Roman" panose="02020603050405020304" pitchFamily="18" charset="0"/>
+                <a:cs typeface="Times New Roman" panose="02020603050405020304" pitchFamily="18" charset="0"/>
+              </a:rPr>
+              <a:t>с </a:t>
             </a:r>
             <a:r>
               <a:rPr lang="ru-RU" sz="2400" dirty="0" smtClean="0">
                 <a:solidFill>
                   <a:prstClr val="black"/>
                 </a:solidFill>
-                <a:latin typeface="+mn-lt"/>
-                <a:cs typeface="Times New Roman" panose="02020603050405020304" pitchFamily="18" charset="0"/>
-              </a:rPr>
-              <a:t>из текущей строки и строки с данными пользователя</a:t>
-            </a:r>
-            <a:endParaRPr lang="ru-RU" sz="2400" dirty="0">
-              <a:latin typeface="+mn-lt"/>
+                <a:latin typeface="Times New Roman" panose="02020603050405020304" pitchFamily="18" charset="0"/>
+                <a:cs typeface="Times New Roman" panose="02020603050405020304" pitchFamily="18" charset="0"/>
+              </a:rPr>
+              <a:t>несколькими условиями </a:t>
+            </a:r>
+            <a:r>
+              <a:rPr lang="ru-RU" sz="2400" dirty="0">
+                <a:solidFill>
+                  <a:prstClr val="black"/>
+                </a:solidFill>
+                <a:latin typeface="Times New Roman" panose="02020603050405020304" pitchFamily="18" charset="0"/>
+                <a:cs typeface="Times New Roman" panose="02020603050405020304" pitchFamily="18" charset="0"/>
+              </a:rPr>
+              <a:t>и получением данных из текущей строки и строки с данными пользователя</a:t>
+            </a:r>
+            <a:endParaRPr lang="ru-RU" dirty="0">
+              <a:latin typeface="Times New Roman" panose="02020603050405020304" pitchFamily="18" charset="0"/>
               <a:cs typeface="Times New Roman" panose="02020603050405020304" pitchFamily="18" charset="0"/>
             </a:endParaRPr>
           </a:p>
@@ -6946,19 +7040,21 @@
       </p:sp>
       <p:graphicFrame>
         <p:nvGraphicFramePr>
-          <p:cNvPr id="5" name="Диаграмма 1"/>
-          <p:cNvGraphicFramePr/>
+          <p:cNvPr id="5" name="Диаграмма 8"/>
+          <p:cNvGraphicFramePr>
+            <a:graphicFrameLocks/>
+          </p:cNvGraphicFramePr>
           <p:nvPr>
             <p:extLst>
               <p:ext uri="{D42A27DB-BD31-4B8C-83A1-F6EECF244321}">
-                <p14:modId xmlns:p14="http://schemas.microsoft.com/office/powerpoint/2010/main" val="985431669"/>
+                <p14:modId xmlns:p14="http://schemas.microsoft.com/office/powerpoint/2010/main" val="2873387101"/>
               </p:ext>
             </p:extLst>
           </p:nvPr>
         </p:nvGraphicFramePr>
         <p:xfrm>
-          <a:off x="457200" y="1340768"/>
-          <a:ext cx="8229600" cy="4824536"/>
+          <a:off x="457200" y="1772816"/>
+          <a:ext cx="8229600" cy="4608512"/>
         </p:xfrm>
         <a:graphic>
           <a:graphicData uri="http://schemas.openxmlformats.org/drawingml/2006/chart">
@@ -6969,7 +7065,7 @@
     </p:spTree>
     <p:extLst>
       <p:ext uri="{BB962C8B-B14F-4D97-AF65-F5344CB8AC3E}">
-        <p14:creationId xmlns:p14="http://schemas.microsoft.com/office/powerpoint/2010/main" val="465675328"/>
+        <p14:creationId xmlns:p14="http://schemas.microsoft.com/office/powerpoint/2010/main" val="2092790645"/>
       </p:ext>
     </p:extLst>
   </p:cSld>
@@ -7014,57 +7110,77 @@
           <a:lstStyle/>
           <a:p>
             <a:r>
-              <a:rPr lang="ru-RU" sz="2400" dirty="0">
+              <a:rPr lang="ru-RU" sz="2200" dirty="0" smtClean="0">
                 <a:solidFill>
                   <a:prstClr val="black"/>
                 </a:solidFill>
-                <a:latin typeface="Times New Roman" panose="02020603050405020304" pitchFamily="18" charset="0"/>
-                <a:cs typeface="Times New Roman" panose="02020603050405020304" pitchFamily="18" charset="0"/>
-              </a:rPr>
-              <a:t>Производительность системы для предикатов</a:t>
-            </a:r>
-            <a:r>
-              <a:rPr lang="ru-RU" sz="2400" dirty="0" smtClean="0">
+                <a:latin typeface="+mn-lt"/>
+                <a:cs typeface="Times New Roman" panose="02020603050405020304" pitchFamily="18" charset="0"/>
+              </a:rPr>
+              <a:t>Производительность оптимизированной системы для предикатов с </a:t>
+            </a:r>
+            <a:r>
+              <a:rPr lang="ru-RU" sz="2200" dirty="0">
                 <a:solidFill>
                   <a:prstClr val="black"/>
                 </a:solidFill>
-                <a:latin typeface="Times New Roman" panose="02020603050405020304" pitchFamily="18" charset="0"/>
-                <a:cs typeface="Times New Roman" panose="02020603050405020304" pitchFamily="18" charset="0"/>
-              </a:rPr>
-              <a:t> </a:t>
-            </a:r>
-            <a:r>
-              <a:rPr lang="ru-RU" sz="2400" dirty="0">
+                <a:latin typeface="+mn-lt"/>
+                <a:cs typeface="Times New Roman" panose="02020603050405020304" pitchFamily="18" charset="0"/>
+              </a:rPr>
+              <a:t>несколькими условиями </a:t>
+            </a:r>
+            <a:r>
+              <a:rPr lang="ru-RU" sz="2200" dirty="0" smtClean="0">
                 <a:solidFill>
                   <a:prstClr val="black"/>
                 </a:solidFill>
-                <a:latin typeface="Times New Roman" panose="02020603050405020304" pitchFamily="18" charset="0"/>
-                <a:cs typeface="Times New Roman" panose="02020603050405020304" pitchFamily="18" charset="0"/>
-              </a:rPr>
-              <a:t>с </a:t>
-            </a:r>
-            <a:r>
-              <a:rPr lang="ru-RU" sz="2400" dirty="0" smtClean="0">
+                <a:latin typeface="+mn-lt"/>
+                <a:cs typeface="Times New Roman" panose="02020603050405020304" pitchFamily="18" charset="0"/>
+              </a:rPr>
+              <a:t>и</a:t>
+            </a:r>
+            <a:r>
+              <a:rPr lang="en-US" sz="2200" dirty="0" smtClean="0">
                 <a:solidFill>
                   <a:prstClr val="black"/>
                 </a:solidFill>
-                <a:latin typeface="Times New Roman" panose="02020603050405020304" pitchFamily="18" charset="0"/>
-                <a:cs typeface="Times New Roman" panose="02020603050405020304" pitchFamily="18" charset="0"/>
-              </a:rPr>
-              <a:t>несколькими условиями </a:t>
-            </a:r>
-            <a:r>
-              <a:rPr lang="ru-RU" sz="2400" dirty="0">
+                <a:latin typeface="+mn-lt"/>
+                <a:cs typeface="Times New Roman" panose="02020603050405020304" pitchFamily="18" charset="0"/>
+              </a:rPr>
+              <a:t> </a:t>
+            </a:r>
+            <a:r>
+              <a:rPr lang="ru-RU" sz="2200" dirty="0" smtClean="0">
                 <a:solidFill>
                   <a:prstClr val="black"/>
                 </a:solidFill>
-                <a:latin typeface="Times New Roman" panose="02020603050405020304" pitchFamily="18" charset="0"/>
-                <a:cs typeface="Times New Roman" panose="02020603050405020304" pitchFamily="18" charset="0"/>
-              </a:rPr>
-              <a:t>и получением данных из текущей строки и строки с данными пользователя</a:t>
+                <a:latin typeface="+mn-lt"/>
+                <a:cs typeface="Times New Roman" panose="02020603050405020304" pitchFamily="18" charset="0"/>
+              </a:rPr>
+              <a:t>получением </a:t>
+            </a:r>
+            <a:r>
+              <a:rPr lang="ru-RU" sz="2200" dirty="0">
+                <a:solidFill>
+                  <a:prstClr val="black"/>
+                </a:solidFill>
+                <a:latin typeface="+mn-lt"/>
+                <a:cs typeface="Times New Roman" panose="02020603050405020304" pitchFamily="18" charset="0"/>
+              </a:rPr>
+              <a:t>данных из текущей строки и строки с данными </a:t>
+            </a:r>
+            <a:r>
+              <a:rPr lang="ru-RU" sz="2200" dirty="0" smtClean="0">
+                <a:solidFill>
+                  <a:prstClr val="black"/>
+                </a:solidFill>
+                <a:latin typeface="+mn-lt"/>
+                <a:cs typeface="Times New Roman" panose="02020603050405020304" pitchFamily="18" charset="0"/>
+              </a:rPr>
+              <a:t>пользователя на выборке из миллиона записей</a:t>
             </a:r>
             <a:endParaRPr lang="ru-RU" dirty="0">
-              <a:latin typeface="Times New Roman" panose="02020603050405020304" pitchFamily="18" charset="0"/>
+              <a:latin typeface="+mn-lt"/>
               <a:cs typeface="Times New Roman" panose="02020603050405020304" pitchFamily="18" charset="0"/>
             </a:endParaRPr>
           </a:p>
@@ -7072,21 +7188,19 @@
       </p:sp>
       <p:graphicFrame>
         <p:nvGraphicFramePr>
-          <p:cNvPr id="5" name="Диаграмма 8"/>
-          <p:cNvGraphicFramePr>
-            <a:graphicFrameLocks/>
-          </p:cNvGraphicFramePr>
+          <p:cNvPr id="5" name="Диаграмма 3"/>
+          <p:cNvGraphicFramePr/>
           <p:nvPr>
             <p:extLst>
               <p:ext uri="{D42A27DB-BD31-4B8C-83A1-F6EECF244321}">
-                <p14:modId xmlns:p14="http://schemas.microsoft.com/office/powerpoint/2010/main" val="2873387101"/>
+                <p14:modId xmlns:p14="http://schemas.microsoft.com/office/powerpoint/2010/main" val="3936272337"/>
               </p:ext>
             </p:extLst>
           </p:nvPr>
         </p:nvGraphicFramePr>
         <p:xfrm>
-          <a:off x="457200" y="1772816"/>
-          <a:ext cx="8229600" cy="4608512"/>
+          <a:off x="485918" y="1628800"/>
+          <a:ext cx="8200882" cy="4752528"/>
         </p:xfrm>
         <a:graphic>
           <a:graphicData uri="http://schemas.openxmlformats.org/drawingml/2006/chart">
@@ -7097,7 +7211,7 @@
     </p:spTree>
     <p:extLst>
       <p:ext uri="{BB962C8B-B14F-4D97-AF65-F5344CB8AC3E}">
-        <p14:creationId xmlns:p14="http://schemas.microsoft.com/office/powerpoint/2010/main" val="2092790645"/>
+        <p14:creationId xmlns:p14="http://schemas.microsoft.com/office/powerpoint/2010/main" val="2986925712"/>
       </p:ext>
     </p:extLst>
   </p:cSld>
@@ -7134,116 +7248,96 @@
             <p:ph type="title"/>
           </p:nvPr>
         </p:nvSpPr>
-        <p:spPr/>
+        <p:spPr>
+          <a:xfrm>
+            <a:off x="457200" y="274638"/>
+            <a:ext cx="8229600" cy="850106"/>
+          </a:xfrm>
+        </p:spPr>
         <p:txBody>
           <a:bodyPr>
-            <a:normAutofit fontScale="90000"/>
+            <a:noAutofit/>
           </a:bodyPr>
           <a:lstStyle/>
           <a:p>
             <a:r>
-              <a:rPr lang="ru-RU" sz="2200" dirty="0" smtClean="0">
-                <a:solidFill>
-                  <a:prstClr val="black"/>
-                </a:solidFill>
+              <a:rPr lang="ru-RU" sz="3200" dirty="0" smtClean="0">
                 <a:latin typeface="+mn-lt"/>
                 <a:cs typeface="Times New Roman" panose="02020603050405020304" pitchFamily="18" charset="0"/>
               </a:rPr>
-              <a:t>Производительность оптимизированной системы для предикатов с </a:t>
-            </a:r>
-            <a:r>
-              <a:rPr lang="ru-RU" sz="2200" dirty="0">
-                <a:solidFill>
-                  <a:prstClr val="black"/>
-                </a:solidFill>
-                <a:latin typeface="+mn-lt"/>
-                <a:cs typeface="Times New Roman" panose="02020603050405020304" pitchFamily="18" charset="0"/>
-              </a:rPr>
-              <a:t>несколькими условиями </a:t>
-            </a:r>
-            <a:r>
-              <a:rPr lang="ru-RU" sz="2200" dirty="0" smtClean="0">
-                <a:solidFill>
-                  <a:prstClr val="black"/>
-                </a:solidFill>
-                <a:latin typeface="+mn-lt"/>
-                <a:cs typeface="Times New Roman" panose="02020603050405020304" pitchFamily="18" charset="0"/>
-              </a:rPr>
-              <a:t>и</a:t>
-            </a:r>
-            <a:r>
-              <a:rPr lang="en-US" sz="2200" dirty="0" smtClean="0">
-                <a:solidFill>
-                  <a:prstClr val="black"/>
-                </a:solidFill>
-                <a:latin typeface="+mn-lt"/>
-                <a:cs typeface="Times New Roman" panose="02020603050405020304" pitchFamily="18" charset="0"/>
-              </a:rPr>
-              <a:t> </a:t>
-            </a:r>
-            <a:r>
-              <a:rPr lang="ru-RU" sz="2200" dirty="0" smtClean="0">
-                <a:solidFill>
-                  <a:prstClr val="black"/>
-                </a:solidFill>
-                <a:latin typeface="+mn-lt"/>
-                <a:cs typeface="Times New Roman" panose="02020603050405020304" pitchFamily="18" charset="0"/>
-              </a:rPr>
-              <a:t>получением </a:t>
-            </a:r>
-            <a:r>
-              <a:rPr lang="ru-RU" sz="2200" dirty="0">
-                <a:solidFill>
-                  <a:prstClr val="black"/>
-                </a:solidFill>
-                <a:latin typeface="+mn-lt"/>
-                <a:cs typeface="Times New Roman" panose="02020603050405020304" pitchFamily="18" charset="0"/>
-              </a:rPr>
-              <a:t>данных из текущей строки и строки с данными </a:t>
-            </a:r>
-            <a:r>
-              <a:rPr lang="ru-RU" sz="2200" dirty="0" smtClean="0">
-                <a:solidFill>
-                  <a:prstClr val="black"/>
-                </a:solidFill>
-                <a:latin typeface="+mn-lt"/>
-                <a:cs typeface="Times New Roman" panose="02020603050405020304" pitchFamily="18" charset="0"/>
-              </a:rPr>
-              <a:t>пользователя на выборке из миллиона записей</a:t>
-            </a:r>
-            <a:endParaRPr lang="ru-RU" dirty="0">
+              <a:t>Альтернативные варианты вычисления предикатов</a:t>
+            </a:r>
+            <a:endParaRPr lang="ru-RU" sz="3200" dirty="0">
               <a:latin typeface="+mn-lt"/>
               <a:cs typeface="Times New Roman" panose="02020603050405020304" pitchFamily="18" charset="0"/>
             </a:endParaRPr>
           </a:p>
         </p:txBody>
       </p:sp>
-      <p:graphicFrame>
-        <p:nvGraphicFramePr>
-          <p:cNvPr id="5" name="Диаграмма 3"/>
-          <p:cNvGraphicFramePr/>
-          <p:nvPr>
-            <p:extLst>
-              <p:ext uri="{D42A27DB-BD31-4B8C-83A1-F6EECF244321}">
-                <p14:modId xmlns:p14="http://schemas.microsoft.com/office/powerpoint/2010/main" val="3936272337"/>
-              </p:ext>
-            </p:extLst>
-          </p:nvPr>
-        </p:nvGraphicFramePr>
-        <p:xfrm>
-          <a:off x="485918" y="1628800"/>
-          <a:ext cx="8200882" cy="4752528"/>
-        </p:xfrm>
-        <a:graphic>
-          <a:graphicData uri="http://schemas.openxmlformats.org/drawingml/2006/chart">
-            <c:chart xmlns:c="http://schemas.openxmlformats.org/drawingml/2006/chart" xmlns:r="http://schemas.openxmlformats.org/officeDocument/2006/relationships" r:id="rId2"/>
-          </a:graphicData>
-        </a:graphic>
-      </p:graphicFrame>
+      <p:sp>
+        <p:nvSpPr>
+          <p:cNvPr id="3" name="Content Placeholder 2"/>
+          <p:cNvSpPr>
+            <a:spLocks noGrp="1"/>
+          </p:cNvSpPr>
+          <p:nvPr>
+            <p:ph idx="1"/>
+          </p:nvPr>
+        </p:nvSpPr>
+        <p:spPr/>
+        <p:txBody>
+          <a:bodyPr>
+            <a:normAutofit fontScale="92500" lnSpcReduction="10000"/>
+          </a:bodyPr>
+          <a:lstStyle/>
+          <a:p>
+            <a:r>
+              <a:rPr lang="ru-RU" dirty="0" smtClean="0">
+                <a:cs typeface="Times New Roman" panose="02020603050405020304" pitchFamily="18" charset="0"/>
+              </a:rPr>
+              <a:t>Подождать функциональности, позволяющей создавать общие переменные, созданные перед обращением к строкам таблицы и доступные в контексте выполнения предиката</a:t>
+            </a:r>
+          </a:p>
+          <a:p>
+            <a:r>
+              <a:rPr lang="ru-RU" dirty="0" smtClean="0">
+                <a:cs typeface="Times New Roman" panose="02020603050405020304" pitchFamily="18" charset="0"/>
+              </a:rPr>
+              <a:t>Вынести исполнение предиката на уровень приложения и конвертировать дерево выражений в </a:t>
+            </a:r>
+            <a:r>
+              <a:rPr lang="en-US" dirty="0" smtClean="0">
+                <a:cs typeface="Times New Roman" panose="02020603050405020304" pitchFamily="18" charset="0"/>
+              </a:rPr>
+              <a:t>SQL </a:t>
+            </a:r>
+            <a:r>
+              <a:rPr lang="ru-RU" dirty="0" smtClean="0">
+                <a:cs typeface="Times New Roman" panose="02020603050405020304" pitchFamily="18" charset="0"/>
+              </a:rPr>
+              <a:t>код</a:t>
+            </a:r>
+            <a:endParaRPr lang="en-US" dirty="0" smtClean="0">
+              <a:cs typeface="Times New Roman" panose="02020603050405020304" pitchFamily="18" charset="0"/>
+            </a:endParaRPr>
+          </a:p>
+          <a:p>
+            <a:r>
+              <a:rPr lang="ru-RU" dirty="0" smtClean="0">
+                <a:cs typeface="Times New Roman" panose="02020603050405020304" pitchFamily="18" charset="0"/>
+              </a:rPr>
+              <a:t>Каждый раз при изменении политики безопасности перекомпилировать процедуру, вычисляющую доступ к строчкам БД</a:t>
+            </a:r>
+            <a:endParaRPr lang="ru-RU" dirty="0">
+              <a:cs typeface="Times New Roman" panose="02020603050405020304" pitchFamily="18" charset="0"/>
+            </a:endParaRPr>
+          </a:p>
+        </p:txBody>
+      </p:sp>
     </p:spTree>
     <p:extLst>
       <p:ext uri="{BB962C8B-B14F-4D97-AF65-F5344CB8AC3E}">
-        <p14:creationId xmlns:p14="http://schemas.microsoft.com/office/powerpoint/2010/main" val="2986925712"/>
+        <p14:creationId xmlns:p14="http://schemas.microsoft.com/office/powerpoint/2010/main" val="1725165225"/>
       </p:ext>
     </p:extLst>
   </p:cSld>
@@ -7272,132 +7366,6 @@
       </p:grpSpPr>
       <p:sp>
         <p:nvSpPr>
-          <p:cNvPr id="2" name="Title 1"/>
-          <p:cNvSpPr>
-            <a:spLocks noGrp="1"/>
-          </p:cNvSpPr>
-          <p:nvPr>
-            <p:ph type="title"/>
-          </p:nvPr>
-        </p:nvSpPr>
-        <p:spPr>
-          <a:xfrm>
-            <a:off x="457200" y="274638"/>
-            <a:ext cx="8229600" cy="850106"/>
-          </a:xfrm>
-        </p:spPr>
-        <p:txBody>
-          <a:bodyPr>
-            <a:noAutofit/>
-          </a:bodyPr>
-          <a:lstStyle/>
-          <a:p>
-            <a:r>
-              <a:rPr lang="ru-RU" sz="3200" dirty="0" smtClean="0">
-                <a:latin typeface="+mn-lt"/>
-                <a:cs typeface="Times New Roman" panose="02020603050405020304" pitchFamily="18" charset="0"/>
-              </a:rPr>
-              <a:t>Альтернативные варианты вычисления предикатов</a:t>
-            </a:r>
-            <a:endParaRPr lang="ru-RU" sz="3200" dirty="0">
-              <a:latin typeface="+mn-lt"/>
-              <a:cs typeface="Times New Roman" panose="02020603050405020304" pitchFamily="18" charset="0"/>
-            </a:endParaRPr>
-          </a:p>
-        </p:txBody>
-      </p:sp>
-      <p:sp>
-        <p:nvSpPr>
-          <p:cNvPr id="3" name="Content Placeholder 2"/>
-          <p:cNvSpPr>
-            <a:spLocks noGrp="1"/>
-          </p:cNvSpPr>
-          <p:nvPr>
-            <p:ph idx="1"/>
-          </p:nvPr>
-        </p:nvSpPr>
-        <p:spPr/>
-        <p:txBody>
-          <a:bodyPr>
-            <a:normAutofit fontScale="92500" lnSpcReduction="10000"/>
-          </a:bodyPr>
-          <a:lstStyle/>
-          <a:p>
-            <a:r>
-              <a:rPr lang="ru-RU" dirty="0" smtClean="0">
-                <a:cs typeface="Times New Roman" panose="02020603050405020304" pitchFamily="18" charset="0"/>
-              </a:rPr>
-              <a:t>Подождать функциональности, позволяющей создавать общие переменные, созданные перед обращением к строкам таблицы и доступные в контексте выполнения предиката</a:t>
-            </a:r>
-          </a:p>
-          <a:p>
-            <a:r>
-              <a:rPr lang="ru-RU" dirty="0" smtClean="0">
-                <a:cs typeface="Times New Roman" panose="02020603050405020304" pitchFamily="18" charset="0"/>
-              </a:rPr>
-              <a:t>Вынести исполнение предиката на уровень приложения и конвертировать дерево выражений в </a:t>
-            </a:r>
-            <a:r>
-              <a:rPr lang="en-US" dirty="0" smtClean="0">
-                <a:cs typeface="Times New Roman" panose="02020603050405020304" pitchFamily="18" charset="0"/>
-              </a:rPr>
-              <a:t>SQL </a:t>
-            </a:r>
-            <a:r>
-              <a:rPr lang="ru-RU" dirty="0" smtClean="0">
-                <a:cs typeface="Times New Roman" panose="02020603050405020304" pitchFamily="18" charset="0"/>
-              </a:rPr>
-              <a:t>код</a:t>
-            </a:r>
-            <a:endParaRPr lang="en-US" dirty="0" smtClean="0">
-              <a:cs typeface="Times New Roman" panose="02020603050405020304" pitchFamily="18" charset="0"/>
-            </a:endParaRPr>
-          </a:p>
-          <a:p>
-            <a:r>
-              <a:rPr lang="ru-RU" dirty="0" smtClean="0">
-                <a:cs typeface="Times New Roman" panose="02020603050405020304" pitchFamily="18" charset="0"/>
-              </a:rPr>
-              <a:t>Каждый раз при изменении политики безопасности перекомпилировать процедуру, вычисляющую доступ к строчкам БД</a:t>
-            </a:r>
-            <a:endParaRPr lang="ru-RU" dirty="0">
-              <a:cs typeface="Times New Roman" panose="02020603050405020304" pitchFamily="18" charset="0"/>
-            </a:endParaRPr>
-          </a:p>
-        </p:txBody>
-      </p:sp>
-    </p:spTree>
-    <p:extLst>
-      <p:ext uri="{BB962C8B-B14F-4D97-AF65-F5344CB8AC3E}">
-        <p14:creationId xmlns:p14="http://schemas.microsoft.com/office/powerpoint/2010/main" val="1725165225"/>
-      </p:ext>
-    </p:extLst>
-  </p:cSld>
-  <p:clrMapOvr>
-    <a:masterClrMapping/>
-  </p:clrMapOvr>
-</p:sld>
-</file>
-
-<file path=ppt/slides/slide25.xml><?xml version="1.0" encoding="utf-8"?>
-<p:sld xmlns:a="http://schemas.openxmlformats.org/drawingml/2006/main" xmlns:r="http://schemas.openxmlformats.org/officeDocument/2006/relationships" xmlns:p="http://schemas.openxmlformats.org/presentationml/2006/main">
-  <p:cSld>
-    <p:spTree>
-      <p:nvGrpSpPr>
-        <p:cNvPr id="1" name=""/>
-        <p:cNvGrpSpPr/>
-        <p:nvPr/>
-      </p:nvGrpSpPr>
-      <p:grpSpPr>
-        <a:xfrm>
-          <a:off x="0" y="0"/>
-          <a:ext cx="0" cy="0"/>
-          <a:chOff x="0" y="0"/>
-          <a:chExt cx="0" cy="0"/>
-        </a:xfrm>
-      </p:grpSpPr>
-      <p:sp>
-        <p:nvSpPr>
           <p:cNvPr id="2" name="Заголовок 1"/>
           <p:cNvSpPr>
             <a:spLocks noGrp="1"/>
@@ -7534,7 +7502,7 @@
 </p:sld>
 </file>
 
-<file path=ppt/slides/slide26.xml><?xml version="1.0" encoding="utf-8"?>
+<file path=ppt/slides/slide25.xml><?xml version="1.0" encoding="utf-8"?>
 <p:sld xmlns:a="http://schemas.openxmlformats.org/drawingml/2006/main" xmlns:r="http://schemas.openxmlformats.org/officeDocument/2006/relationships" xmlns:p="http://schemas.openxmlformats.org/presentationml/2006/main">
   <p:cSld>
     <p:spTree>
@@ -7719,7 +7687,15 @@
             <a:pPr lvl="0"/>
             <a:r>
               <a:rPr lang="ru-RU" dirty="0"/>
-              <a:t>Реализовать механизм гибкого разграничения прав на записи базы данных, на основе </a:t>
+              <a:t>Реализовать механизм гибкого разграничения прав на записи базы </a:t>
+            </a:r>
+            <a:r>
+              <a:rPr lang="ru-RU" dirty="0" smtClean="0"/>
+              <a:t>данных </a:t>
+            </a:r>
+            <a:r>
+              <a:rPr lang="ru-RU" dirty="0"/>
+              <a:t>на основе </a:t>
             </a:r>
             <a:r>
               <a:rPr lang="ru-RU" dirty="0" smtClean="0"/>
@@ -7729,7 +7705,15 @@
           <a:p>
             <a:r>
               <a:rPr lang="ru-RU" dirty="0"/>
-              <a:t>Измерить производительность и практичность данного механизма</a:t>
+              <a:t>Измерить производительность и </a:t>
+            </a:r>
+            <a:r>
+              <a:rPr lang="ru-RU" dirty="0" smtClean="0"/>
+              <a:t>оценить практичность </a:t>
+            </a:r>
+            <a:r>
+              <a:rPr lang="ru-RU" dirty="0"/>
+              <a:t>данного механизма</a:t>
             </a:r>
           </a:p>
           <a:p>
@@ -7789,11 +7773,7 @@
           <a:p>
             <a:r>
               <a:rPr lang="ru-RU" dirty="0" smtClean="0"/>
-              <a:t>Способы разграничения </a:t>
-            </a:r>
-            <a:r>
-              <a:rPr lang="ru-RU" dirty="0" smtClean="0"/>
-              <a:t>прав</a:t>
+              <a:t>Способы разграничения прав</a:t>
             </a:r>
             <a:endParaRPr lang="ru-RU" dirty="0"/>
           </a:p>
@@ -7818,11 +7798,7 @@
           <a:p>
             <a:r>
               <a:rPr lang="en-US" dirty="0" smtClean="0"/>
-              <a:t>FLS – field level </a:t>
-            </a:r>
-            <a:r>
-              <a:rPr lang="en-US" dirty="0" smtClean="0"/>
-              <a:t>security</a:t>
+              <a:t>FLS – field level security</a:t>
             </a:r>
           </a:p>
           <a:p>
@@ -7841,15 +7817,7 @@
           <a:p>
             <a:r>
               <a:rPr lang="en-US" dirty="0" smtClean="0"/>
-              <a:t>RLS </a:t>
-            </a:r>
-            <a:r>
-              <a:rPr lang="en-US" dirty="0" smtClean="0"/>
-              <a:t>- row level </a:t>
-            </a:r>
-            <a:r>
-              <a:rPr lang="en-US" dirty="0" smtClean="0"/>
-              <a:t>security</a:t>
+              <a:t>RLS - row level security</a:t>
             </a:r>
           </a:p>
           <a:p>
@@ -7918,10 +7886,6 @@
               </a:rPr>
               <a:t>Безопасность на уровне строк</a:t>
             </a:r>
-            <a:endParaRPr lang="ru-RU" dirty="0">
-              <a:latin typeface="+mn-lt"/>
-              <a:cs typeface="Times New Roman" panose="02020603050405020304" pitchFamily="18" charset="0"/>
-            </a:endParaRPr>
           </a:p>
         </p:txBody>
       </p:sp>
@@ -7964,13 +7928,7 @@
               <a:rPr lang="ru-RU" dirty="0" smtClean="0">
                 <a:cs typeface="Times New Roman" panose="02020603050405020304" pitchFamily="18" charset="0"/>
               </a:rPr>
-              <a:t>– </a:t>
-            </a:r>
-            <a:r>
-              <a:rPr lang="ru-RU" dirty="0" smtClean="0">
-                <a:cs typeface="Times New Roman" panose="02020603050405020304" pitchFamily="18" charset="0"/>
-              </a:rPr>
-              <a:t>технология, позволяющая ограничивать доступ пользователей к данным в базе данных на основе предикатов, выполняющихся в контексте каждой строки.</a:t>
+              <a:t>– технология, позволяющая ограничивать доступ пользователей к данным в базе данных на основе предикатов, выполняющихся в контексте каждой строки.</a:t>
             </a:r>
           </a:p>
           <a:p>
@@ -8157,11 +8115,7 @@
             </a:pPr>
             <a:r>
               <a:rPr lang="ru-RU" sz="2400" dirty="0" smtClean="0"/>
-              <a:t>Гибкость предикатов, так как используются </a:t>
-            </a:r>
-            <a:r>
-              <a:rPr lang="ru-RU" sz="2400" dirty="0" smtClean="0"/>
-              <a:t>триггеры</a:t>
+              <a:t>Гибкость предикатов, так как используются триггеры</a:t>
             </a:r>
           </a:p>
           <a:p>
@@ -8207,13 +8161,8 @@
             </a:pPr>
             <a:r>
               <a:rPr lang="ru-RU" sz="2400" dirty="0" smtClean="0"/>
-              <a:t>На каждую таблицу необходимо создать по триггеру и несколько представлений, в зависимости от </a:t>
-            </a:r>
-            <a:r>
-              <a:rPr lang="ru-RU" sz="2400" dirty="0" smtClean="0"/>
-              <a:t>задачи</a:t>
-            </a:r>
-            <a:endParaRPr lang="ru-RU" sz="2400" dirty="0" smtClean="0"/>
+              <a:t>На каждую таблицу необходимо создать по триггеру и несколько представлений, в зависимости от задачи</a:t>
+            </a:r>
           </a:p>
         </p:txBody>
       </p:sp>
@@ -8355,13 +8304,7 @@
               <a:rPr lang="ru-RU" sz="2400" dirty="0" smtClean="0">
                 <a:cs typeface="Times New Roman" panose="02020603050405020304" pitchFamily="18" charset="0"/>
               </a:rPr>
-              <a:t>Привязка к </a:t>
-            </a:r>
-            <a:r>
-              <a:rPr lang="ru-RU" sz="2400" dirty="0" smtClean="0">
-                <a:cs typeface="Times New Roman" panose="02020603050405020304" pitchFamily="18" charset="0"/>
-              </a:rPr>
-              <a:t>схеме</a:t>
+              <a:t>Привязка к схеме</a:t>
             </a:r>
           </a:p>
           <a:p>
@@ -8400,17 +8343,8 @@
               <a:rPr lang="ru-RU" sz="2400" dirty="0" smtClean="0">
                 <a:cs typeface="Times New Roman" panose="02020603050405020304" pitchFamily="18" charset="0"/>
               </a:rPr>
-              <a:t>При сложном предикате, лучше ограничить пользователя на работу с представлением, нежели непосредственно с </a:t>
-            </a:r>
-            <a:r>
-              <a:rPr lang="ru-RU" sz="2400" dirty="0" smtClean="0">
-                <a:cs typeface="Times New Roman" panose="02020603050405020304" pitchFamily="18" charset="0"/>
-              </a:rPr>
-              <a:t>таблицей</a:t>
-            </a:r>
-            <a:endParaRPr lang="ru-RU" sz="2400" dirty="0" smtClean="0">
-              <a:cs typeface="Times New Roman" panose="02020603050405020304" pitchFamily="18" charset="0"/>
-            </a:endParaRPr>
+              <a:t>При сложном предикате, лучше ограничить пользователя на работу с представлением, нежели непосредственно с таблицей</a:t>
+            </a:r>
           </a:p>
         </p:txBody>
       </p:sp>
@@ -8521,13 +8455,7 @@
               <a:rPr lang="ru-RU" dirty="0" smtClean="0">
                 <a:cs typeface="Times New Roman" panose="02020603050405020304" pitchFamily="18" charset="0"/>
               </a:rPr>
-              <a:t>Создана тестовая </a:t>
-            </a:r>
-            <a:r>
-              <a:rPr lang="ru-RU" dirty="0" smtClean="0">
-                <a:cs typeface="Times New Roman" panose="02020603050405020304" pitchFamily="18" charset="0"/>
-              </a:rPr>
-              <a:t>база данных для применения политики безопасности</a:t>
+              <a:t>Создана тестовая база данных для применения политики безопасности</a:t>
             </a:r>
           </a:p>
           <a:p>
@@ -8560,23 +8488,8 @@
               <a:rPr lang="ru-RU" dirty="0" smtClean="0">
                 <a:cs typeface="Times New Roman" panose="02020603050405020304" pitchFamily="18" charset="0"/>
               </a:rPr>
-              <a:t>-приложение </a:t>
-            </a:r>
-            <a:r>
-              <a:rPr lang="ru-RU" dirty="0" smtClean="0">
-                <a:cs typeface="Times New Roman" panose="02020603050405020304" pitchFamily="18" charset="0"/>
-              </a:rPr>
-              <a:t>для управления сущностями </a:t>
-            </a:r>
-            <a:r>
-              <a:rPr lang="ru-RU" dirty="0" smtClean="0">
-                <a:cs typeface="Times New Roman" panose="02020603050405020304" pitchFamily="18" charset="0"/>
-              </a:rPr>
-              <a:t>тестовой БД и настройки политики безопасности</a:t>
-            </a:r>
-            <a:endParaRPr lang="ru-RU" dirty="0" smtClean="0">
-              <a:cs typeface="Times New Roman" panose="02020603050405020304" pitchFamily="18" charset="0"/>
-            </a:endParaRPr>
+              <a:t>-приложение для управления сущностями тестовой БД и настройки политики безопасности</a:t>
+            </a:r>
           </a:p>
         </p:txBody>
       </p:sp>

--- a/ВКР/презентация.pptx
+++ b/ВКР/презентация.pptx
@@ -5,7 +5,7 @@
     <p:sldMasterId id="2147483648" r:id="rId1"/>
   </p:sldMasterIdLst>
   <p:notesMasterIdLst>
-    <p:notesMasterId r:id="rId27"/>
+    <p:notesMasterId r:id="rId28"/>
   </p:notesMasterIdLst>
   <p:sldIdLst>
     <p:sldId id="263" r:id="rId2"/>
@@ -26,13 +26,14 @@
     <p:sldId id="275" r:id="rId17"/>
     <p:sldId id="284" r:id="rId18"/>
     <p:sldId id="277" r:id="rId19"/>
-    <p:sldId id="278" r:id="rId20"/>
-    <p:sldId id="279" r:id="rId21"/>
-    <p:sldId id="280" r:id="rId22"/>
-    <p:sldId id="281" r:id="rId23"/>
-    <p:sldId id="282" r:id="rId24"/>
-    <p:sldId id="267" r:id="rId25"/>
-    <p:sldId id="268" r:id="rId26"/>
+    <p:sldId id="285" r:id="rId20"/>
+    <p:sldId id="278" r:id="rId21"/>
+    <p:sldId id="279" r:id="rId22"/>
+    <p:sldId id="280" r:id="rId23"/>
+    <p:sldId id="281" r:id="rId24"/>
+    <p:sldId id="282" r:id="rId25"/>
+    <p:sldId id="267" r:id="rId26"/>
+    <p:sldId id="268" r:id="rId27"/>
   </p:sldIdLst>
   <p:sldSz cx="9144000" cy="6858000" type="screen4x3"/>
   <p:notesSz cx="6858000" cy="9144000"/>
@@ -133,7 +134,7 @@
   </p:defaultTextStyle>
   <p:extLst>
     <p:ext uri="{EFAFB233-063F-42B5-8137-9DF3F51BA10A}">
-      <p15:sldGuideLst xmlns:p15="http://schemas.microsoft.com/office/powerpoint/2012/main">
+      <p15:sldGuideLst xmlns:p15="http://schemas.microsoft.com/office/powerpoint/2012/main" xmlns="">
         <p15:guide id="1" orient="horz" pos="2160">
           <p15:clr>
             <a:srgbClr val="A4A3A4"/>
@@ -151,26 +152,14 @@
 </file>
 
 <file path=ppt/charts/chart1.xml><?xml version="1.0" encoding="utf-8"?>
-<c:chartSpace xmlns:c="http://schemas.openxmlformats.org/drawingml/2006/chart" xmlns:a="http://schemas.openxmlformats.org/drawingml/2006/main" xmlns:r="http://schemas.openxmlformats.org/officeDocument/2006/relationships" xmlns:c16r2="http://schemas.microsoft.com/office/drawing/2015/06/chart">
-  <c:date1904 val="0"/>
-  <c:lang val="en-US"/>
-  <c:roundedCorners val="0"/>
-  <mc:AlternateContent xmlns:mc="http://schemas.openxmlformats.org/markup-compatibility/2006">
-    <mc:Choice xmlns:c14="http://schemas.microsoft.com/office/drawing/2007/8/2/chart" Requires="c14">
-      <c14:style val="102"/>
-    </mc:Choice>
-    <mc:Fallback>
-      <c:style val="2"/>
-    </mc:Fallback>
-  </mc:AlternateContent>
+<c:chartSpace xmlns:c="http://schemas.openxmlformats.org/drawingml/2006/chart" xmlns:a="http://schemas.openxmlformats.org/drawingml/2006/main" xmlns:r="http://schemas.openxmlformats.org/officeDocument/2006/relationships">
+  <c:lang val="ru-RU"/>
   <c:chart>
-    <c:autoTitleDeleted val="0"/>
     <c:plotArea>
       <c:layout/>
       <c:barChart>
         <c:barDir val="col"/>
         <c:grouping val="clustered"/>
-        <c:varyColors val="0"/>
         <c:ser>
           <c:idx val="0"/>
           <c:order val="0"/>
@@ -185,7 +174,6 @@
               </c:strCache>
             </c:strRef>
           </c:tx>
-          <c:invertIfNegative val="0"/>
           <c:cat>
             <c:strRef>
               <c:f>Лист1!$B$1:$I$1</c:f>
@@ -251,7 +239,7 @@
               </c:numCache>
             </c:numRef>
           </c:val>
-          <c:extLst>
+          <c:extLst xmlns:c16r2="http://schemas.microsoft.com/office/drawing/2015/06/chart">
             <c:ext xmlns:c16="http://schemas.microsoft.com/office/drawing/2014/chart" uri="{C3380CC4-5D6E-409C-BE32-E72D297353CC}">
               <c16:uniqueId val="{00000000-DD11-4F93-8BC4-F0BCDAC0C5CB}"/>
             </c:ext>
@@ -271,7 +259,6 @@
               </c:strCache>
             </c:strRef>
           </c:tx>
-          <c:invertIfNegative val="0"/>
           <c:cat>
             <c:strRef>
               <c:f>Лист1!$B$1:$I$1</c:f>
@@ -337,7 +324,7 @@
               </c:numCache>
             </c:numRef>
           </c:val>
-          <c:extLst>
+          <c:extLst xmlns:c16r2="http://schemas.microsoft.com/office/drawing/2015/06/chart">
             <c:ext xmlns:c16="http://schemas.microsoft.com/office/drawing/2014/chart" uri="{C3380CC4-5D6E-409C-BE32-E72D297353CC}">
               <c16:uniqueId val="{00000001-DD11-4F93-8BC4-F0BCDAC0C5CB}"/>
             </c:ext>
@@ -357,7 +344,6 @@
               </c:strCache>
             </c:strRef>
           </c:tx>
-          <c:invertIfNegative val="0"/>
           <c:cat>
             <c:strRef>
               <c:f>Лист1!$B$1:$I$1</c:f>
@@ -423,7 +409,7 @@
               </c:numCache>
             </c:numRef>
           </c:val>
-          <c:extLst>
+          <c:extLst xmlns:c16r2="http://schemas.microsoft.com/office/drawing/2015/06/chart">
             <c:ext xmlns:c16="http://schemas.microsoft.com/office/drawing/2014/chart" uri="{C3380CC4-5D6E-409C-BE32-E72D297353CC}">
               <c16:uniqueId val="{00000002-DD11-4F93-8BC4-F0BCDAC0C5CB}"/>
             </c:ext>
@@ -443,7 +429,6 @@
               </c:strCache>
             </c:strRef>
           </c:tx>
-          <c:invertIfNegative val="0"/>
           <c:cat>
             <c:strRef>
               <c:f>Лист1!$B$1:$I$1</c:f>
@@ -509,30 +494,21 @@
               </c:numCache>
             </c:numRef>
           </c:val>
-          <c:extLst>
+          <c:extLst xmlns:c16r2="http://schemas.microsoft.com/office/drawing/2015/06/chart">
             <c:ext xmlns:c16="http://schemas.microsoft.com/office/drawing/2014/chart" uri="{C3380CC4-5D6E-409C-BE32-E72D297353CC}">
               <c16:uniqueId val="{00000003-DD11-4F93-8BC4-F0BCDAC0C5CB}"/>
             </c:ext>
           </c:extLst>
         </c:ser>
-        <c:dLbls>
-          <c:showLegendKey val="0"/>
-          <c:showVal val="0"/>
-          <c:showCatName val="0"/>
-          <c:showSerName val="0"/>
-          <c:showPercent val="0"/>
-          <c:showBubbleSize val="0"/>
-        </c:dLbls>
-        <c:gapWidth val="150"/>
-        <c:axId val="82328576"/>
-        <c:axId val="86558976"/>
+        <c:dLbls/>
+        <c:axId val="74980736"/>
+        <c:axId val="74995200"/>
       </c:barChart>
       <c:catAx>
-        <c:axId val="82328576"/>
+        <c:axId val="74980736"/>
         <c:scaling>
           <c:orientation val="minMax"/>
         </c:scaling>
-        <c:delete val="0"/>
         <c:axPos val="b"/>
         <c:title>
           <c:tx>
@@ -572,11 +548,8 @@
             </c:rich>
           </c:tx>
           <c:layout/>
-          <c:overlay val="0"/>
         </c:title>
         <c:numFmt formatCode="General" sourceLinked="0"/>
-        <c:majorTickMark val="out"/>
-        <c:minorTickMark val="none"/>
         <c:tickLblPos val="nextTo"/>
         <c:txPr>
           <a:bodyPr/>
@@ -588,19 +561,17 @@
             <a:endParaRPr lang="ru-RU"/>
           </a:p>
         </c:txPr>
-        <c:crossAx val="86558976"/>
+        <c:crossAx val="74995200"/>
         <c:crosses val="autoZero"/>
         <c:auto val="1"/>
         <c:lblAlgn val="ctr"/>
         <c:lblOffset val="100"/>
-        <c:noMultiLvlLbl val="0"/>
       </c:catAx>
       <c:valAx>
-        <c:axId val="86558976"/>
+        <c:axId val="74995200"/>
         <c:scaling>
           <c:orientation val="minMax"/>
         </c:scaling>
-        <c:delete val="0"/>
         <c:axPos val="l"/>
         <c:majorGridlines/>
         <c:title>
@@ -623,11 +594,8 @@
             </c:rich>
           </c:tx>
           <c:layout/>
-          <c:overlay val="0"/>
         </c:title>
         <c:numFmt formatCode="General" sourceLinked="1"/>
-        <c:majorTickMark val="out"/>
-        <c:minorTickMark val="none"/>
         <c:tickLblPos val="nextTo"/>
         <c:txPr>
           <a:bodyPr/>
@@ -639,7 +607,7 @@
             <a:endParaRPr lang="ru-RU"/>
           </a:p>
         </c:txPr>
-        <c:crossAx val="82328576"/>
+        <c:crossAx val="74980736"/>
         <c:crosses val="autoZero"/>
         <c:crossBetween val="between"/>
       </c:valAx>
@@ -647,7 +615,6 @@
     <c:legend>
       <c:legendPos val="r"/>
       <c:layout/>
-      <c:overlay val="0"/>
       <c:txPr>
         <a:bodyPr/>
         <a:lstStyle/>
@@ -661,35 +628,20 @@
     </c:legend>
     <c:plotVisOnly val="1"/>
     <c:dispBlanksAs val="gap"/>
-    <c:showDLblsOverMax val="0"/>
   </c:chart>
-  <c:externalData r:id="rId1">
-    <c:autoUpdate val="0"/>
-  </c:externalData>
+  <c:externalData r:id="rId1"/>
 </c:chartSpace>
 </file>
 
 <file path=ppt/charts/chart2.xml><?xml version="1.0" encoding="utf-8"?>
-<c:chartSpace xmlns:c="http://schemas.openxmlformats.org/drawingml/2006/chart" xmlns:a="http://schemas.openxmlformats.org/drawingml/2006/main" xmlns:r="http://schemas.openxmlformats.org/officeDocument/2006/relationships" xmlns:c16r2="http://schemas.microsoft.com/office/drawing/2015/06/chart">
-  <c:date1904 val="0"/>
-  <c:lang val="en-US"/>
-  <c:roundedCorners val="0"/>
-  <mc:AlternateContent xmlns:mc="http://schemas.openxmlformats.org/markup-compatibility/2006">
-    <mc:Choice xmlns:c14="http://schemas.microsoft.com/office/drawing/2007/8/2/chart" Requires="c14">
-      <c14:style val="102"/>
-    </mc:Choice>
-    <mc:Fallback>
-      <c:style val="2"/>
-    </mc:Fallback>
-  </mc:AlternateContent>
+<c:chartSpace xmlns:c="http://schemas.openxmlformats.org/drawingml/2006/chart" xmlns:a="http://schemas.openxmlformats.org/drawingml/2006/main" xmlns:r="http://schemas.openxmlformats.org/officeDocument/2006/relationships">
+  <c:lang val="ru-RU"/>
   <c:chart>
-    <c:autoTitleDeleted val="0"/>
     <c:plotArea>
       <c:layout/>
       <c:barChart>
         <c:barDir val="col"/>
         <c:grouping val="clustered"/>
-        <c:varyColors val="0"/>
         <c:ser>
           <c:idx val="0"/>
           <c:order val="0"/>
@@ -704,7 +656,6 @@
               </c:strCache>
             </c:strRef>
           </c:tx>
-          <c:invertIfNegative val="0"/>
           <c:cat>
             <c:strRef>
               <c:f>Лист1!$B$10:$H$10</c:f>
@@ -764,7 +715,7 @@
               </c:numCache>
             </c:numRef>
           </c:val>
-          <c:extLst>
+          <c:extLst xmlns:c16r2="http://schemas.microsoft.com/office/drawing/2015/06/chart">
             <c:ext xmlns:c16="http://schemas.microsoft.com/office/drawing/2014/chart" uri="{C3380CC4-5D6E-409C-BE32-E72D297353CC}">
               <c16:uniqueId val="{00000000-6306-4470-AEE4-802FB0C02AC1}"/>
             </c:ext>
@@ -784,7 +735,6 @@
               </c:strCache>
             </c:strRef>
           </c:tx>
-          <c:invertIfNegative val="0"/>
           <c:cat>
             <c:strRef>
               <c:f>Лист1!$B$10:$H$10</c:f>
@@ -844,7 +794,7 @@
               </c:numCache>
             </c:numRef>
           </c:val>
-          <c:extLst>
+          <c:extLst xmlns:c16r2="http://schemas.microsoft.com/office/drawing/2015/06/chart">
             <c:ext xmlns:c16="http://schemas.microsoft.com/office/drawing/2014/chart" uri="{C3380CC4-5D6E-409C-BE32-E72D297353CC}">
               <c16:uniqueId val="{00000001-6306-4470-AEE4-802FB0C02AC1}"/>
             </c:ext>
@@ -864,7 +814,6 @@
               </c:strCache>
             </c:strRef>
           </c:tx>
-          <c:invertIfNegative val="0"/>
           <c:cat>
             <c:strRef>
               <c:f>Лист1!$B$10:$H$10</c:f>
@@ -924,7 +873,7 @@
               </c:numCache>
             </c:numRef>
           </c:val>
-          <c:extLst>
+          <c:extLst xmlns:c16r2="http://schemas.microsoft.com/office/drawing/2015/06/chart">
             <c:ext xmlns:c16="http://schemas.microsoft.com/office/drawing/2014/chart" uri="{C3380CC4-5D6E-409C-BE32-E72D297353CC}">
               <c16:uniqueId val="{00000002-6306-4470-AEE4-802FB0C02AC1}"/>
             </c:ext>
@@ -944,7 +893,6 @@
               </c:strCache>
             </c:strRef>
           </c:tx>
-          <c:invertIfNegative val="0"/>
           <c:cat>
             <c:strRef>
               <c:f>Лист1!$B$10:$H$10</c:f>
@@ -1004,30 +952,21 @@
               </c:numCache>
             </c:numRef>
           </c:val>
-          <c:extLst>
+          <c:extLst xmlns:c16r2="http://schemas.microsoft.com/office/drawing/2015/06/chart">
             <c:ext xmlns:c16="http://schemas.microsoft.com/office/drawing/2014/chart" uri="{C3380CC4-5D6E-409C-BE32-E72D297353CC}">
               <c16:uniqueId val="{00000003-6306-4470-AEE4-802FB0C02AC1}"/>
             </c:ext>
           </c:extLst>
         </c:ser>
-        <c:dLbls>
-          <c:showLegendKey val="0"/>
-          <c:showVal val="0"/>
-          <c:showCatName val="0"/>
-          <c:showSerName val="0"/>
-          <c:showPercent val="0"/>
-          <c:showBubbleSize val="0"/>
-        </c:dLbls>
-        <c:gapWidth val="150"/>
-        <c:axId val="70029696"/>
-        <c:axId val="70031616"/>
+        <c:dLbls/>
+        <c:axId val="75639808"/>
+        <c:axId val="75654272"/>
       </c:barChart>
       <c:catAx>
-        <c:axId val="70029696"/>
+        <c:axId val="75639808"/>
         <c:scaling>
           <c:orientation val="minMax"/>
         </c:scaling>
-        <c:delete val="0"/>
         <c:axPos val="b"/>
         <c:title>
           <c:tx>
@@ -1052,15 +991,12 @@
             <c:manualLayout>
               <c:xMode val="edge"/>
               <c:yMode val="edge"/>
-              <c:x val="0.39207584126611084"/>
-              <c:y val="0.89245159572444666"/>
+              <c:x val="0.39207584126611089"/>
+              <c:y val="0.89245159572444654"/>
             </c:manualLayout>
           </c:layout>
-          <c:overlay val="0"/>
         </c:title>
         <c:numFmt formatCode="General" sourceLinked="0"/>
-        <c:majorTickMark val="out"/>
-        <c:minorTickMark val="none"/>
         <c:tickLblPos val="nextTo"/>
         <c:txPr>
           <a:bodyPr/>
@@ -1072,19 +1008,17 @@
             <a:endParaRPr lang="ru-RU"/>
           </a:p>
         </c:txPr>
-        <c:crossAx val="70031616"/>
+        <c:crossAx val="75654272"/>
         <c:crosses val="autoZero"/>
         <c:auto val="1"/>
         <c:lblAlgn val="ctr"/>
         <c:lblOffset val="100"/>
-        <c:noMultiLvlLbl val="0"/>
       </c:catAx>
       <c:valAx>
-        <c:axId val="70031616"/>
+        <c:axId val="75654272"/>
         <c:scaling>
           <c:orientation val="minMax"/>
         </c:scaling>
-        <c:delete val="0"/>
         <c:axPos val="l"/>
         <c:majorGridlines/>
         <c:title>
@@ -1136,14 +1070,11 @@
               <c:xMode val="edge"/>
               <c:yMode val="edge"/>
               <c:x val="1.3322364555176868E-2"/>
-              <c:y val="0.21779045735225164"/>
+              <c:y val="0.21779045735225169"/>
             </c:manualLayout>
           </c:layout>
-          <c:overlay val="0"/>
         </c:title>
         <c:numFmt formatCode="General" sourceLinked="1"/>
-        <c:majorTickMark val="out"/>
-        <c:minorTickMark val="none"/>
         <c:tickLblPos val="nextTo"/>
         <c:txPr>
           <a:bodyPr/>
@@ -1155,7 +1086,7 @@
             <a:endParaRPr lang="ru-RU"/>
           </a:p>
         </c:txPr>
-        <c:crossAx val="70029696"/>
+        <c:crossAx val="75639808"/>
         <c:crosses val="autoZero"/>
         <c:crossBetween val="between"/>
       </c:valAx>
@@ -1163,7 +1094,6 @@
     <c:legend>
       <c:legendPos val="r"/>
       <c:layout/>
-      <c:overlay val="0"/>
       <c:txPr>
         <a:bodyPr/>
         <a:lstStyle/>
@@ -1177,35 +1107,20 @@
     </c:legend>
     <c:plotVisOnly val="1"/>
     <c:dispBlanksAs val="gap"/>
-    <c:showDLblsOverMax val="0"/>
   </c:chart>
-  <c:externalData r:id="rId1">
-    <c:autoUpdate val="0"/>
-  </c:externalData>
+  <c:externalData r:id="rId1"/>
 </c:chartSpace>
 </file>
 
 <file path=ppt/charts/chart3.xml><?xml version="1.0" encoding="utf-8"?>
-<c:chartSpace xmlns:c="http://schemas.openxmlformats.org/drawingml/2006/chart" xmlns:a="http://schemas.openxmlformats.org/drawingml/2006/main" xmlns:r="http://schemas.openxmlformats.org/officeDocument/2006/relationships" xmlns:c16r2="http://schemas.microsoft.com/office/drawing/2015/06/chart">
-  <c:date1904 val="0"/>
-  <c:lang val="en-US"/>
-  <c:roundedCorners val="0"/>
-  <mc:AlternateContent xmlns:mc="http://schemas.openxmlformats.org/markup-compatibility/2006">
-    <mc:Choice xmlns:c14="http://schemas.microsoft.com/office/drawing/2007/8/2/chart" Requires="c14">
-      <c14:style val="102"/>
-    </mc:Choice>
-    <mc:Fallback>
-      <c:style val="2"/>
-    </mc:Fallback>
-  </mc:AlternateContent>
+<c:chartSpace xmlns:c="http://schemas.openxmlformats.org/drawingml/2006/chart" xmlns:a="http://schemas.openxmlformats.org/drawingml/2006/main" xmlns:r="http://schemas.openxmlformats.org/officeDocument/2006/relationships">
+  <c:lang val="ru-RU"/>
   <c:chart>
-    <c:autoTitleDeleted val="0"/>
     <c:plotArea>
       <c:layout/>
       <c:barChart>
         <c:barDir val="col"/>
         <c:grouping val="clustered"/>
-        <c:varyColors val="0"/>
         <c:ser>
           <c:idx val="0"/>
           <c:order val="0"/>
@@ -1220,7 +1135,6 @@
               </c:strCache>
             </c:strRef>
           </c:tx>
-          <c:invertIfNegative val="0"/>
           <c:cat>
             <c:numRef>
               <c:f>Лист1!$B$20:$E$20</c:f>
@@ -1263,7 +1177,7 @@
               </c:numCache>
             </c:numRef>
           </c:val>
-          <c:extLst>
+          <c:extLst xmlns:c16r2="http://schemas.microsoft.com/office/drawing/2015/06/chart">
             <c:ext xmlns:c16="http://schemas.microsoft.com/office/drawing/2014/chart" uri="{C3380CC4-5D6E-409C-BE32-E72D297353CC}">
               <c16:uniqueId val="{00000000-4963-4E7E-BED9-B0ADACBB56CF}"/>
             </c:ext>
@@ -1283,7 +1197,6 @@
               </c:strCache>
             </c:strRef>
           </c:tx>
-          <c:invertIfNegative val="0"/>
           <c:cat>
             <c:numRef>
               <c:f>Лист1!$B$20:$E$20</c:f>
@@ -1326,7 +1239,7 @@
               </c:numCache>
             </c:numRef>
           </c:val>
-          <c:extLst>
+          <c:extLst xmlns:c16r2="http://schemas.microsoft.com/office/drawing/2015/06/chart">
             <c:ext xmlns:c16="http://schemas.microsoft.com/office/drawing/2014/chart" uri="{C3380CC4-5D6E-409C-BE32-E72D297353CC}">
               <c16:uniqueId val="{00000001-4963-4E7E-BED9-B0ADACBB56CF}"/>
             </c:ext>
@@ -1346,7 +1259,6 @@
               </c:strCache>
             </c:strRef>
           </c:tx>
-          <c:invertIfNegative val="0"/>
           <c:cat>
             <c:numRef>
               <c:f>Лист1!$B$20:$E$20</c:f>
@@ -1389,7 +1301,7 @@
               </c:numCache>
             </c:numRef>
           </c:val>
-          <c:extLst>
+          <c:extLst xmlns:c16r2="http://schemas.microsoft.com/office/drawing/2015/06/chart">
             <c:ext xmlns:c16="http://schemas.microsoft.com/office/drawing/2014/chart" uri="{C3380CC4-5D6E-409C-BE32-E72D297353CC}">
               <c16:uniqueId val="{00000002-4963-4E7E-BED9-B0ADACBB56CF}"/>
             </c:ext>
@@ -1409,7 +1321,6 @@
               </c:strCache>
             </c:strRef>
           </c:tx>
-          <c:invertIfNegative val="0"/>
           <c:cat>
             <c:numRef>
               <c:f>Лист1!$B$20:$E$20</c:f>
@@ -1452,30 +1363,21 @@
               </c:numCache>
             </c:numRef>
           </c:val>
-          <c:extLst>
+          <c:extLst xmlns:c16r2="http://schemas.microsoft.com/office/drawing/2015/06/chart">
             <c:ext xmlns:c16="http://schemas.microsoft.com/office/drawing/2014/chart" uri="{C3380CC4-5D6E-409C-BE32-E72D297353CC}">
               <c16:uniqueId val="{00000003-4963-4E7E-BED9-B0ADACBB56CF}"/>
             </c:ext>
           </c:extLst>
         </c:ser>
-        <c:dLbls>
-          <c:showLegendKey val="0"/>
-          <c:showVal val="0"/>
-          <c:showCatName val="0"/>
-          <c:showSerName val="0"/>
-          <c:showPercent val="0"/>
-          <c:showBubbleSize val="0"/>
-        </c:dLbls>
-        <c:gapWidth val="150"/>
-        <c:axId val="94006656"/>
-        <c:axId val="94016640"/>
+        <c:dLbls/>
+        <c:axId val="75704960"/>
+        <c:axId val="75711232"/>
       </c:barChart>
       <c:catAx>
-        <c:axId val="94006656"/>
+        <c:axId val="75704960"/>
         <c:scaling>
           <c:orientation val="minMax"/>
         </c:scaling>
-        <c:delete val="0"/>
         <c:axPos val="b"/>
         <c:title>
           <c:tx>
@@ -1502,11 +1404,8 @@
             </c:rich>
           </c:tx>
           <c:layout/>
-          <c:overlay val="0"/>
         </c:title>
         <c:numFmt formatCode="General" sourceLinked="1"/>
-        <c:majorTickMark val="out"/>
-        <c:minorTickMark val="none"/>
         <c:tickLblPos val="nextTo"/>
         <c:txPr>
           <a:bodyPr/>
@@ -1518,19 +1417,17 @@
             <a:endParaRPr lang="ru-RU"/>
           </a:p>
         </c:txPr>
-        <c:crossAx val="94016640"/>
+        <c:crossAx val="75711232"/>
         <c:crosses val="autoZero"/>
         <c:auto val="1"/>
         <c:lblAlgn val="ctr"/>
         <c:lblOffset val="100"/>
-        <c:noMultiLvlLbl val="0"/>
       </c:catAx>
       <c:valAx>
-        <c:axId val="94016640"/>
+        <c:axId val="75711232"/>
         <c:scaling>
           <c:orientation val="minMax"/>
         </c:scaling>
-        <c:delete val="0"/>
         <c:axPos val="l"/>
         <c:majorGridlines/>
         <c:title>
@@ -1564,11 +1461,8 @@
             </c:rich>
           </c:tx>
           <c:layout/>
-          <c:overlay val="0"/>
         </c:title>
         <c:numFmt formatCode="General" sourceLinked="1"/>
-        <c:majorTickMark val="out"/>
-        <c:minorTickMark val="none"/>
         <c:tickLblPos val="nextTo"/>
         <c:txPr>
           <a:bodyPr/>
@@ -1580,7 +1474,7 @@
             <a:endParaRPr lang="ru-RU"/>
           </a:p>
         </c:txPr>
-        <c:crossAx val="94006656"/>
+        <c:crossAx val="75704960"/>
         <c:crosses val="autoZero"/>
         <c:crossBetween val="between"/>
       </c:valAx>
@@ -1588,7 +1482,6 @@
     <c:legend>
       <c:legendPos val="r"/>
       <c:layout/>
-      <c:overlay val="0"/>
       <c:txPr>
         <a:bodyPr/>
         <a:lstStyle/>
@@ -1602,27 +1495,14 @@
     </c:legend>
     <c:plotVisOnly val="1"/>
     <c:dispBlanksAs val="gap"/>
-    <c:showDLblsOverMax val="0"/>
   </c:chart>
-  <c:externalData r:id="rId1">
-    <c:autoUpdate val="0"/>
-  </c:externalData>
+  <c:externalData r:id="rId1"/>
 </c:chartSpace>
 </file>
 
 <file path=ppt/charts/chart4.xml><?xml version="1.0" encoding="utf-8"?>
-<c:chartSpace xmlns:c="http://schemas.openxmlformats.org/drawingml/2006/chart" xmlns:a="http://schemas.openxmlformats.org/drawingml/2006/main" xmlns:r="http://schemas.openxmlformats.org/officeDocument/2006/relationships" xmlns:c16r2="http://schemas.microsoft.com/office/drawing/2015/06/chart">
-  <c:date1904 val="0"/>
-  <c:lang val="en-US"/>
-  <c:roundedCorners val="0"/>
-  <mc:AlternateContent xmlns:mc="http://schemas.openxmlformats.org/markup-compatibility/2006">
-    <mc:Choice xmlns:c14="http://schemas.microsoft.com/office/drawing/2007/8/2/chart" Requires="c14">
-      <c14:style val="102"/>
-    </mc:Choice>
-    <mc:Fallback>
-      <c:style val="2"/>
-    </mc:Fallback>
-  </mc:AlternateContent>
+<c:chartSpace xmlns:c="http://schemas.openxmlformats.org/drawingml/2006/chart" xmlns:a="http://schemas.openxmlformats.org/drawingml/2006/main" xmlns:r="http://schemas.openxmlformats.org/officeDocument/2006/relationships">
+  <c:lang val="ru-RU"/>
   <c:chart>
     <c:autoTitleDeleted val="1"/>
     <c:plotArea>
@@ -1630,7 +1510,6 @@
       <c:barChart>
         <c:barDir val="col"/>
         <c:grouping val="clustered"/>
-        <c:varyColors val="0"/>
         <c:ser>
           <c:idx val="0"/>
           <c:order val="0"/>
@@ -1645,7 +1524,6 @@
               </c:strCache>
             </c:strRef>
           </c:tx>
-          <c:invertIfNegative val="0"/>
           <c:cat>
             <c:numRef>
               <c:f>Лист1!$B$32:$F$32</c:f>
@@ -1694,30 +1572,21 @@
               </c:numCache>
             </c:numRef>
           </c:val>
-          <c:extLst>
+          <c:extLst xmlns:c16r2="http://schemas.microsoft.com/office/drawing/2015/06/chart">
             <c:ext xmlns:c16="http://schemas.microsoft.com/office/drawing/2014/chart" uri="{C3380CC4-5D6E-409C-BE32-E72D297353CC}">
               <c16:uniqueId val="{00000000-8F64-47D1-81F2-B12702AB8FFD}"/>
             </c:ext>
           </c:extLst>
         </c:ser>
-        <c:dLbls>
-          <c:showLegendKey val="0"/>
-          <c:showVal val="0"/>
-          <c:showCatName val="0"/>
-          <c:showSerName val="0"/>
-          <c:showPercent val="0"/>
-          <c:showBubbleSize val="0"/>
-        </c:dLbls>
-        <c:gapWidth val="150"/>
-        <c:axId val="82314368"/>
-        <c:axId val="82316288"/>
+        <c:dLbls/>
+        <c:axId val="75748864"/>
+        <c:axId val="75750784"/>
       </c:barChart>
       <c:catAx>
-        <c:axId val="82314368"/>
+        <c:axId val="75748864"/>
         <c:scaling>
           <c:orientation val="minMax"/>
         </c:scaling>
-        <c:delete val="0"/>
         <c:axPos val="b"/>
         <c:title>
           <c:tx>
@@ -1739,11 +1608,8 @@
             </c:rich>
           </c:tx>
           <c:layout/>
-          <c:overlay val="0"/>
         </c:title>
         <c:numFmt formatCode="General" sourceLinked="1"/>
-        <c:majorTickMark val="out"/>
-        <c:minorTickMark val="none"/>
         <c:tickLblPos val="nextTo"/>
         <c:txPr>
           <a:bodyPr/>
@@ -1755,19 +1621,17 @@
             <a:endParaRPr lang="ru-RU"/>
           </a:p>
         </c:txPr>
-        <c:crossAx val="82316288"/>
+        <c:crossAx val="75750784"/>
         <c:crosses val="autoZero"/>
         <c:auto val="1"/>
         <c:lblAlgn val="ctr"/>
         <c:lblOffset val="100"/>
-        <c:noMultiLvlLbl val="0"/>
       </c:catAx>
       <c:valAx>
-        <c:axId val="82316288"/>
+        <c:axId val="75750784"/>
         <c:scaling>
           <c:orientation val="minMax"/>
         </c:scaling>
-        <c:delete val="0"/>
         <c:axPos val="l"/>
         <c:majorGridlines/>
         <c:title>
@@ -1801,11 +1665,8 @@
             </c:rich>
           </c:tx>
           <c:layout/>
-          <c:overlay val="0"/>
         </c:title>
         <c:numFmt formatCode="General" sourceLinked="1"/>
-        <c:majorTickMark val="out"/>
-        <c:minorTickMark val="none"/>
         <c:tickLblPos val="nextTo"/>
         <c:txPr>
           <a:bodyPr/>
@@ -1817,7 +1678,7 @@
             <a:endParaRPr lang="ru-RU"/>
           </a:p>
         </c:txPr>
-        <c:crossAx val="82314368"/>
+        <c:crossAx val="75748864"/>
         <c:crosses val="autoZero"/>
         <c:crossBetween val="between"/>
       </c:valAx>
@@ -1825,7 +1686,6 @@
     <c:legend>
       <c:legendPos val="r"/>
       <c:layout/>
-      <c:overlay val="0"/>
       <c:txPr>
         <a:bodyPr/>
         <a:lstStyle/>
@@ -1839,11 +1699,8 @@
     </c:legend>
     <c:plotVisOnly val="1"/>
     <c:dispBlanksAs val="gap"/>
-    <c:showDLblsOverMax val="0"/>
   </c:chart>
-  <c:externalData r:id="rId1">
-    <c:autoUpdate val="0"/>
-  </c:externalData>
+  <c:externalData r:id="rId1"/>
 </c:chartSpace>
 </file>
 
@@ -1930,7 +1787,7 @@
             <a:fld id="{CB2E37F7-E0E7-4505-892E-1857864A9A37}" type="datetimeFigureOut">
               <a:rPr lang="ru-RU" smtClean="0"/>
               <a:pPr/>
-              <a:t>22.01.2018</a:t>
+              <a:t>23.01.2018</a:t>
             </a:fld>
             <a:endParaRPr lang="ru-RU"/>
           </a:p>
@@ -2460,7 +2317,7 @@
             <a:fld id="{5B106E36-FD25-4E2D-B0AA-010F637433A0}" type="datetimeFigureOut">
               <a:rPr lang="ru-RU" smtClean="0"/>
               <a:pPr/>
-              <a:t>22.01.2018</a:t>
+              <a:t>23.01.2018</a:t>
             </a:fld>
             <a:endParaRPr lang="ru-RU"/>
           </a:p>
@@ -2627,7 +2484,7 @@
             <a:fld id="{5B106E36-FD25-4E2D-B0AA-010F637433A0}" type="datetimeFigureOut">
               <a:rPr lang="ru-RU" smtClean="0"/>
               <a:pPr/>
-              <a:t>22.01.2018</a:t>
+              <a:t>23.01.2018</a:t>
             </a:fld>
             <a:endParaRPr lang="ru-RU"/>
           </a:p>
@@ -2804,7 +2661,7 @@
             <a:fld id="{5B106E36-FD25-4E2D-B0AA-010F637433A0}" type="datetimeFigureOut">
               <a:rPr lang="ru-RU" smtClean="0"/>
               <a:pPr/>
-              <a:t>22.01.2018</a:t>
+              <a:t>23.01.2018</a:t>
             </a:fld>
             <a:endParaRPr lang="ru-RU"/>
           </a:p>
@@ -2971,7 +2828,7 @@
             <a:fld id="{5B106E36-FD25-4E2D-B0AA-010F637433A0}" type="datetimeFigureOut">
               <a:rPr lang="ru-RU" smtClean="0"/>
               <a:pPr/>
-              <a:t>22.01.2018</a:t>
+              <a:t>23.01.2018</a:t>
             </a:fld>
             <a:endParaRPr lang="ru-RU"/>
           </a:p>
@@ -3214,7 +3071,7 @@
             <a:fld id="{5B106E36-FD25-4E2D-B0AA-010F637433A0}" type="datetimeFigureOut">
               <a:rPr lang="ru-RU" smtClean="0"/>
               <a:pPr/>
-              <a:t>22.01.2018</a:t>
+              <a:t>23.01.2018</a:t>
             </a:fld>
             <a:endParaRPr lang="ru-RU"/>
           </a:p>
@@ -3499,7 +3356,7 @@
             <a:fld id="{5B106E36-FD25-4E2D-B0AA-010F637433A0}" type="datetimeFigureOut">
               <a:rPr lang="ru-RU" smtClean="0"/>
               <a:pPr/>
-              <a:t>22.01.2018</a:t>
+              <a:t>23.01.2018</a:t>
             </a:fld>
             <a:endParaRPr lang="ru-RU"/>
           </a:p>
@@ -3918,7 +3775,7 @@
             <a:fld id="{5B106E36-FD25-4E2D-B0AA-010F637433A0}" type="datetimeFigureOut">
               <a:rPr lang="ru-RU" smtClean="0"/>
               <a:pPr/>
-              <a:t>22.01.2018</a:t>
+              <a:t>23.01.2018</a:t>
             </a:fld>
             <a:endParaRPr lang="ru-RU"/>
           </a:p>
@@ -4033,7 +3890,7 @@
             <a:fld id="{5B106E36-FD25-4E2D-B0AA-010F637433A0}" type="datetimeFigureOut">
               <a:rPr lang="ru-RU" smtClean="0"/>
               <a:pPr/>
-              <a:t>22.01.2018</a:t>
+              <a:t>23.01.2018</a:t>
             </a:fld>
             <a:endParaRPr lang="ru-RU"/>
           </a:p>
@@ -4125,7 +3982,7 @@
             <a:fld id="{5B106E36-FD25-4E2D-B0AA-010F637433A0}" type="datetimeFigureOut">
               <a:rPr lang="ru-RU" smtClean="0"/>
               <a:pPr/>
-              <a:t>22.01.2018</a:t>
+              <a:t>23.01.2018</a:t>
             </a:fld>
             <a:endParaRPr lang="ru-RU"/>
           </a:p>
@@ -4399,7 +4256,7 @@
             <a:fld id="{5B106E36-FD25-4E2D-B0AA-010F637433A0}" type="datetimeFigureOut">
               <a:rPr lang="ru-RU" smtClean="0"/>
               <a:pPr/>
-              <a:t>22.01.2018</a:t>
+              <a:t>23.01.2018</a:t>
             </a:fld>
             <a:endParaRPr lang="ru-RU"/>
           </a:p>
@@ -4649,7 +4506,7 @@
             <a:fld id="{5B106E36-FD25-4E2D-B0AA-010F637433A0}" type="datetimeFigureOut">
               <a:rPr lang="ru-RU" smtClean="0"/>
               <a:pPr/>
-              <a:t>22.01.2018</a:t>
+              <a:t>23.01.2018</a:t>
             </a:fld>
             <a:endParaRPr lang="ru-RU"/>
           </a:p>
@@ -4859,7 +4716,7 @@
             <a:fld id="{5B106E36-FD25-4E2D-B0AA-010F637433A0}" type="datetimeFigureOut">
               <a:rPr lang="ru-RU" smtClean="0"/>
               <a:pPr/>
-              <a:t>22.01.2018</a:t>
+              <a:t>23.01.2018</a:t>
             </a:fld>
             <a:endParaRPr lang="ru-RU"/>
           </a:p>
@@ -5645,7 +5502,7 @@
           <p:nvPr/>
         </p:nvPicPr>
         <p:blipFill>
-          <a:blip r:embed="rId2"/>
+          <a:blip r:embed="rId2" cstate="print"/>
           <a:stretch>
             <a:fillRect/>
           </a:stretch>
@@ -6057,7 +5914,7 @@
           <p:nvPr/>
         </p:nvPicPr>
         <p:blipFill>
-          <a:blip r:embed="rId2"/>
+          <a:blip r:embed="rId2" cstate="print"/>
           <a:stretch>
             <a:fillRect/>
           </a:stretch>
@@ -6075,7 +5932,7 @@
     </p:spTree>
     <p:extLst>
       <p:ext uri="{BB962C8B-B14F-4D97-AF65-F5344CB8AC3E}">
-        <p14:creationId xmlns:p14="http://schemas.microsoft.com/office/powerpoint/2010/main" val="3790835245"/>
+        <p14:creationId xmlns:p14="http://schemas.microsoft.com/office/powerpoint/2010/main" xmlns="" val="3790835245"/>
       </p:ext>
     </p:extLst>
   </p:cSld>
@@ -6143,7 +6000,7 @@
           <p:nvPr/>
         </p:nvPicPr>
         <p:blipFill>
-          <a:blip r:embed="rId2"/>
+          <a:blip r:embed="rId2" cstate="print"/>
           <a:stretch>
             <a:fillRect/>
           </a:stretch>
@@ -6161,7 +6018,7 @@
     </p:spTree>
     <p:extLst>
       <p:ext uri="{BB962C8B-B14F-4D97-AF65-F5344CB8AC3E}">
-        <p14:creationId xmlns:p14="http://schemas.microsoft.com/office/powerpoint/2010/main" val="2842570375"/>
+        <p14:creationId xmlns:p14="http://schemas.microsoft.com/office/powerpoint/2010/main" xmlns="" val="2842570375"/>
       </p:ext>
     </p:extLst>
   </p:cSld>
@@ -6498,7 +6355,7 @@
     </p:spTree>
     <p:extLst>
       <p:ext uri="{BB962C8B-B14F-4D97-AF65-F5344CB8AC3E}">
-        <p14:creationId xmlns:p14="http://schemas.microsoft.com/office/powerpoint/2010/main" val="1766036467"/>
+        <p14:creationId xmlns:p14="http://schemas.microsoft.com/office/powerpoint/2010/main" xmlns="" val="1766036467"/>
       </p:ext>
     </p:extLst>
   </p:cSld>
@@ -6527,7 +6384,7 @@
       </p:grpSpPr>
       <p:sp>
         <p:nvSpPr>
-          <p:cNvPr id="2" name="Title 1"/>
+          <p:cNvPr id="2" name="Заголовок 1"/>
           <p:cNvSpPr>
             <a:spLocks noGrp="1"/>
           </p:cNvSpPr>
@@ -6535,84 +6392,192 @@
             <p:ph type="title"/>
           </p:nvPr>
         </p:nvSpPr>
-        <p:spPr>
-          <a:xfrm>
-            <a:off x="457200" y="274638"/>
-            <a:ext cx="8229600" cy="634082"/>
-          </a:xfrm>
-        </p:spPr>
-        <p:txBody>
-          <a:bodyPr>
-            <a:noAutofit/>
-          </a:bodyPr>
+        <p:spPr/>
+        <p:txBody>
+          <a:bodyPr/>
           <a:lstStyle/>
           <a:p>
             <a:r>
-              <a:rPr lang="ru-RU" sz="2400" dirty="0">
-                <a:solidFill>
-                  <a:prstClr val="black"/>
-                </a:solidFill>
-                <a:latin typeface="+mn-lt"/>
-                <a:cs typeface="Times New Roman" panose="02020603050405020304" pitchFamily="18" charset="0"/>
-              </a:rPr>
-              <a:t>Производительность системы для предикатов </a:t>
-            </a:r>
-            <a:r>
-              <a:rPr lang="ru-RU" sz="2400" dirty="0" smtClean="0">
-                <a:latin typeface="+mn-lt"/>
-                <a:cs typeface="Times New Roman" panose="02020603050405020304" pitchFamily="18" charset="0"/>
-              </a:rPr>
-              <a:t>с </a:t>
-            </a:r>
-            <a:r>
-              <a:rPr lang="ru-RU" sz="2400" dirty="0">
-                <a:latin typeface="+mn-lt"/>
-                <a:cs typeface="Times New Roman" panose="02020603050405020304" pitchFamily="18" charset="0"/>
-              </a:rPr>
-              <a:t>одним </a:t>
-            </a:r>
-            <a:r>
-              <a:rPr lang="ru-RU" sz="2400" dirty="0" smtClean="0">
-                <a:latin typeface="+mn-lt"/>
-                <a:cs typeface="Times New Roman" panose="02020603050405020304" pitchFamily="18" charset="0"/>
-              </a:rPr>
-              <a:t>условием и получением данных только из текущей строки</a:t>
-            </a:r>
-            <a:endParaRPr lang="ru-RU" sz="2400" dirty="0">
-              <a:latin typeface="+mn-lt"/>
-              <a:cs typeface="Times New Roman" panose="02020603050405020304" pitchFamily="18" charset="0"/>
-            </a:endParaRPr>
-          </a:p>
-        </p:txBody>
-      </p:sp>
-      <p:graphicFrame>
-        <p:nvGraphicFramePr>
-          <p:cNvPr id="4" name="Диаграмма 2"/>
-          <p:cNvGraphicFramePr/>
-          <p:nvPr>
-            <p:extLst>
-              <p:ext uri="{D42A27DB-BD31-4B8C-83A1-F6EECF244321}">
-                <p14:modId xmlns:p14="http://schemas.microsoft.com/office/powerpoint/2010/main" val="3343915650"/>
-              </p:ext>
-            </p:extLst>
-          </p:nvPr>
-        </p:nvGraphicFramePr>
-        <p:xfrm>
-          <a:off x="457200" y="1124744"/>
-          <a:ext cx="8147248" cy="5184576"/>
-        </p:xfrm>
-        <a:graphic>
-          <a:graphicData uri="http://schemas.openxmlformats.org/drawingml/2006/chart">
-            <c:chart xmlns:c="http://schemas.openxmlformats.org/drawingml/2006/chart" xmlns:r="http://schemas.openxmlformats.org/officeDocument/2006/relationships" r:id="rId2"/>
-          </a:graphicData>
-        </a:graphic>
-      </p:graphicFrame>
+              <a:rPr lang="ru-RU" dirty="0" smtClean="0"/>
+              <a:t>Примеры предикатов</a:t>
+            </a:r>
+            <a:endParaRPr lang="ru-RU" dirty="0"/>
+          </a:p>
+        </p:txBody>
+      </p:sp>
+      <p:sp>
+        <p:nvSpPr>
+          <p:cNvPr id="3" name="Содержимое 2"/>
+          <p:cNvSpPr>
+            <a:spLocks noGrp="1"/>
+          </p:cNvSpPr>
+          <p:nvPr>
+            <p:ph idx="1"/>
+          </p:nvPr>
+        </p:nvSpPr>
+        <p:spPr/>
+        <p:txBody>
+          <a:bodyPr/>
+          <a:lstStyle/>
+          <a:p>
+            <a:r>
+              <a:rPr lang="en-US" dirty="0" smtClean="0"/>
+              <a:t>“R.[</a:t>
+            </a:r>
+            <a:r>
+              <a:rPr lang="ru-RU" dirty="0" smtClean="0"/>
+              <a:t>Город продаж</a:t>
+            </a:r>
+            <a:r>
+              <a:rPr lang="en-US" dirty="0" smtClean="0"/>
+              <a:t>]</a:t>
+            </a:r>
+            <a:r>
+              <a:rPr lang="ru-RU" dirty="0" smtClean="0"/>
+              <a:t> = С</a:t>
+            </a:r>
+            <a:r>
+              <a:rPr lang="en-US" dirty="0" smtClean="0"/>
+              <a:t>.[</a:t>
+            </a:r>
+            <a:r>
+              <a:rPr lang="ru-RU" dirty="0" smtClean="0"/>
+              <a:t>Город пользователя</a:t>
+            </a:r>
+            <a:r>
+              <a:rPr lang="en-US" dirty="0" smtClean="0"/>
+              <a:t>]”</a:t>
+            </a:r>
+            <a:endParaRPr lang="ru-RU" dirty="0" smtClean="0"/>
+          </a:p>
+          <a:p>
+            <a:r>
+              <a:rPr lang="en-US" dirty="0" smtClean="0"/>
+              <a:t>“R.[</a:t>
+            </a:r>
+            <a:r>
+              <a:rPr lang="ru-RU" dirty="0" smtClean="0"/>
+              <a:t>дата запуска</a:t>
+            </a:r>
+            <a:r>
+              <a:rPr lang="en-US" dirty="0" smtClean="0"/>
+              <a:t>] &gt; </a:t>
+            </a:r>
+            <a:r>
+              <a:rPr lang="ru-RU" dirty="0" smtClean="0"/>
+              <a:t>С</a:t>
+            </a:r>
+            <a:r>
+              <a:rPr lang="en-US" dirty="0" smtClean="0"/>
+              <a:t>.[</a:t>
+            </a:r>
+            <a:r>
+              <a:rPr lang="ru-RU" dirty="0" smtClean="0"/>
+              <a:t>Дата регистрации</a:t>
+            </a:r>
+            <a:r>
+              <a:rPr lang="en-US" dirty="0" smtClean="0"/>
+              <a:t>]”</a:t>
+            </a:r>
+            <a:endParaRPr lang="ru-RU" dirty="0" smtClean="0"/>
+          </a:p>
+          <a:p>
+            <a:r>
+              <a:rPr lang="en-US" dirty="0" smtClean="0"/>
+              <a:t>“R.[</a:t>
+            </a:r>
+            <a:r>
+              <a:rPr lang="ru-RU" dirty="0" smtClean="0"/>
+              <a:t>дата выдачи</a:t>
+            </a:r>
+            <a:r>
+              <a:rPr lang="en-US" dirty="0" smtClean="0"/>
+              <a:t>]</a:t>
+            </a:r>
+            <a:r>
+              <a:rPr lang="ru-RU" dirty="0" smtClean="0"/>
+              <a:t> + </a:t>
+            </a:r>
+            <a:r>
+              <a:rPr lang="en-US" dirty="0" smtClean="0"/>
+              <a:t>“5.0.0.0”</a:t>
+            </a:r>
+            <a:r>
+              <a:rPr lang="ru-RU" dirty="0" smtClean="0"/>
+              <a:t> </a:t>
+            </a:r>
+            <a:r>
+              <a:rPr lang="en-US" dirty="0" smtClean="0"/>
+              <a:t>as </a:t>
+            </a:r>
+            <a:r>
+              <a:rPr lang="en-US" dirty="0" err="1" smtClean="0"/>
+              <a:t>timespan</a:t>
+            </a:r>
+            <a:r>
+              <a:rPr lang="en-US" dirty="0" smtClean="0"/>
+              <a:t> &gt; </a:t>
+            </a:r>
+            <a:r>
+              <a:rPr lang="en-US" dirty="0" err="1" smtClean="0"/>
+              <a:t>CurrentDate</a:t>
+            </a:r>
+            <a:r>
+              <a:rPr lang="en-US" dirty="0" smtClean="0"/>
+              <a:t>”</a:t>
+            </a:r>
+            <a:endParaRPr lang="ru-RU" dirty="0" smtClean="0"/>
+          </a:p>
+          <a:p>
+            <a:r>
+              <a:rPr lang="en-US" dirty="0" smtClean="0"/>
+              <a:t>“</a:t>
+            </a:r>
+            <a:r>
+              <a:rPr lang="ru-RU" dirty="0" smtClean="0"/>
+              <a:t>(</a:t>
+            </a:r>
+            <a:r>
+              <a:rPr lang="en-US" dirty="0" smtClean="0"/>
+              <a:t>C.[</a:t>
+            </a:r>
+            <a:r>
+              <a:rPr lang="ru-RU" dirty="0" smtClean="0"/>
+              <a:t>Значение</a:t>
+            </a:r>
+            <a:r>
+              <a:rPr lang="en-US" dirty="0" smtClean="0"/>
+              <a:t>] </a:t>
+            </a:r>
+            <a:r>
+              <a:rPr lang="ru-RU" dirty="0" smtClean="0"/>
+              <a:t>+ 5) / 2 – 12.32 </a:t>
+            </a:r>
+            <a:r>
+              <a:rPr lang="en-US" dirty="0" smtClean="0"/>
+              <a:t>&gt; 0 and C.[</a:t>
+            </a:r>
+            <a:r>
+              <a:rPr lang="ru-RU" dirty="0" smtClean="0"/>
+              <a:t>включено</a:t>
+            </a:r>
+            <a:r>
+              <a:rPr lang="en-US" dirty="0" smtClean="0"/>
+              <a:t>]</a:t>
+            </a:r>
+            <a:r>
+              <a:rPr lang="ru-RU" dirty="0" smtClean="0"/>
+              <a:t> = </a:t>
+            </a:r>
+            <a:r>
+              <a:rPr lang="en-US" smtClean="0"/>
+              <a:t>true”</a:t>
+            </a:r>
+            <a:endParaRPr lang="ru-RU" dirty="0"/>
+          </a:p>
+        </p:txBody>
+      </p:sp>
     </p:spTree>
-    <p:extLst>
-      <p:ext uri="{BB962C8B-B14F-4D97-AF65-F5344CB8AC3E}">
-        <p14:creationId xmlns:p14="http://schemas.microsoft.com/office/powerpoint/2010/main" val="521688544"/>
-      </p:ext>
-    </p:extLst>
   </p:cSld>
   <p:clrMapOvr>
     <a:masterClrMapping/>
@@ -6748,21 +6713,7 @@
                 <a:ea typeface="Calibri" panose="020F0502020204030204" pitchFamily="34" charset="0"/>
                 <a:cs typeface="Times New Roman" panose="02020603050405020304" pitchFamily="18" charset="0"/>
               </a:rPr>
-              <a:t>на доступ к </a:t>
-            </a:r>
-            <a:r>
-              <a:rPr lang="ru-RU" dirty="0" smtClean="0">
-                <a:ea typeface="Calibri" panose="020F0502020204030204" pitchFamily="34" charset="0"/>
-                <a:cs typeface="Times New Roman" panose="02020603050405020304" pitchFamily="18" charset="0"/>
-              </a:rPr>
-              <a:t>записям</a:t>
-            </a:r>
-            <a:r>
-              <a:rPr lang="ru-RU" dirty="0" smtClean="0">
-                <a:ea typeface="Calibri" panose="020F0502020204030204" pitchFamily="34" charset="0"/>
-                <a:cs typeface="Times New Roman" panose="02020603050405020304" pitchFamily="18" charset="0"/>
-              </a:rPr>
-              <a:t> базы данных </a:t>
+              <a:t>на доступ к записям базы данных </a:t>
             </a:r>
             <a:r>
               <a:rPr lang="ru-RU" dirty="0">
@@ -6809,7 +6760,7 @@
     </p:spTree>
     <p:extLst>
       <p:ext uri="{BB962C8B-B14F-4D97-AF65-F5344CB8AC3E}">
-        <p14:creationId xmlns:p14="http://schemas.microsoft.com/office/powerpoint/2010/main" val="1801964185"/>
+        <p14:creationId xmlns:p14="http://schemas.microsoft.com/office/powerpoint/2010/main" xmlns="" val="1801964185"/>
       </p:ext>
     </p:extLst>
   </p:cSld>
@@ -6855,8 +6806,8 @@
         </p:nvSpPr>
         <p:spPr>
           <a:xfrm>
-            <a:off x="457200" y="188640"/>
-            <a:ext cx="8229600" cy="864096"/>
+            <a:off x="457200" y="274638"/>
+            <a:ext cx="8229600" cy="634082"/>
           </a:xfrm>
         </p:spPr>
         <p:txBody>
@@ -6877,9 +6828,6 @@
             </a:r>
             <a:r>
               <a:rPr lang="ru-RU" sz="2400" dirty="0" smtClean="0">
-                <a:solidFill>
-                  <a:prstClr val="black"/>
-                </a:solidFill>
                 <a:latin typeface="+mn-lt"/>
                 <a:cs typeface="Times New Roman" panose="02020603050405020304" pitchFamily="18" charset="0"/>
               </a:rPr>
@@ -6887,23 +6835,17 @@
             </a:r>
             <a:r>
               <a:rPr lang="ru-RU" sz="2400" dirty="0">
-                <a:solidFill>
-                  <a:prstClr val="black"/>
-                </a:solidFill>
                 <a:latin typeface="+mn-lt"/>
                 <a:cs typeface="Times New Roman" panose="02020603050405020304" pitchFamily="18" charset="0"/>
               </a:rPr>
-              <a:t>одним условием и получением данных </a:t>
+              <a:t>одним </a:t>
             </a:r>
             <a:r>
               <a:rPr lang="ru-RU" sz="2400" dirty="0" smtClean="0">
-                <a:solidFill>
-                  <a:prstClr val="black"/>
-                </a:solidFill>
                 <a:latin typeface="+mn-lt"/>
                 <a:cs typeface="Times New Roman" panose="02020603050405020304" pitchFamily="18" charset="0"/>
               </a:rPr>
-              <a:t>из текущей строки и строки с данными пользователя</a:t>
+              <a:t>условием и получением данных только из текущей строки</a:t>
             </a:r>
             <a:endParaRPr lang="ru-RU" sz="2400" dirty="0">
               <a:latin typeface="+mn-lt"/>
@@ -6914,19 +6856,19 @@
       </p:sp>
       <p:graphicFrame>
         <p:nvGraphicFramePr>
-          <p:cNvPr id="5" name="Диаграмма 1"/>
+          <p:cNvPr id="4" name="Диаграмма 2"/>
           <p:cNvGraphicFramePr/>
           <p:nvPr>
             <p:extLst>
               <p:ext uri="{D42A27DB-BD31-4B8C-83A1-F6EECF244321}">
-                <p14:modId xmlns:p14="http://schemas.microsoft.com/office/powerpoint/2010/main" val="985431669"/>
+                <p14:modId xmlns:p14="http://schemas.microsoft.com/office/powerpoint/2010/main" xmlns="" val="3343915650"/>
               </p:ext>
             </p:extLst>
           </p:nvPr>
         </p:nvGraphicFramePr>
         <p:xfrm>
-          <a:off x="457200" y="1340768"/>
-          <a:ext cx="8229600" cy="4824536"/>
+          <a:off x="457200" y="1124744"/>
+          <a:ext cx="8147248" cy="5184576"/>
         </p:xfrm>
         <a:graphic>
           <a:graphicData uri="http://schemas.openxmlformats.org/drawingml/2006/chart">
@@ -6937,7 +6879,7 @@
     </p:spTree>
     <p:extLst>
       <p:ext uri="{BB962C8B-B14F-4D97-AF65-F5344CB8AC3E}">
-        <p14:creationId xmlns:p14="http://schemas.microsoft.com/office/powerpoint/2010/main" val="465675328"/>
+        <p14:creationId xmlns:p14="http://schemas.microsoft.com/office/powerpoint/2010/main" xmlns="" val="521688544"/>
       </p:ext>
     </p:extLst>
   </p:cSld>
@@ -6974,10 +6916,15 @@
             <p:ph type="title"/>
           </p:nvPr>
         </p:nvSpPr>
-        <p:spPr/>
+        <p:spPr>
+          <a:xfrm>
+            <a:off x="457200" y="188640"/>
+            <a:ext cx="8229600" cy="864096"/>
+          </a:xfrm>
+        </p:spPr>
         <p:txBody>
           <a:bodyPr>
-            <a:normAutofit fontScale="90000"/>
+            <a:noAutofit/>
           </a:bodyPr>
           <a:lstStyle/>
           <a:p>
@@ -6986,53 +6933,43 @@
                 <a:solidFill>
                   <a:prstClr val="black"/>
                 </a:solidFill>
-                <a:latin typeface="Times New Roman" panose="02020603050405020304" pitchFamily="18" charset="0"/>
-                <a:cs typeface="Times New Roman" panose="02020603050405020304" pitchFamily="18" charset="0"/>
-              </a:rPr>
-              <a:t>Производительность системы для предикатов</a:t>
+                <a:latin typeface="+mn-lt"/>
+                <a:cs typeface="Times New Roman" panose="02020603050405020304" pitchFamily="18" charset="0"/>
+              </a:rPr>
+              <a:t>Производительность системы для предикатов </a:t>
             </a:r>
             <a:r>
               <a:rPr lang="ru-RU" sz="2400" dirty="0" smtClean="0">
                 <a:solidFill>
                   <a:prstClr val="black"/>
                 </a:solidFill>
-                <a:latin typeface="Times New Roman" panose="02020603050405020304" pitchFamily="18" charset="0"/>
-                <a:cs typeface="Times New Roman" panose="02020603050405020304" pitchFamily="18" charset="0"/>
-              </a:rPr>
-              <a:t> </a:t>
+                <a:latin typeface="+mn-lt"/>
+                <a:cs typeface="Times New Roman" panose="02020603050405020304" pitchFamily="18" charset="0"/>
+              </a:rPr>
+              <a:t>с </a:t>
             </a:r>
             <a:r>
               <a:rPr lang="ru-RU" sz="2400" dirty="0">
                 <a:solidFill>
                   <a:prstClr val="black"/>
                 </a:solidFill>
-                <a:latin typeface="Times New Roman" panose="02020603050405020304" pitchFamily="18" charset="0"/>
-                <a:cs typeface="Times New Roman" panose="02020603050405020304" pitchFamily="18" charset="0"/>
-              </a:rPr>
-              <a:t>с </a:t>
+                <a:latin typeface="+mn-lt"/>
+                <a:cs typeface="Times New Roman" panose="02020603050405020304" pitchFamily="18" charset="0"/>
+              </a:rPr>
+              <a:t>одним условием и получением данных </a:t>
             </a:r>
             <a:r>
               <a:rPr lang="ru-RU" sz="2400" dirty="0" smtClean="0">
                 <a:solidFill>
                   <a:prstClr val="black"/>
                 </a:solidFill>
-                <a:latin typeface="Times New Roman" panose="02020603050405020304" pitchFamily="18" charset="0"/>
-                <a:cs typeface="Times New Roman" panose="02020603050405020304" pitchFamily="18" charset="0"/>
-              </a:rPr>
-              <a:t>несколькими условиями </a:t>
-            </a:r>
-            <a:r>
-              <a:rPr lang="ru-RU" sz="2400" dirty="0">
-                <a:solidFill>
-                  <a:prstClr val="black"/>
-                </a:solidFill>
-                <a:latin typeface="Times New Roman" panose="02020603050405020304" pitchFamily="18" charset="0"/>
-                <a:cs typeface="Times New Roman" panose="02020603050405020304" pitchFamily="18" charset="0"/>
-              </a:rPr>
-              <a:t>и получением данных из текущей строки и строки с данными пользователя</a:t>
-            </a:r>
-            <a:endParaRPr lang="ru-RU" dirty="0">
-              <a:latin typeface="Times New Roman" panose="02020603050405020304" pitchFamily="18" charset="0"/>
+                <a:latin typeface="+mn-lt"/>
+                <a:cs typeface="Times New Roman" panose="02020603050405020304" pitchFamily="18" charset="0"/>
+              </a:rPr>
+              <a:t>из текущей строки и строки с данными пользователя</a:t>
+            </a:r>
+            <a:endParaRPr lang="ru-RU" sz="2400" dirty="0">
+              <a:latin typeface="+mn-lt"/>
               <a:cs typeface="Times New Roman" panose="02020603050405020304" pitchFamily="18" charset="0"/>
             </a:endParaRPr>
           </a:p>
@@ -7040,21 +6977,19 @@
       </p:sp>
       <p:graphicFrame>
         <p:nvGraphicFramePr>
-          <p:cNvPr id="5" name="Диаграмма 8"/>
-          <p:cNvGraphicFramePr>
-            <a:graphicFrameLocks/>
-          </p:cNvGraphicFramePr>
+          <p:cNvPr id="5" name="Диаграмма 1"/>
+          <p:cNvGraphicFramePr/>
           <p:nvPr>
             <p:extLst>
               <p:ext uri="{D42A27DB-BD31-4B8C-83A1-F6EECF244321}">
-                <p14:modId xmlns:p14="http://schemas.microsoft.com/office/powerpoint/2010/main" val="2873387101"/>
+                <p14:modId xmlns:p14="http://schemas.microsoft.com/office/powerpoint/2010/main" xmlns="" val="985431669"/>
               </p:ext>
             </p:extLst>
           </p:nvPr>
         </p:nvGraphicFramePr>
         <p:xfrm>
-          <a:off x="457200" y="1772816"/>
-          <a:ext cx="8229600" cy="4608512"/>
+          <a:off x="457200" y="1340768"/>
+          <a:ext cx="8229600" cy="4824536"/>
         </p:xfrm>
         <a:graphic>
           <a:graphicData uri="http://schemas.openxmlformats.org/drawingml/2006/chart">
@@ -7065,7 +7000,7 @@
     </p:spTree>
     <p:extLst>
       <p:ext uri="{BB962C8B-B14F-4D97-AF65-F5344CB8AC3E}">
-        <p14:creationId xmlns:p14="http://schemas.microsoft.com/office/powerpoint/2010/main" val="2092790645"/>
+        <p14:creationId xmlns:p14="http://schemas.microsoft.com/office/powerpoint/2010/main" xmlns="" val="465675328"/>
       </p:ext>
     </p:extLst>
   </p:cSld>
@@ -7110,77 +7045,57 @@
           <a:lstStyle/>
           <a:p>
             <a:r>
-              <a:rPr lang="ru-RU" sz="2200" dirty="0" smtClean="0">
+              <a:rPr lang="ru-RU" sz="2400" dirty="0">
                 <a:solidFill>
                   <a:prstClr val="black"/>
                 </a:solidFill>
-                <a:latin typeface="+mn-lt"/>
-                <a:cs typeface="Times New Roman" panose="02020603050405020304" pitchFamily="18" charset="0"/>
-              </a:rPr>
-              <a:t>Производительность оптимизированной системы для предикатов с </a:t>
-            </a:r>
-            <a:r>
-              <a:rPr lang="ru-RU" sz="2200" dirty="0">
+                <a:latin typeface="Times New Roman" panose="02020603050405020304" pitchFamily="18" charset="0"/>
+                <a:cs typeface="Times New Roman" panose="02020603050405020304" pitchFamily="18" charset="0"/>
+              </a:rPr>
+              <a:t>Производительность системы для предикатов</a:t>
+            </a:r>
+            <a:r>
+              <a:rPr lang="ru-RU" sz="2400" dirty="0" smtClean="0">
                 <a:solidFill>
                   <a:prstClr val="black"/>
                 </a:solidFill>
-                <a:latin typeface="+mn-lt"/>
-                <a:cs typeface="Times New Roman" panose="02020603050405020304" pitchFamily="18" charset="0"/>
-              </a:rPr>
-              <a:t>несколькими условиями </a:t>
-            </a:r>
-            <a:r>
-              <a:rPr lang="ru-RU" sz="2200" dirty="0" smtClean="0">
+                <a:latin typeface="Times New Roman" panose="02020603050405020304" pitchFamily="18" charset="0"/>
+                <a:cs typeface="Times New Roman" panose="02020603050405020304" pitchFamily="18" charset="0"/>
+              </a:rPr>
+              <a:t> </a:t>
+            </a:r>
+            <a:r>
+              <a:rPr lang="ru-RU" sz="2400" dirty="0">
                 <a:solidFill>
                   <a:prstClr val="black"/>
                 </a:solidFill>
-                <a:latin typeface="+mn-lt"/>
-                <a:cs typeface="Times New Roman" panose="02020603050405020304" pitchFamily="18" charset="0"/>
-              </a:rPr>
-              <a:t>и</a:t>
-            </a:r>
-            <a:r>
-              <a:rPr lang="en-US" sz="2200" dirty="0" smtClean="0">
+                <a:latin typeface="Times New Roman" panose="02020603050405020304" pitchFamily="18" charset="0"/>
+                <a:cs typeface="Times New Roman" panose="02020603050405020304" pitchFamily="18" charset="0"/>
+              </a:rPr>
+              <a:t>с </a:t>
+            </a:r>
+            <a:r>
+              <a:rPr lang="ru-RU" sz="2400" dirty="0" smtClean="0">
                 <a:solidFill>
                   <a:prstClr val="black"/>
                 </a:solidFill>
-                <a:latin typeface="+mn-lt"/>
-                <a:cs typeface="Times New Roman" panose="02020603050405020304" pitchFamily="18" charset="0"/>
-              </a:rPr>
-              <a:t> </a:t>
-            </a:r>
-            <a:r>
-              <a:rPr lang="ru-RU" sz="2200" dirty="0" smtClean="0">
+                <a:latin typeface="Times New Roman" panose="02020603050405020304" pitchFamily="18" charset="0"/>
+                <a:cs typeface="Times New Roman" panose="02020603050405020304" pitchFamily="18" charset="0"/>
+              </a:rPr>
+              <a:t>несколькими условиями </a:t>
+            </a:r>
+            <a:r>
+              <a:rPr lang="ru-RU" sz="2400" dirty="0">
                 <a:solidFill>
                   <a:prstClr val="black"/>
                 </a:solidFill>
-                <a:latin typeface="+mn-lt"/>
-                <a:cs typeface="Times New Roman" panose="02020603050405020304" pitchFamily="18" charset="0"/>
-              </a:rPr>
-              <a:t>получением </a:t>
-            </a:r>
-            <a:r>
-              <a:rPr lang="ru-RU" sz="2200" dirty="0">
-                <a:solidFill>
-                  <a:prstClr val="black"/>
-                </a:solidFill>
-                <a:latin typeface="+mn-lt"/>
-                <a:cs typeface="Times New Roman" panose="02020603050405020304" pitchFamily="18" charset="0"/>
-              </a:rPr>
-              <a:t>данных из текущей строки и строки с данными </a:t>
-            </a:r>
-            <a:r>
-              <a:rPr lang="ru-RU" sz="2200" dirty="0" smtClean="0">
-                <a:solidFill>
-                  <a:prstClr val="black"/>
-                </a:solidFill>
-                <a:latin typeface="+mn-lt"/>
-                <a:cs typeface="Times New Roman" panose="02020603050405020304" pitchFamily="18" charset="0"/>
-              </a:rPr>
-              <a:t>пользователя на выборке из миллиона записей</a:t>
+                <a:latin typeface="Times New Roman" panose="02020603050405020304" pitchFamily="18" charset="0"/>
+                <a:cs typeface="Times New Roman" panose="02020603050405020304" pitchFamily="18" charset="0"/>
+              </a:rPr>
+              <a:t>и получением данных из текущей строки и строки с данными пользователя</a:t>
             </a:r>
             <a:endParaRPr lang="ru-RU" dirty="0">
-              <a:latin typeface="+mn-lt"/>
+              <a:latin typeface="Times New Roman" panose="02020603050405020304" pitchFamily="18" charset="0"/>
               <a:cs typeface="Times New Roman" panose="02020603050405020304" pitchFamily="18" charset="0"/>
             </a:endParaRPr>
           </a:p>
@@ -7188,19 +7103,21 @@
       </p:sp>
       <p:graphicFrame>
         <p:nvGraphicFramePr>
-          <p:cNvPr id="5" name="Диаграмма 3"/>
-          <p:cNvGraphicFramePr/>
+          <p:cNvPr id="5" name="Диаграмма 8"/>
+          <p:cNvGraphicFramePr>
+            <a:graphicFrameLocks/>
+          </p:cNvGraphicFramePr>
           <p:nvPr>
             <p:extLst>
               <p:ext uri="{D42A27DB-BD31-4B8C-83A1-F6EECF244321}">
-                <p14:modId xmlns:p14="http://schemas.microsoft.com/office/powerpoint/2010/main" val="3936272337"/>
+                <p14:modId xmlns:p14="http://schemas.microsoft.com/office/powerpoint/2010/main" xmlns="" val="2873387101"/>
               </p:ext>
             </p:extLst>
           </p:nvPr>
         </p:nvGraphicFramePr>
         <p:xfrm>
-          <a:off x="485918" y="1628800"/>
-          <a:ext cx="8200882" cy="4752528"/>
+          <a:off x="457200" y="1772816"/>
+          <a:ext cx="8229600" cy="4608512"/>
         </p:xfrm>
         <a:graphic>
           <a:graphicData uri="http://schemas.openxmlformats.org/drawingml/2006/chart">
@@ -7211,7 +7128,7 @@
     </p:spTree>
     <p:extLst>
       <p:ext uri="{BB962C8B-B14F-4D97-AF65-F5344CB8AC3E}">
-        <p14:creationId xmlns:p14="http://schemas.microsoft.com/office/powerpoint/2010/main" val="2986925712"/>
+        <p14:creationId xmlns:p14="http://schemas.microsoft.com/office/powerpoint/2010/main" xmlns="" val="2092790645"/>
       </p:ext>
     </p:extLst>
   </p:cSld>
@@ -7248,96 +7165,116 @@
             <p:ph type="title"/>
           </p:nvPr>
         </p:nvSpPr>
-        <p:spPr>
-          <a:xfrm>
-            <a:off x="457200" y="274638"/>
-            <a:ext cx="8229600" cy="850106"/>
-          </a:xfrm>
-        </p:spPr>
+        <p:spPr/>
         <p:txBody>
           <a:bodyPr>
-            <a:noAutofit/>
+            <a:normAutofit fontScale="90000"/>
           </a:bodyPr>
           <a:lstStyle/>
           <a:p>
             <a:r>
-              <a:rPr lang="ru-RU" sz="3200" dirty="0" smtClean="0">
+              <a:rPr lang="ru-RU" sz="2200" dirty="0" smtClean="0">
+                <a:solidFill>
+                  <a:prstClr val="black"/>
+                </a:solidFill>
                 <a:latin typeface="+mn-lt"/>
                 <a:cs typeface="Times New Roman" panose="02020603050405020304" pitchFamily="18" charset="0"/>
               </a:rPr>
-              <a:t>Альтернативные варианты вычисления предикатов</a:t>
-            </a:r>
-            <a:endParaRPr lang="ru-RU" sz="3200" dirty="0">
+              <a:t>Производительность оптимизированной системы для предикатов с </a:t>
+            </a:r>
+            <a:r>
+              <a:rPr lang="ru-RU" sz="2200" dirty="0">
+                <a:solidFill>
+                  <a:prstClr val="black"/>
+                </a:solidFill>
+                <a:latin typeface="+mn-lt"/>
+                <a:cs typeface="Times New Roman" panose="02020603050405020304" pitchFamily="18" charset="0"/>
+              </a:rPr>
+              <a:t>несколькими условиями </a:t>
+            </a:r>
+            <a:r>
+              <a:rPr lang="ru-RU" sz="2200" dirty="0" smtClean="0">
+                <a:solidFill>
+                  <a:prstClr val="black"/>
+                </a:solidFill>
+                <a:latin typeface="+mn-lt"/>
+                <a:cs typeface="Times New Roman" panose="02020603050405020304" pitchFamily="18" charset="0"/>
+              </a:rPr>
+              <a:t>и</a:t>
+            </a:r>
+            <a:r>
+              <a:rPr lang="en-US" sz="2200" dirty="0" smtClean="0">
+                <a:solidFill>
+                  <a:prstClr val="black"/>
+                </a:solidFill>
+                <a:latin typeface="+mn-lt"/>
+                <a:cs typeface="Times New Roman" panose="02020603050405020304" pitchFamily="18" charset="0"/>
+              </a:rPr>
+              <a:t> </a:t>
+            </a:r>
+            <a:r>
+              <a:rPr lang="ru-RU" sz="2200" dirty="0" smtClean="0">
+                <a:solidFill>
+                  <a:prstClr val="black"/>
+                </a:solidFill>
+                <a:latin typeface="+mn-lt"/>
+                <a:cs typeface="Times New Roman" panose="02020603050405020304" pitchFamily="18" charset="0"/>
+              </a:rPr>
+              <a:t>получением </a:t>
+            </a:r>
+            <a:r>
+              <a:rPr lang="ru-RU" sz="2200" dirty="0">
+                <a:solidFill>
+                  <a:prstClr val="black"/>
+                </a:solidFill>
+                <a:latin typeface="+mn-lt"/>
+                <a:cs typeface="Times New Roman" panose="02020603050405020304" pitchFamily="18" charset="0"/>
+              </a:rPr>
+              <a:t>данных из текущей строки и строки с данными </a:t>
+            </a:r>
+            <a:r>
+              <a:rPr lang="ru-RU" sz="2200" dirty="0" smtClean="0">
+                <a:solidFill>
+                  <a:prstClr val="black"/>
+                </a:solidFill>
+                <a:latin typeface="+mn-lt"/>
+                <a:cs typeface="Times New Roman" panose="02020603050405020304" pitchFamily="18" charset="0"/>
+              </a:rPr>
+              <a:t>пользователя на выборке из миллиона записей</a:t>
+            </a:r>
+            <a:endParaRPr lang="ru-RU" dirty="0">
               <a:latin typeface="+mn-lt"/>
               <a:cs typeface="Times New Roman" panose="02020603050405020304" pitchFamily="18" charset="0"/>
             </a:endParaRPr>
           </a:p>
         </p:txBody>
       </p:sp>
-      <p:sp>
-        <p:nvSpPr>
-          <p:cNvPr id="3" name="Content Placeholder 2"/>
-          <p:cNvSpPr>
-            <a:spLocks noGrp="1"/>
-          </p:cNvSpPr>
-          <p:nvPr>
-            <p:ph idx="1"/>
-          </p:nvPr>
-        </p:nvSpPr>
-        <p:spPr/>
-        <p:txBody>
-          <a:bodyPr>
-            <a:normAutofit fontScale="92500" lnSpcReduction="10000"/>
-          </a:bodyPr>
-          <a:lstStyle/>
-          <a:p>
-            <a:r>
-              <a:rPr lang="ru-RU" dirty="0" smtClean="0">
-                <a:cs typeface="Times New Roman" panose="02020603050405020304" pitchFamily="18" charset="0"/>
-              </a:rPr>
-              <a:t>Подождать функциональности, позволяющей создавать общие переменные, созданные перед обращением к строкам таблицы и доступные в контексте выполнения предиката</a:t>
-            </a:r>
-          </a:p>
-          <a:p>
-            <a:r>
-              <a:rPr lang="ru-RU" dirty="0" smtClean="0">
-                <a:cs typeface="Times New Roman" panose="02020603050405020304" pitchFamily="18" charset="0"/>
-              </a:rPr>
-              <a:t>Вынести исполнение предиката на уровень приложения и конвертировать дерево выражений в </a:t>
-            </a:r>
-            <a:r>
-              <a:rPr lang="en-US" dirty="0" smtClean="0">
-                <a:cs typeface="Times New Roman" panose="02020603050405020304" pitchFamily="18" charset="0"/>
-              </a:rPr>
-              <a:t>SQL </a:t>
-            </a:r>
-            <a:r>
-              <a:rPr lang="ru-RU" dirty="0" smtClean="0">
-                <a:cs typeface="Times New Roman" panose="02020603050405020304" pitchFamily="18" charset="0"/>
-              </a:rPr>
-              <a:t>код</a:t>
-            </a:r>
-            <a:endParaRPr lang="en-US" dirty="0" smtClean="0">
-              <a:cs typeface="Times New Roman" panose="02020603050405020304" pitchFamily="18" charset="0"/>
-            </a:endParaRPr>
-          </a:p>
-          <a:p>
-            <a:r>
-              <a:rPr lang="ru-RU" dirty="0" smtClean="0">
-                <a:cs typeface="Times New Roman" panose="02020603050405020304" pitchFamily="18" charset="0"/>
-              </a:rPr>
-              <a:t>Каждый раз при изменении политики безопасности перекомпилировать процедуру, вычисляющую доступ к строчкам БД</a:t>
-            </a:r>
-            <a:endParaRPr lang="ru-RU" dirty="0">
-              <a:cs typeface="Times New Roman" panose="02020603050405020304" pitchFamily="18" charset="0"/>
-            </a:endParaRPr>
-          </a:p>
-        </p:txBody>
-      </p:sp>
+      <p:graphicFrame>
+        <p:nvGraphicFramePr>
+          <p:cNvPr id="5" name="Диаграмма 3"/>
+          <p:cNvGraphicFramePr/>
+          <p:nvPr>
+            <p:extLst>
+              <p:ext uri="{D42A27DB-BD31-4B8C-83A1-F6EECF244321}">
+                <p14:modId xmlns:p14="http://schemas.microsoft.com/office/powerpoint/2010/main" xmlns="" val="3936272337"/>
+              </p:ext>
+            </p:extLst>
+          </p:nvPr>
+        </p:nvGraphicFramePr>
+        <p:xfrm>
+          <a:off x="485918" y="1628800"/>
+          <a:ext cx="8200882" cy="4752528"/>
+        </p:xfrm>
+        <a:graphic>
+          <a:graphicData uri="http://schemas.openxmlformats.org/drawingml/2006/chart">
+            <c:chart xmlns:c="http://schemas.openxmlformats.org/drawingml/2006/chart" xmlns:r="http://schemas.openxmlformats.org/officeDocument/2006/relationships" r:id="rId2"/>
+          </a:graphicData>
+        </a:graphic>
+      </p:graphicFrame>
     </p:spTree>
     <p:extLst>
       <p:ext uri="{BB962C8B-B14F-4D97-AF65-F5344CB8AC3E}">
-        <p14:creationId xmlns:p14="http://schemas.microsoft.com/office/powerpoint/2010/main" val="1725165225"/>
+        <p14:creationId xmlns:p14="http://schemas.microsoft.com/office/powerpoint/2010/main" xmlns="" val="2986925712"/>
       </p:ext>
     </p:extLst>
   </p:cSld>
@@ -7366,6 +7303,132 @@
       </p:grpSpPr>
       <p:sp>
         <p:nvSpPr>
+          <p:cNvPr id="2" name="Title 1"/>
+          <p:cNvSpPr>
+            <a:spLocks noGrp="1"/>
+          </p:cNvSpPr>
+          <p:nvPr>
+            <p:ph type="title"/>
+          </p:nvPr>
+        </p:nvSpPr>
+        <p:spPr>
+          <a:xfrm>
+            <a:off x="457200" y="274638"/>
+            <a:ext cx="8229600" cy="850106"/>
+          </a:xfrm>
+        </p:spPr>
+        <p:txBody>
+          <a:bodyPr>
+            <a:noAutofit/>
+          </a:bodyPr>
+          <a:lstStyle/>
+          <a:p>
+            <a:r>
+              <a:rPr lang="ru-RU" sz="3200" dirty="0" smtClean="0">
+                <a:latin typeface="+mn-lt"/>
+                <a:cs typeface="Times New Roman" panose="02020603050405020304" pitchFamily="18" charset="0"/>
+              </a:rPr>
+              <a:t>Альтернативные варианты вычисления предикатов</a:t>
+            </a:r>
+            <a:endParaRPr lang="ru-RU" sz="3200" dirty="0">
+              <a:latin typeface="+mn-lt"/>
+              <a:cs typeface="Times New Roman" panose="02020603050405020304" pitchFamily="18" charset="0"/>
+            </a:endParaRPr>
+          </a:p>
+        </p:txBody>
+      </p:sp>
+      <p:sp>
+        <p:nvSpPr>
+          <p:cNvPr id="3" name="Content Placeholder 2"/>
+          <p:cNvSpPr>
+            <a:spLocks noGrp="1"/>
+          </p:cNvSpPr>
+          <p:nvPr>
+            <p:ph idx="1"/>
+          </p:nvPr>
+        </p:nvSpPr>
+        <p:spPr/>
+        <p:txBody>
+          <a:bodyPr>
+            <a:normAutofit fontScale="92500" lnSpcReduction="10000"/>
+          </a:bodyPr>
+          <a:lstStyle/>
+          <a:p>
+            <a:r>
+              <a:rPr lang="ru-RU" dirty="0" smtClean="0">
+                <a:cs typeface="Times New Roman" panose="02020603050405020304" pitchFamily="18" charset="0"/>
+              </a:rPr>
+              <a:t>Подождать функциональности, позволяющей создавать общие переменные, созданные перед обращением к строкам таблицы и доступные в контексте выполнения предиката</a:t>
+            </a:r>
+          </a:p>
+          <a:p>
+            <a:r>
+              <a:rPr lang="ru-RU" dirty="0" smtClean="0">
+                <a:cs typeface="Times New Roman" panose="02020603050405020304" pitchFamily="18" charset="0"/>
+              </a:rPr>
+              <a:t>Вынести исполнение предиката на уровень приложения и конвертировать дерево выражений в </a:t>
+            </a:r>
+            <a:r>
+              <a:rPr lang="en-US" dirty="0" smtClean="0">
+                <a:cs typeface="Times New Roman" panose="02020603050405020304" pitchFamily="18" charset="0"/>
+              </a:rPr>
+              <a:t>SQL </a:t>
+            </a:r>
+            <a:r>
+              <a:rPr lang="ru-RU" dirty="0" smtClean="0">
+                <a:cs typeface="Times New Roman" panose="02020603050405020304" pitchFamily="18" charset="0"/>
+              </a:rPr>
+              <a:t>код</a:t>
+            </a:r>
+            <a:endParaRPr lang="en-US" dirty="0" smtClean="0">
+              <a:cs typeface="Times New Roman" panose="02020603050405020304" pitchFamily="18" charset="0"/>
+            </a:endParaRPr>
+          </a:p>
+          <a:p>
+            <a:r>
+              <a:rPr lang="ru-RU" dirty="0" smtClean="0">
+                <a:cs typeface="Times New Roman" panose="02020603050405020304" pitchFamily="18" charset="0"/>
+              </a:rPr>
+              <a:t>Каждый раз при изменении политики безопасности перекомпилировать процедуру, вычисляющую доступ к строчкам БД</a:t>
+            </a:r>
+            <a:endParaRPr lang="ru-RU" dirty="0">
+              <a:cs typeface="Times New Roman" panose="02020603050405020304" pitchFamily="18" charset="0"/>
+            </a:endParaRPr>
+          </a:p>
+        </p:txBody>
+      </p:sp>
+    </p:spTree>
+    <p:extLst>
+      <p:ext uri="{BB962C8B-B14F-4D97-AF65-F5344CB8AC3E}">
+        <p14:creationId xmlns:p14="http://schemas.microsoft.com/office/powerpoint/2010/main" xmlns="" val="1725165225"/>
+      </p:ext>
+    </p:extLst>
+  </p:cSld>
+  <p:clrMapOvr>
+    <a:masterClrMapping/>
+  </p:clrMapOvr>
+</p:sld>
+</file>
+
+<file path=ppt/slides/slide25.xml><?xml version="1.0" encoding="utf-8"?>
+<p:sld xmlns:a="http://schemas.openxmlformats.org/drawingml/2006/main" xmlns:r="http://schemas.openxmlformats.org/officeDocument/2006/relationships" xmlns:p="http://schemas.openxmlformats.org/presentationml/2006/main">
+  <p:cSld>
+    <p:spTree>
+      <p:nvGrpSpPr>
+        <p:cNvPr id="1" name=""/>
+        <p:cNvGrpSpPr/>
+        <p:nvPr/>
+      </p:nvGrpSpPr>
+      <p:grpSpPr>
+        <a:xfrm>
+          <a:off x="0" y="0"/>
+          <a:ext cx="0" cy="0"/>
+          <a:chOff x="0" y="0"/>
+          <a:chExt cx="0" cy="0"/>
+        </a:xfrm>
+      </p:grpSpPr>
+      <p:sp>
+        <p:nvSpPr>
           <p:cNvPr id="2" name="Заголовок 1"/>
           <p:cNvSpPr>
             <a:spLocks noGrp="1"/>
@@ -7502,7 +7565,7 @@
 </p:sld>
 </file>
 
-<file path=ppt/slides/slide25.xml><?xml version="1.0" encoding="utf-8"?>
+<file path=ppt/slides/slide26.xml><?xml version="1.0" encoding="utf-8"?>
 <p:sld xmlns:a="http://schemas.openxmlformats.org/drawingml/2006/main" xmlns:r="http://schemas.openxmlformats.org/officeDocument/2006/relationships" xmlns:p="http://schemas.openxmlformats.org/presentationml/2006/main">
   <p:cSld>
     <p:spTree>
@@ -7950,7 +8013,7 @@
           <a:blip r:embed="rId2" cstate="print">
             <a:extLst>
               <a:ext uri="{28A0092B-C50C-407E-A947-70E740481C1C}">
-                <a14:useLocalDpi xmlns:a14="http://schemas.microsoft.com/office/drawing/2010/main" val="0"/>
+                <a14:useLocalDpi xmlns:a14="http://schemas.microsoft.com/office/drawing/2010/main" xmlns="" val="0"/>
               </a:ext>
             </a:extLst>
           </a:blip>
@@ -7970,7 +8033,7 @@
           <a:noFill/>
           <a:extLst>
             <a:ext uri="{909E8E84-426E-40DD-AFC4-6F175D3DCCD1}">
-              <a14:hiddenFill xmlns:a14="http://schemas.microsoft.com/office/drawing/2010/main">
+              <a14:hiddenFill xmlns:a14="http://schemas.microsoft.com/office/drawing/2010/main" xmlns="">
                 <a:solidFill>
                   <a:srgbClr val="FFFFFF"/>
                 </a:solidFill>
@@ -8455,7 +8518,25 @@
               <a:rPr lang="ru-RU" dirty="0" smtClean="0">
                 <a:cs typeface="Times New Roman" panose="02020603050405020304" pitchFamily="18" charset="0"/>
               </a:rPr>
-              <a:t>Создана тестовая база данных для применения политики безопасности</a:t>
+              <a:t>Разработано </a:t>
+            </a:r>
+            <a:r>
+              <a:rPr lang="en-US" dirty="0" smtClean="0">
+                <a:cs typeface="Times New Roman" panose="02020603050405020304" pitchFamily="18" charset="0"/>
+              </a:rPr>
+              <a:t>web</a:t>
+            </a:r>
+            <a:r>
+              <a:rPr lang="ru-RU" dirty="0" smtClean="0">
+                <a:cs typeface="Times New Roman" panose="02020603050405020304" pitchFamily="18" charset="0"/>
+              </a:rPr>
+              <a:t>-приложение для управления сущностями тестовой БД и настройки политики </a:t>
+            </a:r>
+            <a:r>
+              <a:rPr lang="ru-RU" dirty="0" smtClean="0">
+                <a:cs typeface="Times New Roman" panose="02020603050405020304" pitchFamily="18" charset="0"/>
+              </a:rPr>
+              <a:t>безопасности</a:t>
             </a:r>
           </a:p>
           <a:p>
@@ -8463,7 +8544,7 @@
               <a:buFont typeface="+mj-lt"/>
               <a:buAutoNum type="arabicPeriod"/>
             </a:pPr>
-            <a:endParaRPr lang="ru-RU" dirty="0">
+            <a:endParaRPr lang="ru-RU" dirty="0" smtClean="0">
               <a:cs typeface="Times New Roman" panose="02020603050405020304" pitchFamily="18" charset="0"/>
             </a:endParaRPr>
           </a:p>
@@ -8476,20 +8557,38 @@
               <a:rPr lang="ru-RU" dirty="0" smtClean="0">
                 <a:cs typeface="Times New Roman" panose="02020603050405020304" pitchFamily="18" charset="0"/>
               </a:rPr>
-              <a:t>Разработано </a:t>
+              <a:t>Написана </a:t>
+            </a:r>
+            <a:r>
+              <a:rPr lang="ru-RU" dirty="0" smtClean="0">
+                <a:cs typeface="Times New Roman" panose="02020603050405020304" pitchFamily="18" charset="0"/>
+              </a:rPr>
+              <a:t>библиотека на языке </a:t>
             </a:r>
             <a:r>
               <a:rPr lang="en-US" dirty="0" smtClean="0">
                 <a:cs typeface="Times New Roman" panose="02020603050405020304" pitchFamily="18" charset="0"/>
               </a:rPr>
-              <a:t>web</a:t>
+              <a:t>C#</a:t>
             </a:r>
             <a:r>
               <a:rPr lang="ru-RU" dirty="0" smtClean="0">
                 <a:cs typeface="Times New Roman" panose="02020603050405020304" pitchFamily="18" charset="0"/>
               </a:rPr>
-              <a:t>-приложение для управления сущностями тестовой БД и настройки политики безопасности</a:t>
-            </a:r>
+              <a:t> для вычисления доступа к строкам таблиц базы данных</a:t>
+            </a:r>
+            <a:endParaRPr lang="ru-RU" dirty="0" smtClean="0">
+              <a:cs typeface="Times New Roman" panose="02020603050405020304" pitchFamily="18" charset="0"/>
+            </a:endParaRPr>
+          </a:p>
+          <a:p>
+            <a:pPr marL="514350" indent="-514350">
+              <a:buFont typeface="+mj-lt"/>
+              <a:buAutoNum type="arabicPeriod"/>
+            </a:pPr>
+            <a:endParaRPr lang="ru-RU" dirty="0" smtClean="0">
+              <a:cs typeface="Times New Roman" panose="02020603050405020304" pitchFamily="18" charset="0"/>
+            </a:endParaRPr>
           </a:p>
         </p:txBody>
       </p:sp>
@@ -8572,7 +8671,7 @@
         <p:spPr/>
         <p:txBody>
           <a:bodyPr>
-            <a:normAutofit fontScale="92500" lnSpcReduction="20000"/>
+            <a:normAutofit/>
           </a:bodyPr>
           <a:lstStyle/>
           <a:p>
@@ -8581,10 +8680,16 @@
               <a:buAutoNum type="arabicPeriod" startAt="3"/>
             </a:pPr>
             <a:r>
+              <a:rPr lang="ru-RU" dirty="0" smtClean="0">
+                <a:cs typeface="Times New Roman" panose="02020603050405020304" pitchFamily="18" charset="0"/>
+              </a:rPr>
+              <a:t>Измерена </a:t>
+            </a:r>
+            <a:r>
               <a:rPr lang="ru-RU" dirty="0">
                 <a:cs typeface="Times New Roman" panose="02020603050405020304" pitchFamily="18" charset="0"/>
               </a:rPr>
-              <a:t>Написана библиотека для осуществления гибкой настройки политики безопасности на уровне сервера базы </a:t>
+              <a:t>производительность системы с включённой политикой безопасности при большом количестве </a:t>
             </a:r>
             <a:r>
               <a:rPr lang="ru-RU" dirty="0" smtClean="0">
@@ -8592,6 +8697,9 @@
               </a:rPr>
               <a:t>данных</a:t>
             </a:r>
+            <a:endParaRPr lang="ru-RU" dirty="0" smtClean="0">
+              <a:cs typeface="Times New Roman" panose="02020603050405020304" pitchFamily="18" charset="0"/>
+            </a:endParaRPr>
           </a:p>
           <a:p>
             <a:pPr marL="514350" indent="-514350">
@@ -8608,37 +8716,16 @@
               <a:buAutoNum type="arabicPeriod" startAt="3"/>
             </a:pPr>
             <a:r>
+              <a:rPr lang="ru-RU" dirty="0" smtClean="0">
+                <a:cs typeface="Times New Roman" panose="02020603050405020304" pitchFamily="18" charset="0"/>
+              </a:rPr>
+              <a:t>Исследованы некоторые альтернативные варианты </a:t>
+            </a:r>
+            <a:r>
               <a:rPr lang="ru-RU" dirty="0">
                 <a:cs typeface="Times New Roman" panose="02020603050405020304" pitchFamily="18" charset="0"/>
               </a:rPr>
-              <a:t>Измерена производительность системы с включённой политикой безопасности при большом количестве </a:t>
-            </a:r>
-            <a:r>
-              <a:rPr lang="ru-RU" dirty="0" smtClean="0">
-                <a:cs typeface="Times New Roman" panose="02020603050405020304" pitchFamily="18" charset="0"/>
-              </a:rPr>
-              <a:t>данных</a:t>
-            </a:r>
-          </a:p>
-          <a:p>
-            <a:pPr marL="514350" indent="-514350">
-              <a:buFont typeface="+mj-lt"/>
-              <a:buAutoNum type="arabicPeriod" startAt="3"/>
-            </a:pPr>
-            <a:endParaRPr lang="ru-RU" dirty="0">
-              <a:cs typeface="Times New Roman" panose="02020603050405020304" pitchFamily="18" charset="0"/>
-            </a:endParaRPr>
-          </a:p>
-          <a:p>
-            <a:pPr marL="514350" indent="-514350">
-              <a:buFont typeface="+mj-lt"/>
-              <a:buAutoNum type="arabicPeriod" startAt="3"/>
-            </a:pPr>
-            <a:r>
-              <a:rPr lang="ru-RU" dirty="0">
-                <a:cs typeface="Times New Roman" panose="02020603050405020304" pitchFamily="18" charset="0"/>
-              </a:rPr>
-              <a:t>Исследован альтернативный вариант настройки динамической политики безопасности</a:t>
+              <a:t>настройки динамической политики безопасности</a:t>
             </a:r>
           </a:p>
           <a:p>
@@ -8649,7 +8736,7 @@
     </p:spTree>
     <p:extLst>
       <p:ext uri="{BB962C8B-B14F-4D97-AF65-F5344CB8AC3E}">
-        <p14:creationId xmlns:p14="http://schemas.microsoft.com/office/powerpoint/2010/main" val="783246266"/>
+        <p14:creationId xmlns:p14="http://schemas.microsoft.com/office/powerpoint/2010/main" xmlns="" val="783246266"/>
       </p:ext>
     </p:extLst>
   </p:cSld>

--- a/ВКР/презентация.pptx
+++ b/ВКР/презентация.pptx
@@ -18,11 +18,11 @@
     <p:sldId id="266" r:id="rId9"/>
     <p:sldId id="283" r:id="rId10"/>
     <p:sldId id="273" r:id="rId11"/>
-    <p:sldId id="256" r:id="rId12"/>
-    <p:sldId id="258" r:id="rId13"/>
-    <p:sldId id="260" r:id="rId14"/>
-    <p:sldId id="261" r:id="rId15"/>
-    <p:sldId id="262" r:id="rId16"/>
+    <p:sldId id="286" r:id="rId12"/>
+    <p:sldId id="287" r:id="rId13"/>
+    <p:sldId id="288" r:id="rId14"/>
+    <p:sldId id="289" r:id="rId15"/>
+    <p:sldId id="290" r:id="rId16"/>
     <p:sldId id="275" r:id="rId17"/>
     <p:sldId id="284" r:id="rId18"/>
     <p:sldId id="277" r:id="rId19"/>
@@ -134,7 +134,7 @@
   </p:defaultTextStyle>
   <p:extLst>
     <p:ext uri="{EFAFB233-063F-42B5-8137-9DF3F51BA10A}">
-      <p15:sldGuideLst xmlns:p15="http://schemas.microsoft.com/office/powerpoint/2012/main" xmlns="">
+      <p15:sldGuideLst xmlns:p15="http://schemas.microsoft.com/office/powerpoint/2012/main">
         <p15:guide id="1" orient="horz" pos="2160">
           <p15:clr>
             <a:srgbClr val="A4A3A4"/>
@@ -152,14 +152,26 @@
 </file>
 
 <file path=ppt/charts/chart1.xml><?xml version="1.0" encoding="utf-8"?>
-<c:chartSpace xmlns:c="http://schemas.openxmlformats.org/drawingml/2006/chart" xmlns:a="http://schemas.openxmlformats.org/drawingml/2006/main" xmlns:r="http://schemas.openxmlformats.org/officeDocument/2006/relationships">
-  <c:lang val="ru-RU"/>
+<c:chartSpace xmlns:c="http://schemas.openxmlformats.org/drawingml/2006/chart" xmlns:a="http://schemas.openxmlformats.org/drawingml/2006/main" xmlns:r="http://schemas.openxmlformats.org/officeDocument/2006/relationships" xmlns:c16r2="http://schemas.microsoft.com/office/drawing/2015/06/chart">
+  <c:date1904 val="0"/>
+  <c:lang val="en-US"/>
+  <c:roundedCorners val="0"/>
+  <mc:AlternateContent xmlns:mc="http://schemas.openxmlformats.org/markup-compatibility/2006">
+    <mc:Choice xmlns:c14="http://schemas.microsoft.com/office/drawing/2007/8/2/chart" Requires="c14">
+      <c14:style val="102"/>
+    </mc:Choice>
+    <mc:Fallback>
+      <c:style val="2"/>
+    </mc:Fallback>
+  </mc:AlternateContent>
   <c:chart>
+    <c:autoTitleDeleted val="0"/>
     <c:plotArea>
       <c:layout/>
       <c:barChart>
         <c:barDir val="col"/>
         <c:grouping val="clustered"/>
+        <c:varyColors val="0"/>
         <c:ser>
           <c:idx val="0"/>
           <c:order val="0"/>
@@ -174,6 +186,7 @@
               </c:strCache>
             </c:strRef>
           </c:tx>
+          <c:invertIfNegative val="0"/>
           <c:cat>
             <c:strRef>
               <c:f>Лист1!$B$1:$I$1</c:f>
@@ -239,7 +252,7 @@
               </c:numCache>
             </c:numRef>
           </c:val>
-          <c:extLst xmlns:c16r2="http://schemas.microsoft.com/office/drawing/2015/06/chart">
+          <c:extLst>
             <c:ext xmlns:c16="http://schemas.microsoft.com/office/drawing/2014/chart" uri="{C3380CC4-5D6E-409C-BE32-E72D297353CC}">
               <c16:uniqueId val="{00000000-DD11-4F93-8BC4-F0BCDAC0C5CB}"/>
             </c:ext>
@@ -259,6 +272,7 @@
               </c:strCache>
             </c:strRef>
           </c:tx>
+          <c:invertIfNegative val="0"/>
           <c:cat>
             <c:strRef>
               <c:f>Лист1!$B$1:$I$1</c:f>
@@ -324,7 +338,7 @@
               </c:numCache>
             </c:numRef>
           </c:val>
-          <c:extLst xmlns:c16r2="http://schemas.microsoft.com/office/drawing/2015/06/chart">
+          <c:extLst>
             <c:ext xmlns:c16="http://schemas.microsoft.com/office/drawing/2014/chart" uri="{C3380CC4-5D6E-409C-BE32-E72D297353CC}">
               <c16:uniqueId val="{00000001-DD11-4F93-8BC4-F0BCDAC0C5CB}"/>
             </c:ext>
@@ -344,6 +358,7 @@
               </c:strCache>
             </c:strRef>
           </c:tx>
+          <c:invertIfNegative val="0"/>
           <c:cat>
             <c:strRef>
               <c:f>Лист1!$B$1:$I$1</c:f>
@@ -409,7 +424,7 @@
               </c:numCache>
             </c:numRef>
           </c:val>
-          <c:extLst xmlns:c16r2="http://schemas.microsoft.com/office/drawing/2015/06/chart">
+          <c:extLst>
             <c:ext xmlns:c16="http://schemas.microsoft.com/office/drawing/2014/chart" uri="{C3380CC4-5D6E-409C-BE32-E72D297353CC}">
               <c16:uniqueId val="{00000002-DD11-4F93-8BC4-F0BCDAC0C5CB}"/>
             </c:ext>
@@ -429,6 +444,7 @@
               </c:strCache>
             </c:strRef>
           </c:tx>
+          <c:invertIfNegative val="0"/>
           <c:cat>
             <c:strRef>
               <c:f>Лист1!$B$1:$I$1</c:f>
@@ -494,13 +510,21 @@
               </c:numCache>
             </c:numRef>
           </c:val>
-          <c:extLst xmlns:c16r2="http://schemas.microsoft.com/office/drawing/2015/06/chart">
+          <c:extLst>
             <c:ext xmlns:c16="http://schemas.microsoft.com/office/drawing/2014/chart" uri="{C3380CC4-5D6E-409C-BE32-E72D297353CC}">
               <c16:uniqueId val="{00000003-DD11-4F93-8BC4-F0BCDAC0C5CB}"/>
             </c:ext>
           </c:extLst>
         </c:ser>
-        <c:dLbls/>
+        <c:dLbls>
+          <c:showLegendKey val="0"/>
+          <c:showVal val="0"/>
+          <c:showCatName val="0"/>
+          <c:showSerName val="0"/>
+          <c:showPercent val="0"/>
+          <c:showBubbleSize val="0"/>
+        </c:dLbls>
+        <c:gapWidth val="150"/>
         <c:axId val="74980736"/>
         <c:axId val="74995200"/>
       </c:barChart>
@@ -509,6 +533,7 @@
         <c:scaling>
           <c:orientation val="minMax"/>
         </c:scaling>
+        <c:delete val="0"/>
         <c:axPos val="b"/>
         <c:title>
           <c:tx>
@@ -547,9 +572,11 @@
               </a:p>
             </c:rich>
           </c:tx>
-          <c:layout/>
+          <c:overlay val="0"/>
         </c:title>
         <c:numFmt formatCode="General" sourceLinked="0"/>
+        <c:majorTickMark val="out"/>
+        <c:minorTickMark val="none"/>
         <c:tickLblPos val="nextTo"/>
         <c:txPr>
           <a:bodyPr/>
@@ -566,12 +593,14 @@
         <c:auto val="1"/>
         <c:lblAlgn val="ctr"/>
         <c:lblOffset val="100"/>
+        <c:noMultiLvlLbl val="0"/>
       </c:catAx>
       <c:valAx>
         <c:axId val="74995200"/>
         <c:scaling>
           <c:orientation val="minMax"/>
         </c:scaling>
+        <c:delete val="0"/>
         <c:axPos val="l"/>
         <c:majorGridlines/>
         <c:title>
@@ -593,9 +622,11 @@
               </a:p>
             </c:rich>
           </c:tx>
-          <c:layout/>
+          <c:overlay val="0"/>
         </c:title>
         <c:numFmt formatCode="General" sourceLinked="1"/>
+        <c:majorTickMark val="out"/>
+        <c:minorTickMark val="none"/>
         <c:tickLblPos val="nextTo"/>
         <c:txPr>
           <a:bodyPr/>
@@ -614,7 +645,7 @@
     </c:plotArea>
     <c:legend>
       <c:legendPos val="r"/>
-      <c:layout/>
+      <c:overlay val="0"/>
       <c:txPr>
         <a:bodyPr/>
         <a:lstStyle/>
@@ -628,20 +659,35 @@
     </c:legend>
     <c:plotVisOnly val="1"/>
     <c:dispBlanksAs val="gap"/>
+    <c:showDLblsOverMax val="0"/>
   </c:chart>
-  <c:externalData r:id="rId1"/>
+  <c:externalData r:id="rId1">
+    <c:autoUpdate val="0"/>
+  </c:externalData>
 </c:chartSpace>
 </file>
 
 <file path=ppt/charts/chart2.xml><?xml version="1.0" encoding="utf-8"?>
-<c:chartSpace xmlns:c="http://schemas.openxmlformats.org/drawingml/2006/chart" xmlns:a="http://schemas.openxmlformats.org/drawingml/2006/main" xmlns:r="http://schemas.openxmlformats.org/officeDocument/2006/relationships">
-  <c:lang val="ru-RU"/>
+<c:chartSpace xmlns:c="http://schemas.openxmlformats.org/drawingml/2006/chart" xmlns:a="http://schemas.openxmlformats.org/drawingml/2006/main" xmlns:r="http://schemas.openxmlformats.org/officeDocument/2006/relationships" xmlns:c16r2="http://schemas.microsoft.com/office/drawing/2015/06/chart">
+  <c:date1904 val="0"/>
+  <c:lang val="en-US"/>
+  <c:roundedCorners val="0"/>
+  <mc:AlternateContent xmlns:mc="http://schemas.openxmlformats.org/markup-compatibility/2006">
+    <mc:Choice xmlns:c14="http://schemas.microsoft.com/office/drawing/2007/8/2/chart" Requires="c14">
+      <c14:style val="102"/>
+    </mc:Choice>
+    <mc:Fallback>
+      <c:style val="2"/>
+    </mc:Fallback>
+  </mc:AlternateContent>
   <c:chart>
+    <c:autoTitleDeleted val="0"/>
     <c:plotArea>
       <c:layout/>
       <c:barChart>
         <c:barDir val="col"/>
         <c:grouping val="clustered"/>
+        <c:varyColors val="0"/>
         <c:ser>
           <c:idx val="0"/>
           <c:order val="0"/>
@@ -656,6 +702,7 @@
               </c:strCache>
             </c:strRef>
           </c:tx>
+          <c:invertIfNegative val="0"/>
           <c:cat>
             <c:strRef>
               <c:f>Лист1!$B$10:$H$10</c:f>
@@ -715,7 +762,7 @@
               </c:numCache>
             </c:numRef>
           </c:val>
-          <c:extLst xmlns:c16r2="http://schemas.microsoft.com/office/drawing/2015/06/chart">
+          <c:extLst>
             <c:ext xmlns:c16="http://schemas.microsoft.com/office/drawing/2014/chart" uri="{C3380CC4-5D6E-409C-BE32-E72D297353CC}">
               <c16:uniqueId val="{00000000-6306-4470-AEE4-802FB0C02AC1}"/>
             </c:ext>
@@ -735,6 +782,7 @@
               </c:strCache>
             </c:strRef>
           </c:tx>
+          <c:invertIfNegative val="0"/>
           <c:cat>
             <c:strRef>
               <c:f>Лист1!$B$10:$H$10</c:f>
@@ -794,7 +842,7 @@
               </c:numCache>
             </c:numRef>
           </c:val>
-          <c:extLst xmlns:c16r2="http://schemas.microsoft.com/office/drawing/2015/06/chart">
+          <c:extLst>
             <c:ext xmlns:c16="http://schemas.microsoft.com/office/drawing/2014/chart" uri="{C3380CC4-5D6E-409C-BE32-E72D297353CC}">
               <c16:uniqueId val="{00000001-6306-4470-AEE4-802FB0C02AC1}"/>
             </c:ext>
@@ -814,6 +862,7 @@
               </c:strCache>
             </c:strRef>
           </c:tx>
+          <c:invertIfNegative val="0"/>
           <c:cat>
             <c:strRef>
               <c:f>Лист1!$B$10:$H$10</c:f>
@@ -873,7 +922,7 @@
               </c:numCache>
             </c:numRef>
           </c:val>
-          <c:extLst xmlns:c16r2="http://schemas.microsoft.com/office/drawing/2015/06/chart">
+          <c:extLst>
             <c:ext xmlns:c16="http://schemas.microsoft.com/office/drawing/2014/chart" uri="{C3380CC4-5D6E-409C-BE32-E72D297353CC}">
               <c16:uniqueId val="{00000002-6306-4470-AEE4-802FB0C02AC1}"/>
             </c:ext>
@@ -893,6 +942,7 @@
               </c:strCache>
             </c:strRef>
           </c:tx>
+          <c:invertIfNegative val="0"/>
           <c:cat>
             <c:strRef>
               <c:f>Лист1!$B$10:$H$10</c:f>
@@ -952,13 +1002,21 @@
               </c:numCache>
             </c:numRef>
           </c:val>
-          <c:extLst xmlns:c16r2="http://schemas.microsoft.com/office/drawing/2015/06/chart">
+          <c:extLst>
             <c:ext xmlns:c16="http://schemas.microsoft.com/office/drawing/2014/chart" uri="{C3380CC4-5D6E-409C-BE32-E72D297353CC}">
               <c16:uniqueId val="{00000003-6306-4470-AEE4-802FB0C02AC1}"/>
             </c:ext>
           </c:extLst>
         </c:ser>
-        <c:dLbls/>
+        <c:dLbls>
+          <c:showLegendKey val="0"/>
+          <c:showVal val="0"/>
+          <c:showCatName val="0"/>
+          <c:showSerName val="0"/>
+          <c:showPercent val="0"/>
+          <c:showBubbleSize val="0"/>
+        </c:dLbls>
+        <c:gapWidth val="150"/>
         <c:axId val="75639808"/>
         <c:axId val="75654272"/>
       </c:barChart>
@@ -967,6 +1025,7 @@
         <c:scaling>
           <c:orientation val="minMax"/>
         </c:scaling>
+        <c:delete val="0"/>
         <c:axPos val="b"/>
         <c:title>
           <c:tx>
@@ -995,8 +1054,11 @@
               <c:y val="0.89245159572444654"/>
             </c:manualLayout>
           </c:layout>
+          <c:overlay val="0"/>
         </c:title>
         <c:numFmt formatCode="General" sourceLinked="0"/>
+        <c:majorTickMark val="out"/>
+        <c:minorTickMark val="none"/>
         <c:tickLblPos val="nextTo"/>
         <c:txPr>
           <a:bodyPr/>
@@ -1013,12 +1075,14 @@
         <c:auto val="1"/>
         <c:lblAlgn val="ctr"/>
         <c:lblOffset val="100"/>
+        <c:noMultiLvlLbl val="0"/>
       </c:catAx>
       <c:valAx>
         <c:axId val="75654272"/>
         <c:scaling>
           <c:orientation val="minMax"/>
         </c:scaling>
+        <c:delete val="0"/>
         <c:axPos val="l"/>
         <c:majorGridlines/>
         <c:title>
@@ -1073,8 +1137,11 @@
               <c:y val="0.21779045735225169"/>
             </c:manualLayout>
           </c:layout>
+          <c:overlay val="0"/>
         </c:title>
         <c:numFmt formatCode="General" sourceLinked="1"/>
+        <c:majorTickMark val="out"/>
+        <c:minorTickMark val="none"/>
         <c:tickLblPos val="nextTo"/>
         <c:txPr>
           <a:bodyPr/>
@@ -1093,7 +1160,7 @@
     </c:plotArea>
     <c:legend>
       <c:legendPos val="r"/>
-      <c:layout/>
+      <c:overlay val="0"/>
       <c:txPr>
         <a:bodyPr/>
         <a:lstStyle/>
@@ -1107,20 +1174,35 @@
     </c:legend>
     <c:plotVisOnly val="1"/>
     <c:dispBlanksAs val="gap"/>
+    <c:showDLblsOverMax val="0"/>
   </c:chart>
-  <c:externalData r:id="rId1"/>
+  <c:externalData r:id="rId1">
+    <c:autoUpdate val="0"/>
+  </c:externalData>
 </c:chartSpace>
 </file>
 
 <file path=ppt/charts/chart3.xml><?xml version="1.0" encoding="utf-8"?>
-<c:chartSpace xmlns:c="http://schemas.openxmlformats.org/drawingml/2006/chart" xmlns:a="http://schemas.openxmlformats.org/drawingml/2006/main" xmlns:r="http://schemas.openxmlformats.org/officeDocument/2006/relationships">
-  <c:lang val="ru-RU"/>
+<c:chartSpace xmlns:c="http://schemas.openxmlformats.org/drawingml/2006/chart" xmlns:a="http://schemas.openxmlformats.org/drawingml/2006/main" xmlns:r="http://schemas.openxmlformats.org/officeDocument/2006/relationships" xmlns:c16r2="http://schemas.microsoft.com/office/drawing/2015/06/chart">
+  <c:date1904 val="0"/>
+  <c:lang val="en-US"/>
+  <c:roundedCorners val="0"/>
+  <mc:AlternateContent xmlns:mc="http://schemas.openxmlformats.org/markup-compatibility/2006">
+    <mc:Choice xmlns:c14="http://schemas.microsoft.com/office/drawing/2007/8/2/chart" Requires="c14">
+      <c14:style val="102"/>
+    </mc:Choice>
+    <mc:Fallback>
+      <c:style val="2"/>
+    </mc:Fallback>
+  </mc:AlternateContent>
   <c:chart>
+    <c:autoTitleDeleted val="0"/>
     <c:plotArea>
       <c:layout/>
       <c:barChart>
         <c:barDir val="col"/>
         <c:grouping val="clustered"/>
+        <c:varyColors val="0"/>
         <c:ser>
           <c:idx val="0"/>
           <c:order val="0"/>
@@ -1135,6 +1217,7 @@
               </c:strCache>
             </c:strRef>
           </c:tx>
+          <c:invertIfNegative val="0"/>
           <c:cat>
             <c:numRef>
               <c:f>Лист1!$B$20:$E$20</c:f>
@@ -1177,7 +1260,7 @@
               </c:numCache>
             </c:numRef>
           </c:val>
-          <c:extLst xmlns:c16r2="http://schemas.microsoft.com/office/drawing/2015/06/chart">
+          <c:extLst>
             <c:ext xmlns:c16="http://schemas.microsoft.com/office/drawing/2014/chart" uri="{C3380CC4-5D6E-409C-BE32-E72D297353CC}">
               <c16:uniqueId val="{00000000-4963-4E7E-BED9-B0ADACBB56CF}"/>
             </c:ext>
@@ -1197,6 +1280,7 @@
               </c:strCache>
             </c:strRef>
           </c:tx>
+          <c:invertIfNegative val="0"/>
           <c:cat>
             <c:numRef>
               <c:f>Лист1!$B$20:$E$20</c:f>
@@ -1239,7 +1323,7 @@
               </c:numCache>
             </c:numRef>
           </c:val>
-          <c:extLst xmlns:c16r2="http://schemas.microsoft.com/office/drawing/2015/06/chart">
+          <c:extLst>
             <c:ext xmlns:c16="http://schemas.microsoft.com/office/drawing/2014/chart" uri="{C3380CC4-5D6E-409C-BE32-E72D297353CC}">
               <c16:uniqueId val="{00000001-4963-4E7E-BED9-B0ADACBB56CF}"/>
             </c:ext>
@@ -1259,6 +1343,7 @@
               </c:strCache>
             </c:strRef>
           </c:tx>
+          <c:invertIfNegative val="0"/>
           <c:cat>
             <c:numRef>
               <c:f>Лист1!$B$20:$E$20</c:f>
@@ -1301,7 +1386,7 @@
               </c:numCache>
             </c:numRef>
           </c:val>
-          <c:extLst xmlns:c16r2="http://schemas.microsoft.com/office/drawing/2015/06/chart">
+          <c:extLst>
             <c:ext xmlns:c16="http://schemas.microsoft.com/office/drawing/2014/chart" uri="{C3380CC4-5D6E-409C-BE32-E72D297353CC}">
               <c16:uniqueId val="{00000002-4963-4E7E-BED9-B0ADACBB56CF}"/>
             </c:ext>
@@ -1321,6 +1406,7 @@
               </c:strCache>
             </c:strRef>
           </c:tx>
+          <c:invertIfNegative val="0"/>
           <c:cat>
             <c:numRef>
               <c:f>Лист1!$B$20:$E$20</c:f>
@@ -1363,13 +1449,21 @@
               </c:numCache>
             </c:numRef>
           </c:val>
-          <c:extLst xmlns:c16r2="http://schemas.microsoft.com/office/drawing/2015/06/chart">
+          <c:extLst>
             <c:ext xmlns:c16="http://schemas.microsoft.com/office/drawing/2014/chart" uri="{C3380CC4-5D6E-409C-BE32-E72D297353CC}">
               <c16:uniqueId val="{00000003-4963-4E7E-BED9-B0ADACBB56CF}"/>
             </c:ext>
           </c:extLst>
         </c:ser>
-        <c:dLbls/>
+        <c:dLbls>
+          <c:showLegendKey val="0"/>
+          <c:showVal val="0"/>
+          <c:showCatName val="0"/>
+          <c:showSerName val="0"/>
+          <c:showPercent val="0"/>
+          <c:showBubbleSize val="0"/>
+        </c:dLbls>
+        <c:gapWidth val="150"/>
         <c:axId val="75704960"/>
         <c:axId val="75711232"/>
       </c:barChart>
@@ -1378,6 +1472,7 @@
         <c:scaling>
           <c:orientation val="minMax"/>
         </c:scaling>
+        <c:delete val="0"/>
         <c:axPos val="b"/>
         <c:title>
           <c:tx>
@@ -1403,9 +1498,11 @@
               </a:p>
             </c:rich>
           </c:tx>
-          <c:layout/>
+          <c:overlay val="0"/>
         </c:title>
         <c:numFmt formatCode="General" sourceLinked="1"/>
+        <c:majorTickMark val="out"/>
+        <c:minorTickMark val="none"/>
         <c:tickLblPos val="nextTo"/>
         <c:txPr>
           <a:bodyPr/>
@@ -1422,12 +1519,14 @@
         <c:auto val="1"/>
         <c:lblAlgn val="ctr"/>
         <c:lblOffset val="100"/>
+        <c:noMultiLvlLbl val="0"/>
       </c:catAx>
       <c:valAx>
         <c:axId val="75711232"/>
         <c:scaling>
           <c:orientation val="minMax"/>
         </c:scaling>
+        <c:delete val="0"/>
         <c:axPos val="l"/>
         <c:majorGridlines/>
         <c:title>
@@ -1460,9 +1559,11 @@
               </a:p>
             </c:rich>
           </c:tx>
-          <c:layout/>
+          <c:overlay val="0"/>
         </c:title>
         <c:numFmt formatCode="General" sourceLinked="1"/>
+        <c:majorTickMark val="out"/>
+        <c:minorTickMark val="none"/>
         <c:tickLblPos val="nextTo"/>
         <c:txPr>
           <a:bodyPr/>
@@ -1481,7 +1582,7 @@
     </c:plotArea>
     <c:legend>
       <c:legendPos val="r"/>
-      <c:layout/>
+      <c:overlay val="0"/>
       <c:txPr>
         <a:bodyPr/>
         <a:lstStyle/>
@@ -1495,14 +1596,27 @@
     </c:legend>
     <c:plotVisOnly val="1"/>
     <c:dispBlanksAs val="gap"/>
+    <c:showDLblsOverMax val="0"/>
   </c:chart>
-  <c:externalData r:id="rId1"/>
+  <c:externalData r:id="rId1">
+    <c:autoUpdate val="0"/>
+  </c:externalData>
 </c:chartSpace>
 </file>
 
 <file path=ppt/charts/chart4.xml><?xml version="1.0" encoding="utf-8"?>
-<c:chartSpace xmlns:c="http://schemas.openxmlformats.org/drawingml/2006/chart" xmlns:a="http://schemas.openxmlformats.org/drawingml/2006/main" xmlns:r="http://schemas.openxmlformats.org/officeDocument/2006/relationships">
-  <c:lang val="ru-RU"/>
+<c:chartSpace xmlns:c="http://schemas.openxmlformats.org/drawingml/2006/chart" xmlns:a="http://schemas.openxmlformats.org/drawingml/2006/main" xmlns:r="http://schemas.openxmlformats.org/officeDocument/2006/relationships" xmlns:c16r2="http://schemas.microsoft.com/office/drawing/2015/06/chart">
+  <c:date1904 val="0"/>
+  <c:lang val="en-US"/>
+  <c:roundedCorners val="0"/>
+  <mc:AlternateContent xmlns:mc="http://schemas.openxmlformats.org/markup-compatibility/2006">
+    <mc:Choice xmlns:c14="http://schemas.microsoft.com/office/drawing/2007/8/2/chart" Requires="c14">
+      <c14:style val="102"/>
+    </mc:Choice>
+    <mc:Fallback>
+      <c:style val="2"/>
+    </mc:Fallback>
+  </mc:AlternateContent>
   <c:chart>
     <c:autoTitleDeleted val="1"/>
     <c:plotArea>
@@ -1510,6 +1624,7 @@
       <c:barChart>
         <c:barDir val="col"/>
         <c:grouping val="clustered"/>
+        <c:varyColors val="0"/>
         <c:ser>
           <c:idx val="0"/>
           <c:order val="0"/>
@@ -1524,6 +1639,7 @@
               </c:strCache>
             </c:strRef>
           </c:tx>
+          <c:invertIfNegative val="0"/>
           <c:cat>
             <c:numRef>
               <c:f>Лист1!$B$32:$F$32</c:f>
@@ -1572,13 +1688,21 @@
               </c:numCache>
             </c:numRef>
           </c:val>
-          <c:extLst xmlns:c16r2="http://schemas.microsoft.com/office/drawing/2015/06/chart">
+          <c:extLst>
             <c:ext xmlns:c16="http://schemas.microsoft.com/office/drawing/2014/chart" uri="{C3380CC4-5D6E-409C-BE32-E72D297353CC}">
               <c16:uniqueId val="{00000000-8F64-47D1-81F2-B12702AB8FFD}"/>
             </c:ext>
           </c:extLst>
         </c:ser>
-        <c:dLbls/>
+        <c:dLbls>
+          <c:showLegendKey val="0"/>
+          <c:showVal val="0"/>
+          <c:showCatName val="0"/>
+          <c:showSerName val="0"/>
+          <c:showPercent val="0"/>
+          <c:showBubbleSize val="0"/>
+        </c:dLbls>
+        <c:gapWidth val="150"/>
         <c:axId val="75748864"/>
         <c:axId val="75750784"/>
       </c:barChart>
@@ -1587,6 +1711,7 @@
         <c:scaling>
           <c:orientation val="minMax"/>
         </c:scaling>
+        <c:delete val="0"/>
         <c:axPos val="b"/>
         <c:title>
           <c:tx>
@@ -1607,9 +1732,11 @@
               </a:p>
             </c:rich>
           </c:tx>
-          <c:layout/>
+          <c:overlay val="0"/>
         </c:title>
         <c:numFmt formatCode="General" sourceLinked="1"/>
+        <c:majorTickMark val="out"/>
+        <c:minorTickMark val="none"/>
         <c:tickLblPos val="nextTo"/>
         <c:txPr>
           <a:bodyPr/>
@@ -1626,12 +1753,14 @@
         <c:auto val="1"/>
         <c:lblAlgn val="ctr"/>
         <c:lblOffset val="100"/>
+        <c:noMultiLvlLbl val="0"/>
       </c:catAx>
       <c:valAx>
         <c:axId val="75750784"/>
         <c:scaling>
           <c:orientation val="minMax"/>
         </c:scaling>
+        <c:delete val="0"/>
         <c:axPos val="l"/>
         <c:majorGridlines/>
         <c:title>
@@ -1664,9 +1793,11 @@
               </a:p>
             </c:rich>
           </c:tx>
-          <c:layout/>
+          <c:overlay val="0"/>
         </c:title>
         <c:numFmt formatCode="General" sourceLinked="1"/>
+        <c:majorTickMark val="out"/>
+        <c:minorTickMark val="none"/>
         <c:tickLblPos val="nextTo"/>
         <c:txPr>
           <a:bodyPr/>
@@ -1685,7 +1816,7 @@
     </c:plotArea>
     <c:legend>
       <c:legendPos val="r"/>
-      <c:layout/>
+      <c:overlay val="0"/>
       <c:txPr>
         <a:bodyPr/>
         <a:lstStyle/>
@@ -1699,8 +1830,11 @@
     </c:legend>
     <c:plotVisOnly val="1"/>
     <c:dispBlanksAs val="gap"/>
+    <c:showDLblsOverMax val="0"/>
   </c:chart>
-  <c:externalData r:id="rId1"/>
+  <c:externalData r:id="rId1">
+    <c:autoUpdate val="0"/>
+  </c:externalData>
 </c:chartSpace>
 </file>
 
@@ -5551,48 +5685,38 @@
       </p:grpSpPr>
       <p:pic>
         <p:nvPicPr>
-          <p:cNvPr id="1027" name="Picture 3"/>
+          <p:cNvPr id="5" name="Picture 4"/>
           <p:cNvPicPr>
-            <a:picLocks noChangeAspect="1" noChangeArrowheads="1"/>
+            <a:picLocks noChangeAspect="1"/>
           </p:cNvPicPr>
           <p:nvPr/>
         </p:nvPicPr>
         <p:blipFill>
-          <a:blip r:embed="rId2" cstate="print"/>
-          <a:srcRect/>
+          <a:blip r:embed="rId2"/>
           <a:stretch>
             <a:fillRect/>
           </a:stretch>
         </p:blipFill>
-        <p:spPr bwMode="auto">
+        <p:spPr>
           <a:xfrm>
-            <a:off x="179512" y="1124744"/>
-            <a:ext cx="8791161" cy="4752528"/>
+            <a:off x="0" y="476672"/>
+            <a:ext cx="9121120" cy="5194189"/>
           </a:xfrm>
           <a:prstGeom prst="rect">
             <a:avLst/>
           </a:prstGeom>
-          <a:noFill/>
-          <a:ln w="9525">
-            <a:noFill/>
-            <a:miter lim="800000"/>
-            <a:headEnd/>
-            <a:tailEnd/>
-          </a:ln>
         </p:spPr>
       </p:pic>
     </p:spTree>
+    <p:extLst>
+      <p:ext uri="{BB962C8B-B14F-4D97-AF65-F5344CB8AC3E}">
+        <p14:creationId xmlns:p14="http://schemas.microsoft.com/office/powerpoint/2010/main" val="449952241"/>
+      </p:ext>
+    </p:extLst>
   </p:cSld>
   <p:clrMapOvr>
     <a:masterClrMapping/>
   </p:clrMapOvr>
-  <p:timing>
-    <p:tnLst>
-      <p:par>
-        <p:cTn id="1" dur="indefinite" restart="never" nodeType="tmRoot"/>
-      </p:par>
-    </p:tnLst>
-  </p:timing>
 </p:sld>
 </file>
 
@@ -5615,48 +5739,38 @@
       </p:grpSpPr>
       <p:pic>
         <p:nvPicPr>
-          <p:cNvPr id="2050" name="Picture 2"/>
+          <p:cNvPr id="4" name="Picture 3"/>
           <p:cNvPicPr>
-            <a:picLocks noChangeAspect="1" noChangeArrowheads="1"/>
+            <a:picLocks noChangeAspect="1"/>
           </p:cNvPicPr>
           <p:nvPr/>
         </p:nvPicPr>
         <p:blipFill>
-          <a:blip r:embed="rId2" cstate="print"/>
-          <a:srcRect/>
+          <a:blip r:embed="rId2"/>
           <a:stretch>
             <a:fillRect/>
           </a:stretch>
         </p:blipFill>
-        <p:spPr bwMode="auto">
+        <p:spPr>
           <a:xfrm>
-            <a:off x="179512" y="764704"/>
-            <a:ext cx="8784976" cy="4752528"/>
+            <a:off x="0" y="548680"/>
+            <a:ext cx="9144000" cy="4886767"/>
           </a:xfrm>
           <a:prstGeom prst="rect">
             <a:avLst/>
           </a:prstGeom>
-          <a:noFill/>
-          <a:ln w="9525">
-            <a:noFill/>
-            <a:miter lim="800000"/>
-            <a:headEnd/>
-            <a:tailEnd/>
-          </a:ln>
         </p:spPr>
       </p:pic>
     </p:spTree>
+    <p:extLst>
+      <p:ext uri="{BB962C8B-B14F-4D97-AF65-F5344CB8AC3E}">
+        <p14:creationId xmlns:p14="http://schemas.microsoft.com/office/powerpoint/2010/main" val="1368178801"/>
+      </p:ext>
+    </p:extLst>
   </p:cSld>
   <p:clrMapOvr>
     <a:masterClrMapping/>
   </p:clrMapOvr>
-  <p:timing>
-    <p:tnLst>
-      <p:par>
-        <p:cTn id="1" dur="indefinite" restart="never" nodeType="tmRoot"/>
-      </p:par>
-    </p:tnLst>
-  </p:timing>
 </p:sld>
 </file>
 
@@ -5679,48 +5793,38 @@
       </p:grpSpPr>
       <p:pic>
         <p:nvPicPr>
-          <p:cNvPr id="3075" name="Picture 3"/>
+          <p:cNvPr id="4" name="Picture 3"/>
           <p:cNvPicPr>
-            <a:picLocks noChangeAspect="1" noChangeArrowheads="1"/>
+            <a:picLocks noChangeAspect="1"/>
           </p:cNvPicPr>
           <p:nvPr/>
         </p:nvPicPr>
         <p:blipFill>
-          <a:blip r:embed="rId2" cstate="print"/>
-          <a:srcRect/>
+          <a:blip r:embed="rId2"/>
           <a:stretch>
             <a:fillRect/>
           </a:stretch>
         </p:blipFill>
-        <p:spPr bwMode="auto">
+        <p:spPr>
           <a:xfrm>
-            <a:off x="467544" y="836712"/>
-            <a:ext cx="8352928" cy="4536504"/>
+            <a:off x="0" y="692696"/>
+            <a:ext cx="9144000" cy="4605811"/>
           </a:xfrm>
           <a:prstGeom prst="rect">
             <a:avLst/>
           </a:prstGeom>
-          <a:noFill/>
-          <a:ln w="9525">
-            <a:noFill/>
-            <a:miter lim="800000"/>
-            <a:headEnd/>
-            <a:tailEnd/>
-          </a:ln>
         </p:spPr>
       </p:pic>
     </p:spTree>
+    <p:extLst>
+      <p:ext uri="{BB962C8B-B14F-4D97-AF65-F5344CB8AC3E}">
+        <p14:creationId xmlns:p14="http://schemas.microsoft.com/office/powerpoint/2010/main" val="872989087"/>
+      </p:ext>
+    </p:extLst>
   </p:cSld>
   <p:clrMapOvr>
     <a:masterClrMapping/>
   </p:clrMapOvr>
-  <p:timing>
-    <p:tnLst>
-      <p:par>
-        <p:cTn id="1" dur="indefinite" restart="never" nodeType="tmRoot"/>
-      </p:par>
-    </p:tnLst>
-  </p:timing>
 </p:sld>
 </file>
 
@@ -5743,48 +5847,38 @@
       </p:grpSpPr>
       <p:pic>
         <p:nvPicPr>
-          <p:cNvPr id="4098" name="Picture 2"/>
+          <p:cNvPr id="6" name="Picture 5"/>
           <p:cNvPicPr>
-            <a:picLocks noChangeAspect="1" noChangeArrowheads="1"/>
+            <a:picLocks noChangeAspect="1"/>
           </p:cNvPicPr>
           <p:nvPr/>
         </p:nvPicPr>
         <p:blipFill>
-          <a:blip r:embed="rId2" cstate="print"/>
-          <a:srcRect/>
+          <a:blip r:embed="rId2"/>
           <a:stretch>
             <a:fillRect/>
           </a:stretch>
         </p:blipFill>
-        <p:spPr bwMode="auto">
+        <p:spPr>
           <a:xfrm>
-            <a:off x="179512" y="764704"/>
-            <a:ext cx="8820472" cy="4608512"/>
+            <a:off x="9699" y="536322"/>
+            <a:ext cx="9134301" cy="5946671"/>
           </a:xfrm>
           <a:prstGeom prst="rect">
             <a:avLst/>
           </a:prstGeom>
-          <a:noFill/>
-          <a:ln w="9525">
-            <a:noFill/>
-            <a:miter lim="800000"/>
-            <a:headEnd/>
-            <a:tailEnd/>
-          </a:ln>
         </p:spPr>
       </p:pic>
     </p:spTree>
+    <p:extLst>
+      <p:ext uri="{BB962C8B-B14F-4D97-AF65-F5344CB8AC3E}">
+        <p14:creationId xmlns:p14="http://schemas.microsoft.com/office/powerpoint/2010/main" val="119498037"/>
+      </p:ext>
+    </p:extLst>
   </p:cSld>
   <p:clrMapOvr>
     <a:masterClrMapping/>
   </p:clrMapOvr>
-  <p:timing>
-    <p:tnLst>
-      <p:par>
-        <p:cTn id="1" dur="indefinite" restart="never" nodeType="tmRoot"/>
-      </p:par>
-    </p:tnLst>
-  </p:timing>
 </p:sld>
 </file>
 
@@ -5807,48 +5901,38 @@
       </p:grpSpPr>
       <p:pic>
         <p:nvPicPr>
-          <p:cNvPr id="5122" name="Picture 2"/>
+          <p:cNvPr id="4" name="Picture 3"/>
           <p:cNvPicPr>
-            <a:picLocks noChangeAspect="1" noChangeArrowheads="1"/>
+            <a:picLocks noChangeAspect="1"/>
           </p:cNvPicPr>
           <p:nvPr/>
         </p:nvPicPr>
         <p:blipFill>
-          <a:blip r:embed="rId2" cstate="print"/>
-          <a:srcRect/>
+          <a:blip r:embed="rId2"/>
           <a:stretch>
             <a:fillRect/>
           </a:stretch>
         </p:blipFill>
-        <p:spPr bwMode="auto">
+        <p:spPr>
           <a:xfrm>
-            <a:off x="251520" y="1700808"/>
-            <a:ext cx="8638816" cy="2232248"/>
+            <a:off x="0" y="404664"/>
+            <a:ext cx="9143999" cy="6110436"/>
           </a:xfrm>
           <a:prstGeom prst="rect">
             <a:avLst/>
           </a:prstGeom>
-          <a:noFill/>
-          <a:ln w="9525">
-            <a:noFill/>
-            <a:miter lim="800000"/>
-            <a:headEnd/>
-            <a:tailEnd/>
-          </a:ln>
         </p:spPr>
       </p:pic>
     </p:spTree>
+    <p:extLst>
+      <p:ext uri="{BB962C8B-B14F-4D97-AF65-F5344CB8AC3E}">
+        <p14:creationId xmlns:p14="http://schemas.microsoft.com/office/powerpoint/2010/main" val="3488629837"/>
+      </p:ext>
+    </p:extLst>
   </p:cSld>
   <p:clrMapOvr>
     <a:masterClrMapping/>
   </p:clrMapOvr>
-  <p:timing>
-    <p:tnLst>
-      <p:par>
-        <p:cTn id="1" dur="indefinite" restart="never" nodeType="tmRoot"/>
-      </p:par>
-    </p:tnLst>
-  </p:timing>
 </p:sld>
 </file>
 
@@ -5932,7 +6016,7 @@
     </p:spTree>
     <p:extLst>
       <p:ext uri="{BB962C8B-B14F-4D97-AF65-F5344CB8AC3E}">
-        <p14:creationId xmlns:p14="http://schemas.microsoft.com/office/powerpoint/2010/main" xmlns="" val="3790835245"/>
+        <p14:creationId xmlns:p14="http://schemas.microsoft.com/office/powerpoint/2010/main" val="3790835245"/>
       </p:ext>
     </p:extLst>
   </p:cSld>
@@ -6018,7 +6102,7 @@
     </p:spTree>
     <p:extLst>
       <p:ext uri="{BB962C8B-B14F-4D97-AF65-F5344CB8AC3E}">
-        <p14:creationId xmlns:p14="http://schemas.microsoft.com/office/powerpoint/2010/main" xmlns="" val="2842570375"/>
+        <p14:creationId xmlns:p14="http://schemas.microsoft.com/office/powerpoint/2010/main" val="2842570375"/>
       </p:ext>
     </p:extLst>
   </p:cSld>
@@ -6355,7 +6439,7 @@
     </p:spTree>
     <p:extLst>
       <p:ext uri="{BB962C8B-B14F-4D97-AF65-F5344CB8AC3E}">
-        <p14:creationId xmlns:p14="http://schemas.microsoft.com/office/powerpoint/2010/main" xmlns="" val="1766036467"/>
+        <p14:creationId xmlns:p14="http://schemas.microsoft.com/office/powerpoint/2010/main" val="1766036467"/>
       </p:ext>
     </p:extLst>
   </p:cSld>
@@ -6760,7 +6844,7 @@
     </p:spTree>
     <p:extLst>
       <p:ext uri="{BB962C8B-B14F-4D97-AF65-F5344CB8AC3E}">
-        <p14:creationId xmlns:p14="http://schemas.microsoft.com/office/powerpoint/2010/main" xmlns="" val="1801964185"/>
+        <p14:creationId xmlns:p14="http://schemas.microsoft.com/office/powerpoint/2010/main" val="1801964185"/>
       </p:ext>
     </p:extLst>
   </p:cSld>
@@ -6861,7 +6945,7 @@
           <p:nvPr>
             <p:extLst>
               <p:ext uri="{D42A27DB-BD31-4B8C-83A1-F6EECF244321}">
-                <p14:modId xmlns:p14="http://schemas.microsoft.com/office/powerpoint/2010/main" xmlns="" val="3343915650"/>
+                <p14:modId xmlns:p14="http://schemas.microsoft.com/office/powerpoint/2010/main" val="3343915650"/>
               </p:ext>
             </p:extLst>
           </p:nvPr>
@@ -6879,7 +6963,7 @@
     </p:spTree>
     <p:extLst>
       <p:ext uri="{BB962C8B-B14F-4D97-AF65-F5344CB8AC3E}">
-        <p14:creationId xmlns:p14="http://schemas.microsoft.com/office/powerpoint/2010/main" xmlns="" val="521688544"/>
+        <p14:creationId xmlns:p14="http://schemas.microsoft.com/office/powerpoint/2010/main" val="521688544"/>
       </p:ext>
     </p:extLst>
   </p:cSld>
@@ -6982,7 +7066,7 @@
           <p:nvPr>
             <p:extLst>
               <p:ext uri="{D42A27DB-BD31-4B8C-83A1-F6EECF244321}">
-                <p14:modId xmlns:p14="http://schemas.microsoft.com/office/powerpoint/2010/main" xmlns="" val="985431669"/>
+                <p14:modId xmlns:p14="http://schemas.microsoft.com/office/powerpoint/2010/main" val="985431669"/>
               </p:ext>
             </p:extLst>
           </p:nvPr>
@@ -7000,7 +7084,7 @@
     </p:spTree>
     <p:extLst>
       <p:ext uri="{BB962C8B-B14F-4D97-AF65-F5344CB8AC3E}">
-        <p14:creationId xmlns:p14="http://schemas.microsoft.com/office/powerpoint/2010/main" xmlns="" val="465675328"/>
+        <p14:creationId xmlns:p14="http://schemas.microsoft.com/office/powerpoint/2010/main" val="465675328"/>
       </p:ext>
     </p:extLst>
   </p:cSld>
@@ -7110,7 +7194,7 @@
           <p:nvPr>
             <p:extLst>
               <p:ext uri="{D42A27DB-BD31-4B8C-83A1-F6EECF244321}">
-                <p14:modId xmlns:p14="http://schemas.microsoft.com/office/powerpoint/2010/main" xmlns="" val="2873387101"/>
+                <p14:modId xmlns:p14="http://schemas.microsoft.com/office/powerpoint/2010/main" val="2873387101"/>
               </p:ext>
             </p:extLst>
           </p:nvPr>
@@ -7128,7 +7212,7 @@
     </p:spTree>
     <p:extLst>
       <p:ext uri="{BB962C8B-B14F-4D97-AF65-F5344CB8AC3E}">
-        <p14:creationId xmlns:p14="http://schemas.microsoft.com/office/powerpoint/2010/main" xmlns="" val="2092790645"/>
+        <p14:creationId xmlns:p14="http://schemas.microsoft.com/office/powerpoint/2010/main" val="2092790645"/>
       </p:ext>
     </p:extLst>
   </p:cSld>
@@ -7256,7 +7340,7 @@
           <p:nvPr>
             <p:extLst>
               <p:ext uri="{D42A27DB-BD31-4B8C-83A1-F6EECF244321}">
-                <p14:modId xmlns:p14="http://schemas.microsoft.com/office/powerpoint/2010/main" xmlns="" val="3936272337"/>
+                <p14:modId xmlns:p14="http://schemas.microsoft.com/office/powerpoint/2010/main" val="3936272337"/>
               </p:ext>
             </p:extLst>
           </p:nvPr>
@@ -7274,7 +7358,7 @@
     </p:spTree>
     <p:extLst>
       <p:ext uri="{BB962C8B-B14F-4D97-AF65-F5344CB8AC3E}">
-        <p14:creationId xmlns:p14="http://schemas.microsoft.com/office/powerpoint/2010/main" xmlns="" val="2986925712"/>
+        <p14:creationId xmlns:p14="http://schemas.microsoft.com/office/powerpoint/2010/main" val="2986925712"/>
       </p:ext>
     </p:extLst>
   </p:cSld>
@@ -7400,7 +7484,7 @@
     </p:spTree>
     <p:extLst>
       <p:ext uri="{BB962C8B-B14F-4D97-AF65-F5344CB8AC3E}">
-        <p14:creationId xmlns:p14="http://schemas.microsoft.com/office/powerpoint/2010/main" xmlns="" val="1725165225"/>
+        <p14:creationId xmlns:p14="http://schemas.microsoft.com/office/powerpoint/2010/main" val="1725165225"/>
       </p:ext>
     </p:extLst>
   </p:cSld>
@@ -8013,7 +8097,7 @@
           <a:blip r:embed="rId2" cstate="print">
             <a:extLst>
               <a:ext uri="{28A0092B-C50C-407E-A947-70E740481C1C}">
-                <a14:useLocalDpi xmlns:a14="http://schemas.microsoft.com/office/drawing/2010/main" xmlns="" val="0"/>
+                <a14:useLocalDpi xmlns:a14="http://schemas.microsoft.com/office/drawing/2010/main" val="0"/>
               </a:ext>
             </a:extLst>
           </a:blip>
@@ -8033,7 +8117,7 @@
           <a:noFill/>
           <a:extLst>
             <a:ext uri="{909E8E84-426E-40DD-AFC4-6F175D3DCCD1}">
-              <a14:hiddenFill xmlns:a14="http://schemas.microsoft.com/office/drawing/2010/main" xmlns="">
+              <a14:hiddenFill xmlns:a14="http://schemas.microsoft.com/office/drawing/2010/main">
                 <a:solidFill>
                   <a:srgbClr val="FFFFFF"/>
                 </a:solidFill>
@@ -8530,13 +8614,7 @@
               <a:rPr lang="ru-RU" dirty="0" smtClean="0">
                 <a:cs typeface="Times New Roman" panose="02020603050405020304" pitchFamily="18" charset="0"/>
               </a:rPr>
-              <a:t>-приложение для управления сущностями тестовой БД и настройки политики </a:t>
-            </a:r>
-            <a:r>
-              <a:rPr lang="ru-RU" dirty="0" smtClean="0">
-                <a:cs typeface="Times New Roman" panose="02020603050405020304" pitchFamily="18" charset="0"/>
-              </a:rPr>
-              <a:t>безопасности</a:t>
+              <a:t>-приложение для управления сущностями тестовой БД и настройки политики безопасности</a:t>
             </a:r>
           </a:p>
           <a:p>
@@ -8557,29 +8635,20 @@
               <a:rPr lang="ru-RU" dirty="0" smtClean="0">
                 <a:cs typeface="Times New Roman" panose="02020603050405020304" pitchFamily="18" charset="0"/>
               </a:rPr>
-              <a:t>Написана </a:t>
+              <a:t>Написана библиотека на языке </a:t>
+            </a:r>
+            <a:r>
+              <a:rPr lang="en-US" dirty="0" smtClean="0">
+                <a:cs typeface="Times New Roman" panose="02020603050405020304" pitchFamily="18" charset="0"/>
+              </a:rPr>
+              <a:t>C#</a:t>
             </a:r>
             <a:r>
               <a:rPr lang="ru-RU" dirty="0" smtClean="0">
                 <a:cs typeface="Times New Roman" panose="02020603050405020304" pitchFamily="18" charset="0"/>
               </a:rPr>
-              <a:t>библиотека на языке </a:t>
-            </a:r>
-            <a:r>
-              <a:rPr lang="en-US" dirty="0" smtClean="0">
-                <a:cs typeface="Times New Roman" panose="02020603050405020304" pitchFamily="18" charset="0"/>
-              </a:rPr>
-              <a:t>C#</a:t>
-            </a:r>
-            <a:r>
-              <a:rPr lang="ru-RU" dirty="0" smtClean="0">
-                <a:cs typeface="Times New Roman" panose="02020603050405020304" pitchFamily="18" charset="0"/>
-              </a:rPr>
               <a:t> для вычисления доступа к строкам таблиц базы данных</a:t>
             </a:r>
-            <a:endParaRPr lang="ru-RU" dirty="0" smtClean="0">
-              <a:cs typeface="Times New Roman" panose="02020603050405020304" pitchFamily="18" charset="0"/>
-            </a:endParaRPr>
           </a:p>
           <a:p>
             <a:pPr marL="514350" indent="-514350">
@@ -8697,9 +8766,6 @@
               </a:rPr>
               <a:t>данных</a:t>
             </a:r>
-            <a:endParaRPr lang="ru-RU" dirty="0" smtClean="0">
-              <a:cs typeface="Times New Roman" panose="02020603050405020304" pitchFamily="18" charset="0"/>
-            </a:endParaRPr>
           </a:p>
           <a:p>
             <a:pPr marL="514350" indent="-514350">
@@ -8736,7 +8802,7 @@
     </p:spTree>
     <p:extLst>
       <p:ext uri="{BB962C8B-B14F-4D97-AF65-F5344CB8AC3E}">
-        <p14:creationId xmlns:p14="http://schemas.microsoft.com/office/powerpoint/2010/main" xmlns="" val="783246266"/>
+        <p14:creationId xmlns:p14="http://schemas.microsoft.com/office/powerpoint/2010/main" val="783246266"/>
       </p:ext>
     </p:extLst>
   </p:cSld>
